--- a/Project_Presentation.pptx
+++ b/Project_Presentation.pptx
@@ -5,7 +5,7 @@
     <p:sldMasterId id="2147483844" r:id="rId1"/>
   </p:sldMasterIdLst>
   <p:notesMasterIdLst>
-    <p:notesMasterId r:id="rId38"/>
+    <p:notesMasterId r:id="rId39"/>
   </p:notesMasterIdLst>
   <p:sldIdLst>
     <p:sldId id="256" r:id="rId2"/>
@@ -13,9 +13,9 @@
     <p:sldId id="294" r:id="rId4"/>
     <p:sldId id="295" r:id="rId5"/>
     <p:sldId id="296" r:id="rId6"/>
-    <p:sldId id="258" r:id="rId7"/>
-    <p:sldId id="276" r:id="rId8"/>
-    <p:sldId id="259" r:id="rId9"/>
+    <p:sldId id="276" r:id="rId7"/>
+    <p:sldId id="259" r:id="rId8"/>
+    <p:sldId id="298" r:id="rId9"/>
     <p:sldId id="277" r:id="rId10"/>
     <p:sldId id="278" r:id="rId11"/>
     <p:sldId id="279" r:id="rId12"/>
@@ -41,9 +41,10 @@
     <p:sldId id="270" r:id="rId32"/>
     <p:sldId id="269" r:id="rId33"/>
     <p:sldId id="275" r:id="rId34"/>
-    <p:sldId id="272" r:id="rId35"/>
-    <p:sldId id="292" r:id="rId36"/>
-    <p:sldId id="293" r:id="rId37"/>
+    <p:sldId id="300" r:id="rId35"/>
+    <p:sldId id="301" r:id="rId36"/>
+    <p:sldId id="292" r:id="rId37"/>
+    <p:sldId id="293" r:id="rId38"/>
   </p:sldIdLst>
   <p:sldSz cx="12192000" cy="6858000"/>
   <p:notesSz cx="6858000" cy="9144000"/>
@@ -153,7 +154,7 @@
 <file path=ppt/revisionInfo.xml><?xml version="1.0" encoding="utf-8"?>
 <p1510:revInfo xmlns:a="http://schemas.openxmlformats.org/drawingml/2006/main" xmlns:r="http://schemas.openxmlformats.org/officeDocument/2006/relationships" xmlns:p1510="http://schemas.microsoft.com/office/powerpoint/2015/10/main">
   <p1510:revLst>
-    <p1510:client id="{EB21548F-6E94-44C3-9FBB-D8FC0BDA6F9C}" v="1224" dt="2024-04-17T13:40:27.601"/>
+    <p1510:client id="{EB21548F-6E94-44C3-9FBB-D8FC0BDA6F9C}" v="1381" dt="2024-04-22T08:52:37.961"/>
   </p1510:revLst>
 </p1510:revInfo>
 </file>
@@ -163,12 +164,12 @@
   <pc:docChgLst>
     <pc:chgData name="Ram Patel" userId="eb223d56faaba79f" providerId="LiveId" clId="{EB21548F-6E94-44C3-9FBB-D8FC0BDA6F9C}"/>
     <pc:docChg chg="undo redo custSel addSld delSld modSld sldOrd modMainMaster">
-      <pc:chgData name="Ram Patel" userId="eb223d56faaba79f" providerId="LiveId" clId="{EB21548F-6E94-44C3-9FBB-D8FC0BDA6F9C}" dt="2024-04-17T13:40:35.496" v="13181"/>
+      <pc:chgData name="Ram Patel" userId="eb223d56faaba79f" providerId="LiveId" clId="{EB21548F-6E94-44C3-9FBB-D8FC0BDA6F9C}" dt="2024-04-22T08:52:37.961" v="13840"/>
       <pc:docMkLst>
         <pc:docMk/>
       </pc:docMkLst>
       <pc:sldChg chg="addSp delSp modSp mod setBg addAnim delAnim setClrOvrMap delDesignElem">
-        <pc:chgData name="Ram Patel" userId="eb223d56faaba79f" providerId="LiveId" clId="{EB21548F-6E94-44C3-9FBB-D8FC0BDA6F9C}" dt="2024-04-14T18:42:33.275" v="4292" actId="1076"/>
+        <pc:chgData name="Ram Patel" userId="eb223d56faaba79f" providerId="LiveId" clId="{EB21548F-6E94-44C3-9FBB-D8FC0BDA6F9C}" dt="2024-04-22T07:40:38.038" v="13783" actId="20577"/>
         <pc:sldMkLst>
           <pc:docMk/>
           <pc:sldMk cId="2797274742" sldId="256"/>
@@ -182,7 +183,7 @@
           </ac:spMkLst>
         </pc:spChg>
         <pc:spChg chg="mod">
-          <ac:chgData name="Ram Patel" userId="eb223d56faaba79f" providerId="LiveId" clId="{EB21548F-6E94-44C3-9FBB-D8FC0BDA6F9C}" dt="2024-04-14T18:41:24.161" v="4287" actId="27636"/>
+          <ac:chgData name="Ram Patel" userId="eb223d56faaba79f" providerId="LiveId" clId="{EB21548F-6E94-44C3-9FBB-D8FC0BDA6F9C}" dt="2024-04-22T07:40:38.038" v="13783" actId="20577"/>
           <ac:spMkLst>
             <pc:docMk/>
             <pc:sldMk cId="2797274742" sldId="256"/>
@@ -755,7 +756,7 @@
         </pc:spChg>
       </pc:sldChg>
       <pc:sldChg chg="addSp delSp modSp mod setBg">
-        <pc:chgData name="Ram Patel" userId="eb223d56faaba79f" providerId="LiveId" clId="{EB21548F-6E94-44C3-9FBB-D8FC0BDA6F9C}" dt="2024-04-17T12:26:04.536" v="10026" actId="20577"/>
+        <pc:chgData name="Ram Patel" userId="eb223d56faaba79f" providerId="LiveId" clId="{EB21548F-6E94-44C3-9FBB-D8FC0BDA6F9C}" dt="2024-04-21T18:38:40.223" v="13315" actId="20577"/>
         <pc:sldMkLst>
           <pc:docMk/>
           <pc:sldMk cId="835372083" sldId="261"/>
@@ -769,7 +770,7 @@
           </ac:spMkLst>
         </pc:spChg>
         <pc:spChg chg="mod">
-          <ac:chgData name="Ram Patel" userId="eb223d56faaba79f" providerId="LiveId" clId="{EB21548F-6E94-44C3-9FBB-D8FC0BDA6F9C}" dt="2024-04-17T12:26:04.536" v="10026" actId="20577"/>
+          <ac:chgData name="Ram Patel" userId="eb223d56faaba79f" providerId="LiveId" clId="{EB21548F-6E94-44C3-9FBB-D8FC0BDA6F9C}" dt="2024-04-21T18:38:40.223" v="13315" actId="20577"/>
           <ac:spMkLst>
             <pc:docMk/>
             <pc:sldMk cId="835372083" sldId="261"/>
@@ -1306,7 +1307,7 @@
         </pc:cxnChg>
       </pc:sldChg>
       <pc:sldChg chg="modSp mod ord">
-        <pc:chgData name="Ram Patel" userId="eb223d56faaba79f" providerId="LiveId" clId="{EB21548F-6E94-44C3-9FBB-D8FC0BDA6F9C}" dt="2024-04-17T12:17:35.980" v="9627" actId="6549"/>
+        <pc:chgData name="Ram Patel" userId="eb223d56faaba79f" providerId="LiveId" clId="{EB21548F-6E94-44C3-9FBB-D8FC0BDA6F9C}" dt="2024-04-22T05:34:19.515" v="13515" actId="20577"/>
         <pc:sldMkLst>
           <pc:docMk/>
           <pc:sldMk cId="1929626754" sldId="262"/>
@@ -1320,7 +1321,7 @@
           </ac:spMkLst>
         </pc:spChg>
         <pc:spChg chg="mod">
-          <ac:chgData name="Ram Patel" userId="eb223d56faaba79f" providerId="LiveId" clId="{EB21548F-6E94-44C3-9FBB-D8FC0BDA6F9C}" dt="2024-04-17T12:17:35.980" v="9627" actId="6549"/>
+          <ac:chgData name="Ram Patel" userId="eb223d56faaba79f" providerId="LiveId" clId="{EB21548F-6E94-44C3-9FBB-D8FC0BDA6F9C}" dt="2024-04-22T05:34:19.515" v="13515" actId="20577"/>
           <ac:spMkLst>
             <pc:docMk/>
             <pc:sldMk cId="1929626754" sldId="262"/>
@@ -2143,7 +2144,7 @@
         </pc:spChg>
       </pc:sldChg>
       <pc:sldChg chg="addSp delSp modSp mod ord">
-        <pc:chgData name="Ram Patel" userId="eb223d56faaba79f" providerId="LiveId" clId="{EB21548F-6E94-44C3-9FBB-D8FC0BDA6F9C}" dt="2024-04-17T13:40:35.496" v="13181"/>
+        <pc:chgData name="Ram Patel" userId="eb223d56faaba79f" providerId="LiveId" clId="{EB21548F-6E94-44C3-9FBB-D8FC0BDA6F9C}" dt="2024-04-22T08:49:27.734" v="13829" actId="20577"/>
         <pc:sldMkLst>
           <pc:docMk/>
           <pc:sldMk cId="3216682485" sldId="265"/>
@@ -2165,6 +2166,14 @@
           </ac:spMkLst>
         </pc:spChg>
         <pc:spChg chg="mod">
+          <ac:chgData name="Ram Patel" userId="eb223d56faaba79f" providerId="LiveId" clId="{EB21548F-6E94-44C3-9FBB-D8FC0BDA6F9C}" dt="2024-04-22T08:49:27.734" v="13829" actId="20577"/>
+          <ac:spMkLst>
+            <pc:docMk/>
+            <pc:sldMk cId="3216682485" sldId="265"/>
+            <ac:spMk id="3" creationId="{FB54BEC6-4C0C-108E-9EFF-7ED2FD3A33EE}"/>
+          </ac:spMkLst>
+        </pc:spChg>
+        <pc:spChg chg="mod">
           <ac:chgData name="Ram Patel" userId="eb223d56faaba79f" providerId="LiveId" clId="{EB21548F-6E94-44C3-9FBB-D8FC0BDA6F9C}" dt="2024-04-17T13:38:57.134" v="12993" actId="1038"/>
           <ac:spMkLst>
             <pc:docMk/>
@@ -2181,7 +2190,7 @@
           </ac:spMkLst>
         </pc:spChg>
         <pc:spChg chg="add mod">
-          <ac:chgData name="Ram Patel" userId="eb223d56faaba79f" providerId="LiveId" clId="{EB21548F-6E94-44C3-9FBB-D8FC0BDA6F9C}" dt="2024-04-17T13:38:57.134" v="12993" actId="1038"/>
+          <ac:chgData name="Ram Patel" userId="eb223d56faaba79f" providerId="LiveId" clId="{EB21548F-6E94-44C3-9FBB-D8FC0BDA6F9C}" dt="2024-04-22T07:05:32.759" v="13666" actId="1037"/>
           <ac:spMkLst>
             <pc:docMk/>
             <pc:sldMk cId="3216682485" sldId="265"/>
@@ -2205,7 +2214,15 @@
           </ac:spMkLst>
         </pc:spChg>
         <pc:spChg chg="add mod">
-          <ac:chgData name="Ram Patel" userId="eb223d56faaba79f" providerId="LiveId" clId="{EB21548F-6E94-44C3-9FBB-D8FC0BDA6F9C}" dt="2024-04-17T13:38:57.134" v="12993" actId="1038"/>
+          <ac:chgData name="Ram Patel" userId="eb223d56faaba79f" providerId="LiveId" clId="{EB21548F-6E94-44C3-9FBB-D8FC0BDA6F9C}" dt="2024-04-22T07:06:37.443" v="13731" actId="1036"/>
+          <ac:spMkLst>
+            <pc:docMk/>
+            <pc:sldMk cId="3216682485" sldId="265"/>
+            <ac:spMk id="9" creationId="{7FC7731C-864C-CB1F-5582-9E6D187FD143}"/>
+          </ac:spMkLst>
+        </pc:spChg>
+        <pc:spChg chg="add mod">
+          <ac:chgData name="Ram Patel" userId="eb223d56faaba79f" providerId="LiveId" clId="{EB21548F-6E94-44C3-9FBB-D8FC0BDA6F9C}" dt="2024-04-22T07:04:49.718" v="13553" actId="1038"/>
           <ac:spMkLst>
             <pc:docMk/>
             <pc:sldMk cId="3216682485" sldId="265"/>
@@ -2213,7 +2230,7 @@
           </ac:spMkLst>
         </pc:spChg>
         <pc:spChg chg="add mod">
-          <ac:chgData name="Ram Patel" userId="eb223d56faaba79f" providerId="LiveId" clId="{EB21548F-6E94-44C3-9FBB-D8FC0BDA6F9C}" dt="2024-04-17T13:38:57.134" v="12993" actId="1038"/>
+          <ac:chgData name="Ram Patel" userId="eb223d56faaba79f" providerId="LiveId" clId="{EB21548F-6E94-44C3-9FBB-D8FC0BDA6F9C}" dt="2024-04-22T07:04:57.814" v="13587" actId="1037"/>
           <ac:spMkLst>
             <pc:docMk/>
             <pc:sldMk cId="3216682485" sldId="265"/>
@@ -2221,7 +2238,7 @@
           </ac:spMkLst>
         </pc:spChg>
         <pc:spChg chg="add mod">
-          <ac:chgData name="Ram Patel" userId="eb223d56faaba79f" providerId="LiveId" clId="{EB21548F-6E94-44C3-9FBB-D8FC0BDA6F9C}" dt="2024-04-17T13:38:57.134" v="12993" actId="1038"/>
+          <ac:chgData name="Ram Patel" userId="eb223d56faaba79f" providerId="LiveId" clId="{EB21548F-6E94-44C3-9FBB-D8FC0BDA6F9C}" dt="2024-04-22T07:05:46.284" v="13692" actId="1038"/>
           <ac:spMkLst>
             <pc:docMk/>
             <pc:sldMk cId="3216682485" sldId="265"/>
@@ -2236,6 +2253,14 @@
             <ac:spMk id="13" creationId="{68FCD5A9-7985-82D8-CE8F-60CF3389A6C1}"/>
           </ac:spMkLst>
         </pc:spChg>
+        <pc:spChg chg="add mod">
+          <ac:chgData name="Ram Patel" userId="eb223d56faaba79f" providerId="LiveId" clId="{EB21548F-6E94-44C3-9FBB-D8FC0BDA6F9C}" dt="2024-04-22T07:06:17.568" v="13726" actId="20577"/>
+          <ac:spMkLst>
+            <pc:docMk/>
+            <pc:sldMk cId="3216682485" sldId="265"/>
+            <ac:spMk id="13" creationId="{8A0724FF-A387-23BA-B8AB-538B57942A39}"/>
+          </ac:spMkLst>
+        </pc:spChg>
         <pc:spChg chg="add del">
           <ac:chgData name="Ram Patel" userId="eb223d56faaba79f" providerId="LiveId" clId="{EB21548F-6E94-44C3-9FBB-D8FC0BDA6F9C}" dt="2024-04-17T13:35:36.995" v="12799" actId="478"/>
           <ac:spMkLst>
@@ -2253,7 +2278,7 @@
           </ac:spMkLst>
         </pc:spChg>
         <pc:spChg chg="add mod">
-          <ac:chgData name="Ram Patel" userId="eb223d56faaba79f" providerId="LiveId" clId="{EB21548F-6E94-44C3-9FBB-D8FC0BDA6F9C}" dt="2024-04-17T13:38:57.134" v="12993" actId="1038"/>
+          <ac:chgData name="Ram Patel" userId="eb223d56faaba79f" providerId="LiveId" clId="{EB21548F-6E94-44C3-9FBB-D8FC0BDA6F9C}" dt="2024-04-22T07:05:50.389" v="13710" actId="1037"/>
           <ac:spMkLst>
             <pc:docMk/>
             <pc:sldMk cId="3216682485" sldId="265"/>
@@ -2261,7 +2286,7 @@
           </ac:spMkLst>
         </pc:spChg>
         <pc:spChg chg="add mod">
-          <ac:chgData name="Ram Patel" userId="eb223d56faaba79f" providerId="LiveId" clId="{EB21548F-6E94-44C3-9FBB-D8FC0BDA6F9C}" dt="2024-04-17T13:38:57.134" v="12993" actId="1038"/>
+          <ac:chgData name="Ram Patel" userId="eb223d56faaba79f" providerId="LiveId" clId="{EB21548F-6E94-44C3-9FBB-D8FC0BDA6F9C}" dt="2024-04-22T07:05:03.830" v="13608" actId="1037"/>
           <ac:spMkLst>
             <pc:docMk/>
             <pc:sldMk cId="3216682485" sldId="265"/>
@@ -2269,7 +2294,7 @@
           </ac:spMkLst>
         </pc:spChg>
         <pc:spChg chg="add mod">
-          <ac:chgData name="Ram Patel" userId="eb223d56faaba79f" providerId="LiveId" clId="{EB21548F-6E94-44C3-9FBB-D8FC0BDA6F9C}" dt="2024-04-17T13:38:57.134" v="12993" actId="1038"/>
+          <ac:chgData name="Ram Patel" userId="eb223d56faaba79f" providerId="LiveId" clId="{EB21548F-6E94-44C3-9FBB-D8FC0BDA6F9C}" dt="2024-04-22T07:05:19.325" v="13650" actId="1037"/>
           <ac:spMkLst>
             <pc:docMk/>
             <pc:sldMk cId="3216682485" sldId="265"/>
@@ -2389,7 +2414,7 @@
           </ac:spMkLst>
         </pc:spChg>
         <pc:cxnChg chg="add mod">
-          <ac:chgData name="Ram Patel" userId="eb223d56faaba79f" providerId="LiveId" clId="{EB21548F-6E94-44C3-9FBB-D8FC0BDA6F9C}" dt="2024-04-17T13:38:57.134" v="12993" actId="1038"/>
+          <ac:chgData name="Ram Patel" userId="eb223d56faaba79f" providerId="LiveId" clId="{EB21548F-6E94-44C3-9FBB-D8FC0BDA6F9C}" dt="2024-04-22T07:05:32.759" v="13666" actId="1037"/>
           <ac:cxnSpMkLst>
             <pc:docMk/>
             <pc:sldMk cId="3216682485" sldId="265"/>
@@ -2397,7 +2422,7 @@
           </ac:cxnSpMkLst>
         </pc:cxnChg>
         <pc:cxnChg chg="add mod">
-          <ac:chgData name="Ram Patel" userId="eb223d56faaba79f" providerId="LiveId" clId="{EB21548F-6E94-44C3-9FBB-D8FC0BDA6F9C}" dt="2024-04-17T13:38:57.134" v="12993" actId="1038"/>
+          <ac:chgData name="Ram Patel" userId="eb223d56faaba79f" providerId="LiveId" clId="{EB21548F-6E94-44C3-9FBB-D8FC0BDA6F9C}" dt="2024-04-22T07:05:37.795" v="13667" actId="14100"/>
           <ac:cxnSpMkLst>
             <pc:docMk/>
             <pc:sldMk cId="3216682485" sldId="265"/>
@@ -2405,7 +2430,7 @@
           </ac:cxnSpMkLst>
         </pc:cxnChg>
         <pc:cxnChg chg="add mod">
-          <ac:chgData name="Ram Patel" userId="eb223d56faaba79f" providerId="LiveId" clId="{EB21548F-6E94-44C3-9FBB-D8FC0BDA6F9C}" dt="2024-04-17T13:38:57.134" v="12993" actId="1038"/>
+          <ac:chgData name="Ram Patel" userId="eb223d56faaba79f" providerId="LiveId" clId="{EB21548F-6E94-44C3-9FBB-D8FC0BDA6F9C}" dt="2024-04-22T07:04:57.814" v="13587" actId="1037"/>
           <ac:cxnSpMkLst>
             <pc:docMk/>
             <pc:sldMk cId="3216682485" sldId="265"/>
@@ -2413,7 +2438,7 @@
           </ac:cxnSpMkLst>
         </pc:cxnChg>
         <pc:cxnChg chg="add mod">
-          <ac:chgData name="Ram Patel" userId="eb223d56faaba79f" providerId="LiveId" clId="{EB21548F-6E94-44C3-9FBB-D8FC0BDA6F9C}" dt="2024-04-17T13:38:57.134" v="12993" actId="1038"/>
+          <ac:chgData name="Ram Patel" userId="eb223d56faaba79f" providerId="LiveId" clId="{EB21548F-6E94-44C3-9FBB-D8FC0BDA6F9C}" dt="2024-04-22T07:05:15.132" v="13642" actId="1037"/>
           <ac:cxnSpMkLst>
             <pc:docMk/>
             <pc:sldMk cId="3216682485" sldId="265"/>
@@ -3614,8 +3639,8 @@
           <pc:sldMk cId="2090789744" sldId="271"/>
         </pc:sldMkLst>
       </pc:sldChg>
-      <pc:sldChg chg="modSp new mod">
-        <pc:chgData name="Ram Patel" userId="eb223d56faaba79f" providerId="LiveId" clId="{EB21548F-6E94-44C3-9FBB-D8FC0BDA6F9C}" dt="2024-04-14T18:44:02.667" v="4297" actId="2710"/>
+      <pc:sldChg chg="modSp new del mod">
+        <pc:chgData name="Ram Patel" userId="eb223d56faaba79f" providerId="LiveId" clId="{EB21548F-6E94-44C3-9FBB-D8FC0BDA6F9C}" dt="2024-04-22T07:39:17.461" v="13733" actId="2696"/>
         <pc:sldMkLst>
           <pc:docMk/>
           <pc:sldMk cId="4039436949" sldId="272"/>
@@ -3707,7 +3732,7 @@
         </pc:spChg>
       </pc:sldChg>
       <pc:sldChg chg="modSp new mod">
-        <pc:chgData name="Ram Patel" userId="eb223d56faaba79f" providerId="LiveId" clId="{EB21548F-6E94-44C3-9FBB-D8FC0BDA6F9C}" dt="2024-04-17T09:54:54.798" v="5639" actId="20577"/>
+        <pc:chgData name="Ram Patel" userId="eb223d56faaba79f" providerId="LiveId" clId="{EB21548F-6E94-44C3-9FBB-D8FC0BDA6F9C}" dt="2024-04-21T18:12:07.585" v="13185" actId="20577"/>
         <pc:sldMkLst>
           <pc:docMk/>
           <pc:sldMk cId="1265293674" sldId="276"/>
@@ -3720,9 +3745,17 @@
             <ac:spMk id="2" creationId="{B8D7FFCE-952A-F775-8F6F-314B8241E9B0}"/>
           </ac:spMkLst>
         </pc:spChg>
+        <pc:spChg chg="mod">
+          <ac:chgData name="Ram Patel" userId="eb223d56faaba79f" providerId="LiveId" clId="{EB21548F-6E94-44C3-9FBB-D8FC0BDA6F9C}" dt="2024-04-21T18:12:07.585" v="13185" actId="20577"/>
+          <ac:spMkLst>
+            <pc:docMk/>
+            <pc:sldMk cId="1265293674" sldId="276"/>
+            <ac:spMk id="3" creationId="{7E831195-D5DB-84A2-76C4-B947856F865B}"/>
+          </ac:spMkLst>
+        </pc:spChg>
       </pc:sldChg>
       <pc:sldChg chg="addSp delSp modSp new mod">
-        <pc:chgData name="Ram Patel" userId="eb223d56faaba79f" providerId="LiveId" clId="{EB21548F-6E94-44C3-9FBB-D8FC0BDA6F9C}" dt="2024-04-17T11:41:54.090" v="8470" actId="20577"/>
+        <pc:chgData name="Ram Patel" userId="eb223d56faaba79f" providerId="LiveId" clId="{EB21548F-6E94-44C3-9FBB-D8FC0BDA6F9C}" dt="2024-04-21T18:19:24.006" v="13273" actId="20577"/>
         <pc:sldMkLst>
           <pc:docMk/>
           <pc:sldMk cId="471661647" sldId="277"/>
@@ -3736,7 +3769,7 @@
           </ac:spMkLst>
         </pc:spChg>
         <pc:spChg chg="mod">
-          <ac:chgData name="Ram Patel" userId="eb223d56faaba79f" providerId="LiveId" clId="{EB21548F-6E94-44C3-9FBB-D8FC0BDA6F9C}" dt="2024-04-17T11:41:54.090" v="8470" actId="20577"/>
+          <ac:chgData name="Ram Patel" userId="eb223d56faaba79f" providerId="LiveId" clId="{EB21548F-6E94-44C3-9FBB-D8FC0BDA6F9C}" dt="2024-04-21T18:19:24.006" v="13273" actId="20577"/>
           <ac:spMkLst>
             <pc:docMk/>
             <pc:sldMk cId="471661647" sldId="277"/>
@@ -3953,7 +3986,7 @@
         </pc:cxnChg>
       </pc:sldChg>
       <pc:sldChg chg="modSp new mod">
-        <pc:chgData name="Ram Patel" userId="eb223d56faaba79f" providerId="LiveId" clId="{EB21548F-6E94-44C3-9FBB-D8FC0BDA6F9C}" dt="2024-04-17T11:43:46.590" v="8526" actId="20577"/>
+        <pc:chgData name="Ram Patel" userId="eb223d56faaba79f" providerId="LiveId" clId="{EB21548F-6E94-44C3-9FBB-D8FC0BDA6F9C}" dt="2024-04-21T18:25:49.567" v="13306"/>
         <pc:sldMkLst>
           <pc:docMk/>
           <pc:sldMk cId="3893624568" sldId="278"/>
@@ -3967,7 +4000,7 @@
           </ac:spMkLst>
         </pc:spChg>
         <pc:spChg chg="mod">
-          <ac:chgData name="Ram Patel" userId="eb223d56faaba79f" providerId="LiveId" clId="{EB21548F-6E94-44C3-9FBB-D8FC0BDA6F9C}" dt="2024-04-17T11:43:46.590" v="8526" actId="20577"/>
+          <ac:chgData name="Ram Patel" userId="eb223d56faaba79f" providerId="LiveId" clId="{EB21548F-6E94-44C3-9FBB-D8FC0BDA6F9C}" dt="2024-04-21T18:25:49.567" v="13306"/>
           <ac:spMkLst>
             <pc:docMk/>
             <pc:sldMk cId="3893624568" sldId="278"/>
@@ -3976,7 +4009,7 @@
         </pc:spChg>
       </pc:sldChg>
       <pc:sldChg chg="addSp modSp new mod">
-        <pc:chgData name="Ram Patel" userId="eb223d56faaba79f" providerId="LiveId" clId="{EB21548F-6E94-44C3-9FBB-D8FC0BDA6F9C}" dt="2024-04-17T11:46:14.369" v="8741" actId="20577"/>
+        <pc:chgData name="Ram Patel" userId="eb223d56faaba79f" providerId="LiveId" clId="{EB21548F-6E94-44C3-9FBB-D8FC0BDA6F9C}" dt="2024-04-22T08:52:37.961" v="13840"/>
         <pc:sldMkLst>
           <pc:docMk/>
           <pc:sldMk cId="76049164" sldId="279"/>
@@ -3990,7 +4023,7 @@
           </ac:spMkLst>
         </pc:spChg>
         <pc:spChg chg="mod">
-          <ac:chgData name="Ram Patel" userId="eb223d56faaba79f" providerId="LiveId" clId="{EB21548F-6E94-44C3-9FBB-D8FC0BDA6F9C}" dt="2024-04-17T11:46:14.369" v="8741" actId="20577"/>
+          <ac:chgData name="Ram Patel" userId="eb223d56faaba79f" providerId="LiveId" clId="{EB21548F-6E94-44C3-9FBB-D8FC0BDA6F9C}" dt="2024-04-22T08:52:37.961" v="13840"/>
           <ac:spMkLst>
             <pc:docMk/>
             <pc:sldMk cId="76049164" sldId="279"/>
@@ -4891,6 +4924,50 @@
           <pc:sldMk cId="1903481360" sldId="287"/>
         </pc:sldMkLst>
       </pc:sldChg>
+      <pc:sldChg chg="modSp new mod">
+        <pc:chgData name="Ram Patel" userId="eb223d56faaba79f" providerId="LiveId" clId="{EB21548F-6E94-44C3-9FBB-D8FC0BDA6F9C}" dt="2024-04-21T19:22:21.263" v="13513" actId="58"/>
+        <pc:sldMkLst>
+          <pc:docMk/>
+          <pc:sldMk cId="1171904421" sldId="298"/>
+        </pc:sldMkLst>
+        <pc:spChg chg="mod">
+          <ac:chgData name="Ram Patel" userId="eb223d56faaba79f" providerId="LiveId" clId="{EB21548F-6E94-44C3-9FBB-D8FC0BDA6F9C}" dt="2024-04-21T18:17:24.049" v="13205"/>
+          <ac:spMkLst>
+            <pc:docMk/>
+            <pc:sldMk cId="1171904421" sldId="298"/>
+            <ac:spMk id="2" creationId="{C0C81745-85BC-7EAF-B929-6A93D8F75DBB}"/>
+          </ac:spMkLst>
+        </pc:spChg>
+        <pc:spChg chg="mod">
+          <ac:chgData name="Ram Patel" userId="eb223d56faaba79f" providerId="LiveId" clId="{EB21548F-6E94-44C3-9FBB-D8FC0BDA6F9C}" dt="2024-04-21T19:22:21.263" v="13513" actId="58"/>
+          <ac:spMkLst>
+            <pc:docMk/>
+            <pc:sldMk cId="1171904421" sldId="298"/>
+            <ac:spMk id="3" creationId="{EE51AA68-5E5D-34E2-FE6B-536850EAF17F}"/>
+          </ac:spMkLst>
+        </pc:spChg>
+      </pc:sldChg>
+      <pc:sldChg chg="add del">
+        <pc:chgData name="Ram Patel" userId="eb223d56faaba79f" providerId="LiveId" clId="{EB21548F-6E94-44C3-9FBB-D8FC0BDA6F9C}" dt="2024-04-22T07:27:55.243" v="13732" actId="2696"/>
+        <pc:sldMkLst>
+          <pc:docMk/>
+          <pc:sldMk cId="2150247778" sldId="299"/>
+        </pc:sldMkLst>
+      </pc:sldChg>
+      <pc:sldChg chg="add">
+        <pc:chgData name="Ram Patel" userId="eb223d56faaba79f" providerId="LiveId" clId="{EB21548F-6E94-44C3-9FBB-D8FC0BDA6F9C}" dt="2024-04-21T19:11:08.102" v="13317"/>
+        <pc:sldMkLst>
+          <pc:docMk/>
+          <pc:sldMk cId="2926043562" sldId="300"/>
+        </pc:sldMkLst>
+      </pc:sldChg>
+      <pc:sldChg chg="add">
+        <pc:chgData name="Ram Patel" userId="eb223d56faaba79f" providerId="LiveId" clId="{EB21548F-6E94-44C3-9FBB-D8FC0BDA6F9C}" dt="2024-04-21T19:11:29.130" v="13318"/>
+        <pc:sldMkLst>
+          <pc:docMk/>
+          <pc:sldMk cId="3400487702" sldId="301"/>
+        </pc:sldMkLst>
+      </pc:sldChg>
       <pc:sldMasterChg chg="modSldLayout">
         <pc:chgData name="Ram Patel" userId="eb223d56faaba79f" providerId="LiveId" clId="{EB21548F-6E94-44C3-9FBB-D8FC0BDA6F9C}" dt="2024-04-14T18:08:01.036" v="3928"/>
         <pc:sldMasterMkLst>
@@ -4909,2896 +4986,6 @@
     </pc:docChg>
   </pc:docChgLst>
 </pc:chgInfo>
-</file>
-
-<file path=ppt/diagrams/colors1.xml><?xml version="1.0" encoding="utf-8"?>
-<dgm:colorsDef xmlns:dgm="http://schemas.openxmlformats.org/drawingml/2006/diagram" xmlns:a="http://schemas.openxmlformats.org/drawingml/2006/main" uniqueId="urn:microsoft.com/office/officeart/2005/8/colors/accent1_2">
-  <dgm:title val=""/>
-  <dgm:desc val=""/>
-  <dgm:catLst>
-    <dgm:cat type="accent1" pri="11200"/>
-  </dgm:catLst>
-  <dgm:styleLbl name="node0">
-    <dgm:fillClrLst meth="repeat">
-      <a:schemeClr val="accent1"/>
-    </dgm:fillClrLst>
-    <dgm:linClrLst meth="repeat">
-      <a:schemeClr val="lt1"/>
-    </dgm:linClrLst>
-    <dgm:effectClrLst/>
-    <dgm:txLinClrLst/>
-    <dgm:txFillClrLst/>
-    <dgm:txEffectClrLst/>
-  </dgm:styleLbl>
-  <dgm:styleLbl name="alignNode1">
-    <dgm:fillClrLst meth="repeat">
-      <a:schemeClr val="accent1"/>
-    </dgm:fillClrLst>
-    <dgm:linClrLst meth="repeat">
-      <a:schemeClr val="accent1"/>
-    </dgm:linClrLst>
-    <dgm:effectClrLst/>
-    <dgm:txLinClrLst/>
-    <dgm:txFillClrLst/>
-    <dgm:txEffectClrLst/>
-  </dgm:styleLbl>
-  <dgm:styleLbl name="node1">
-    <dgm:fillClrLst meth="repeat">
-      <a:schemeClr val="accent1"/>
-    </dgm:fillClrLst>
-    <dgm:linClrLst meth="repeat">
-      <a:schemeClr val="lt1"/>
-    </dgm:linClrLst>
-    <dgm:effectClrLst/>
-    <dgm:txLinClrLst/>
-    <dgm:txFillClrLst/>
-    <dgm:txEffectClrLst/>
-  </dgm:styleLbl>
-  <dgm:styleLbl name="lnNode1">
-    <dgm:fillClrLst meth="repeat">
-      <a:schemeClr val="accent1"/>
-    </dgm:fillClrLst>
-    <dgm:linClrLst meth="repeat">
-      <a:schemeClr val="lt1"/>
-    </dgm:linClrLst>
-    <dgm:effectClrLst/>
-    <dgm:txLinClrLst/>
-    <dgm:txFillClrLst/>
-    <dgm:txEffectClrLst/>
-  </dgm:styleLbl>
-  <dgm:styleLbl name="vennNode1">
-    <dgm:fillClrLst meth="repeat">
-      <a:schemeClr val="accent1">
-        <a:alpha val="50000"/>
-      </a:schemeClr>
-    </dgm:fillClrLst>
-    <dgm:linClrLst meth="repeat">
-      <a:schemeClr val="lt1"/>
-    </dgm:linClrLst>
-    <dgm:effectClrLst/>
-    <dgm:txLinClrLst/>
-    <dgm:txFillClrLst/>
-    <dgm:txEffectClrLst/>
-  </dgm:styleLbl>
-  <dgm:styleLbl name="node2">
-    <dgm:fillClrLst meth="repeat">
-      <a:schemeClr val="accent1"/>
-    </dgm:fillClrLst>
-    <dgm:linClrLst meth="repeat">
-      <a:schemeClr val="lt1"/>
-    </dgm:linClrLst>
-    <dgm:effectClrLst/>
-    <dgm:txLinClrLst/>
-    <dgm:txFillClrLst/>
-    <dgm:txEffectClrLst/>
-  </dgm:styleLbl>
-  <dgm:styleLbl name="node3">
-    <dgm:fillClrLst meth="repeat">
-      <a:schemeClr val="accent1"/>
-    </dgm:fillClrLst>
-    <dgm:linClrLst meth="repeat">
-      <a:schemeClr val="lt1"/>
-    </dgm:linClrLst>
-    <dgm:effectClrLst/>
-    <dgm:txLinClrLst/>
-    <dgm:txFillClrLst/>
-    <dgm:txEffectClrLst/>
-  </dgm:styleLbl>
-  <dgm:styleLbl name="node4">
-    <dgm:fillClrLst meth="repeat">
-      <a:schemeClr val="accent1"/>
-    </dgm:fillClrLst>
-    <dgm:linClrLst meth="repeat">
-      <a:schemeClr val="lt1"/>
-    </dgm:linClrLst>
-    <dgm:effectClrLst/>
-    <dgm:txLinClrLst/>
-    <dgm:txFillClrLst/>
-    <dgm:txEffectClrLst/>
-  </dgm:styleLbl>
-  <dgm:styleLbl name="fgImgPlace1">
-    <dgm:fillClrLst meth="repeat">
-      <a:schemeClr val="accent1">
-        <a:tint val="50000"/>
-      </a:schemeClr>
-    </dgm:fillClrLst>
-    <dgm:linClrLst meth="repeat">
-      <a:schemeClr val="lt1"/>
-    </dgm:linClrLst>
-    <dgm:effectClrLst/>
-    <dgm:txLinClrLst/>
-    <dgm:txFillClrLst meth="repeat">
-      <a:schemeClr val="lt1"/>
-    </dgm:txFillClrLst>
-    <dgm:txEffectClrLst/>
-  </dgm:styleLbl>
-  <dgm:styleLbl name="alignImgPlace1">
-    <dgm:fillClrLst meth="repeat">
-      <a:schemeClr val="accent1">
-        <a:tint val="50000"/>
-      </a:schemeClr>
-    </dgm:fillClrLst>
-    <dgm:linClrLst meth="repeat">
-      <a:schemeClr val="lt1"/>
-    </dgm:linClrLst>
-    <dgm:effectClrLst/>
-    <dgm:txLinClrLst/>
-    <dgm:txFillClrLst meth="repeat">
-      <a:schemeClr val="lt1"/>
-    </dgm:txFillClrLst>
-    <dgm:txEffectClrLst/>
-  </dgm:styleLbl>
-  <dgm:styleLbl name="bgImgPlace1">
-    <dgm:fillClrLst meth="repeat">
-      <a:schemeClr val="accent1">
-        <a:tint val="50000"/>
-      </a:schemeClr>
-    </dgm:fillClrLst>
-    <dgm:linClrLst meth="repeat">
-      <a:schemeClr val="lt1"/>
-    </dgm:linClrLst>
-    <dgm:effectClrLst/>
-    <dgm:txLinClrLst/>
-    <dgm:txFillClrLst meth="repeat">
-      <a:schemeClr val="lt1"/>
-    </dgm:txFillClrLst>
-    <dgm:txEffectClrLst/>
-  </dgm:styleLbl>
-  <dgm:styleLbl name="sibTrans2D1">
-    <dgm:fillClrLst meth="repeat">
-      <a:schemeClr val="accent1">
-        <a:tint val="60000"/>
-      </a:schemeClr>
-    </dgm:fillClrLst>
-    <dgm:linClrLst meth="repeat">
-      <a:schemeClr val="accent1">
-        <a:tint val="60000"/>
-      </a:schemeClr>
-    </dgm:linClrLst>
-    <dgm:effectClrLst/>
-    <dgm:txLinClrLst/>
-    <dgm:txFillClrLst/>
-    <dgm:txEffectClrLst/>
-  </dgm:styleLbl>
-  <dgm:styleLbl name="fgSibTrans2D1">
-    <dgm:fillClrLst meth="repeat">
-      <a:schemeClr val="accent1">
-        <a:tint val="60000"/>
-      </a:schemeClr>
-    </dgm:fillClrLst>
-    <dgm:linClrLst meth="repeat">
-      <a:schemeClr val="accent1">
-        <a:tint val="60000"/>
-      </a:schemeClr>
-    </dgm:linClrLst>
-    <dgm:effectClrLst/>
-    <dgm:txLinClrLst/>
-    <dgm:txFillClrLst/>
-    <dgm:txEffectClrLst/>
-  </dgm:styleLbl>
-  <dgm:styleLbl name="bgSibTrans2D1">
-    <dgm:fillClrLst meth="repeat">
-      <a:schemeClr val="accent1">
-        <a:tint val="60000"/>
-      </a:schemeClr>
-    </dgm:fillClrLst>
-    <dgm:linClrLst meth="repeat">
-      <a:schemeClr val="accent1">
-        <a:tint val="60000"/>
-      </a:schemeClr>
-    </dgm:linClrLst>
-    <dgm:effectClrLst/>
-    <dgm:txLinClrLst/>
-    <dgm:txFillClrLst/>
-    <dgm:txEffectClrLst/>
-  </dgm:styleLbl>
-  <dgm:styleLbl name="sibTrans1D1">
-    <dgm:fillClrLst meth="repeat">
-      <a:schemeClr val="accent1"/>
-    </dgm:fillClrLst>
-    <dgm:linClrLst meth="repeat">
-      <a:schemeClr val="accent1"/>
-    </dgm:linClrLst>
-    <dgm:effectClrLst/>
-    <dgm:txLinClrLst/>
-    <dgm:txFillClrLst meth="repeat">
-      <a:schemeClr val="tx1"/>
-    </dgm:txFillClrLst>
-    <dgm:txEffectClrLst/>
-  </dgm:styleLbl>
-  <dgm:styleLbl name="callout">
-    <dgm:fillClrLst meth="repeat">
-      <a:schemeClr val="accent1"/>
-    </dgm:fillClrLst>
-    <dgm:linClrLst meth="repeat">
-      <a:schemeClr val="accent1">
-        <a:tint val="50000"/>
-      </a:schemeClr>
-    </dgm:linClrLst>
-    <dgm:effectClrLst/>
-    <dgm:txLinClrLst/>
-    <dgm:txFillClrLst meth="repeat">
-      <a:schemeClr val="tx1"/>
-    </dgm:txFillClrLst>
-    <dgm:txEffectClrLst/>
-  </dgm:styleLbl>
-  <dgm:styleLbl name="asst0">
-    <dgm:fillClrLst meth="repeat">
-      <a:schemeClr val="accent1"/>
-    </dgm:fillClrLst>
-    <dgm:linClrLst meth="repeat">
-      <a:schemeClr val="lt1"/>
-    </dgm:linClrLst>
-    <dgm:effectClrLst/>
-    <dgm:txLinClrLst/>
-    <dgm:txFillClrLst/>
-    <dgm:txEffectClrLst/>
-  </dgm:styleLbl>
-  <dgm:styleLbl name="asst1">
-    <dgm:fillClrLst meth="repeat">
-      <a:schemeClr val="accent1"/>
-    </dgm:fillClrLst>
-    <dgm:linClrLst meth="repeat">
-      <a:schemeClr val="lt1"/>
-    </dgm:linClrLst>
-    <dgm:effectClrLst/>
-    <dgm:txLinClrLst/>
-    <dgm:txFillClrLst/>
-    <dgm:txEffectClrLst/>
-  </dgm:styleLbl>
-  <dgm:styleLbl name="asst2">
-    <dgm:fillClrLst meth="repeat">
-      <a:schemeClr val="accent1"/>
-    </dgm:fillClrLst>
-    <dgm:linClrLst meth="repeat">
-      <a:schemeClr val="lt1"/>
-    </dgm:linClrLst>
-    <dgm:effectClrLst/>
-    <dgm:txLinClrLst/>
-    <dgm:txFillClrLst/>
-    <dgm:txEffectClrLst/>
-  </dgm:styleLbl>
-  <dgm:styleLbl name="asst3">
-    <dgm:fillClrLst meth="repeat">
-      <a:schemeClr val="accent1"/>
-    </dgm:fillClrLst>
-    <dgm:linClrLst meth="repeat">
-      <a:schemeClr val="lt1"/>
-    </dgm:linClrLst>
-    <dgm:effectClrLst/>
-    <dgm:txLinClrLst/>
-    <dgm:txFillClrLst/>
-    <dgm:txEffectClrLst/>
-  </dgm:styleLbl>
-  <dgm:styleLbl name="asst4">
-    <dgm:fillClrLst meth="repeat">
-      <a:schemeClr val="accent1"/>
-    </dgm:fillClrLst>
-    <dgm:linClrLst meth="repeat">
-      <a:schemeClr val="lt1"/>
-    </dgm:linClrLst>
-    <dgm:effectClrLst/>
-    <dgm:txLinClrLst/>
-    <dgm:txFillClrLst/>
-    <dgm:txEffectClrLst/>
-  </dgm:styleLbl>
-  <dgm:styleLbl name="parChTrans2D1">
-    <dgm:fillClrLst meth="repeat">
-      <a:schemeClr val="accent1">
-        <a:tint val="60000"/>
-      </a:schemeClr>
-    </dgm:fillClrLst>
-    <dgm:linClrLst meth="repeat">
-      <a:schemeClr val="accent1">
-        <a:tint val="60000"/>
-      </a:schemeClr>
-    </dgm:linClrLst>
-    <dgm:effectClrLst/>
-    <dgm:txLinClrLst/>
-    <dgm:txFillClrLst meth="repeat">
-      <a:schemeClr val="lt1"/>
-    </dgm:txFillClrLst>
-    <dgm:txEffectClrLst/>
-  </dgm:styleLbl>
-  <dgm:styleLbl name="parChTrans2D2">
-    <dgm:fillClrLst meth="repeat">
-      <a:schemeClr val="accent1"/>
-    </dgm:fillClrLst>
-    <dgm:linClrLst meth="repeat">
-      <a:schemeClr val="accent1"/>
-    </dgm:linClrLst>
-    <dgm:effectClrLst/>
-    <dgm:txLinClrLst/>
-    <dgm:txFillClrLst meth="repeat">
-      <a:schemeClr val="lt1"/>
-    </dgm:txFillClrLst>
-    <dgm:txEffectClrLst/>
-  </dgm:styleLbl>
-  <dgm:styleLbl name="parChTrans2D3">
-    <dgm:fillClrLst meth="repeat">
-      <a:schemeClr val="accent1"/>
-    </dgm:fillClrLst>
-    <dgm:linClrLst meth="repeat">
-      <a:schemeClr val="accent1"/>
-    </dgm:linClrLst>
-    <dgm:effectClrLst/>
-    <dgm:txLinClrLst/>
-    <dgm:txFillClrLst meth="repeat">
-      <a:schemeClr val="lt1"/>
-    </dgm:txFillClrLst>
-    <dgm:txEffectClrLst/>
-  </dgm:styleLbl>
-  <dgm:styleLbl name="parChTrans2D4">
-    <dgm:fillClrLst meth="repeat">
-      <a:schemeClr val="accent1"/>
-    </dgm:fillClrLst>
-    <dgm:linClrLst meth="repeat">
-      <a:schemeClr val="accent1"/>
-    </dgm:linClrLst>
-    <dgm:effectClrLst/>
-    <dgm:txLinClrLst/>
-    <dgm:txFillClrLst meth="repeat">
-      <a:schemeClr val="lt1"/>
-    </dgm:txFillClrLst>
-    <dgm:txEffectClrLst/>
-  </dgm:styleLbl>
-  <dgm:styleLbl name="parChTrans1D1">
-    <dgm:fillClrLst meth="repeat">
-      <a:schemeClr val="accent1"/>
-    </dgm:fillClrLst>
-    <dgm:linClrLst meth="repeat">
-      <a:schemeClr val="accent1">
-        <a:shade val="60000"/>
-      </a:schemeClr>
-    </dgm:linClrLst>
-    <dgm:effectClrLst/>
-    <dgm:txLinClrLst/>
-    <dgm:txFillClrLst meth="repeat">
-      <a:schemeClr val="tx1"/>
-    </dgm:txFillClrLst>
-    <dgm:txEffectClrLst/>
-  </dgm:styleLbl>
-  <dgm:styleLbl name="parChTrans1D2">
-    <dgm:fillClrLst meth="repeat">
-      <a:schemeClr val="accent1"/>
-    </dgm:fillClrLst>
-    <dgm:linClrLst meth="repeat">
-      <a:schemeClr val="accent1">
-        <a:shade val="60000"/>
-      </a:schemeClr>
-    </dgm:linClrLst>
-    <dgm:effectClrLst/>
-    <dgm:txLinClrLst/>
-    <dgm:txFillClrLst meth="repeat">
-      <a:schemeClr val="tx1"/>
-    </dgm:txFillClrLst>
-    <dgm:txEffectClrLst/>
-  </dgm:styleLbl>
-  <dgm:styleLbl name="parChTrans1D3">
-    <dgm:fillClrLst meth="repeat">
-      <a:schemeClr val="accent1"/>
-    </dgm:fillClrLst>
-    <dgm:linClrLst meth="repeat">
-      <a:schemeClr val="accent1">
-        <a:shade val="80000"/>
-      </a:schemeClr>
-    </dgm:linClrLst>
-    <dgm:effectClrLst/>
-    <dgm:txLinClrLst/>
-    <dgm:txFillClrLst meth="repeat">
-      <a:schemeClr val="tx1"/>
-    </dgm:txFillClrLst>
-    <dgm:txEffectClrLst/>
-  </dgm:styleLbl>
-  <dgm:styleLbl name="parChTrans1D4">
-    <dgm:fillClrLst meth="repeat">
-      <a:schemeClr val="accent1"/>
-    </dgm:fillClrLst>
-    <dgm:linClrLst meth="repeat">
-      <a:schemeClr val="accent1">
-        <a:shade val="80000"/>
-      </a:schemeClr>
-    </dgm:linClrLst>
-    <dgm:effectClrLst/>
-    <dgm:txLinClrLst/>
-    <dgm:txFillClrLst meth="repeat">
-      <a:schemeClr val="tx1"/>
-    </dgm:txFillClrLst>
-    <dgm:txEffectClrLst/>
-  </dgm:styleLbl>
-  <dgm:styleLbl name="fgAcc1">
-    <dgm:fillClrLst meth="repeat">
-      <a:schemeClr val="lt1">
-        <a:alpha val="90000"/>
-      </a:schemeClr>
-    </dgm:fillClrLst>
-    <dgm:linClrLst meth="repeat">
-      <a:schemeClr val="accent1"/>
-    </dgm:linClrLst>
-    <dgm:effectClrLst/>
-    <dgm:txLinClrLst/>
-    <dgm:txFillClrLst meth="repeat">
-      <a:schemeClr val="dk1"/>
-    </dgm:txFillClrLst>
-    <dgm:txEffectClrLst/>
-  </dgm:styleLbl>
-  <dgm:styleLbl name="conFgAcc1">
-    <dgm:fillClrLst meth="repeat">
-      <a:schemeClr val="lt1">
-        <a:alpha val="90000"/>
-      </a:schemeClr>
-    </dgm:fillClrLst>
-    <dgm:linClrLst meth="repeat">
-      <a:schemeClr val="accent1"/>
-    </dgm:linClrLst>
-    <dgm:effectClrLst/>
-    <dgm:txLinClrLst/>
-    <dgm:txFillClrLst meth="repeat">
-      <a:schemeClr val="dk1"/>
-    </dgm:txFillClrLst>
-    <dgm:txEffectClrLst/>
-  </dgm:styleLbl>
-  <dgm:styleLbl name="alignAcc1">
-    <dgm:fillClrLst meth="repeat">
-      <a:schemeClr val="lt1">
-        <a:alpha val="90000"/>
-      </a:schemeClr>
-    </dgm:fillClrLst>
-    <dgm:linClrLst meth="repeat">
-      <a:schemeClr val="accent1"/>
-    </dgm:linClrLst>
-    <dgm:effectClrLst/>
-    <dgm:txLinClrLst/>
-    <dgm:txFillClrLst meth="repeat">
-      <a:schemeClr val="dk1"/>
-    </dgm:txFillClrLst>
-    <dgm:txEffectClrLst/>
-  </dgm:styleLbl>
-  <dgm:styleLbl name="trAlignAcc1">
-    <dgm:fillClrLst meth="repeat">
-      <a:schemeClr val="lt1">
-        <a:alpha val="40000"/>
-      </a:schemeClr>
-    </dgm:fillClrLst>
-    <dgm:linClrLst meth="repeat">
-      <a:schemeClr val="accent1"/>
-    </dgm:linClrLst>
-    <dgm:effectClrLst/>
-    <dgm:txLinClrLst/>
-    <dgm:txFillClrLst meth="repeat">
-      <a:schemeClr val="dk1"/>
-    </dgm:txFillClrLst>
-    <dgm:txEffectClrLst/>
-  </dgm:styleLbl>
-  <dgm:styleLbl name="bgAcc1">
-    <dgm:fillClrLst meth="repeat">
-      <a:schemeClr val="lt1">
-        <a:alpha val="90000"/>
-      </a:schemeClr>
-    </dgm:fillClrLst>
-    <dgm:linClrLst meth="repeat">
-      <a:schemeClr val="accent1"/>
-    </dgm:linClrLst>
-    <dgm:effectClrLst/>
-    <dgm:txLinClrLst/>
-    <dgm:txFillClrLst meth="repeat">
-      <a:schemeClr val="dk1"/>
-    </dgm:txFillClrLst>
-    <dgm:txEffectClrLst/>
-  </dgm:styleLbl>
-  <dgm:styleLbl name="solidFgAcc1">
-    <dgm:fillClrLst meth="repeat">
-      <a:schemeClr val="lt1"/>
-    </dgm:fillClrLst>
-    <dgm:linClrLst meth="repeat">
-      <a:schemeClr val="accent1"/>
-    </dgm:linClrLst>
-    <dgm:effectClrLst/>
-    <dgm:txLinClrLst/>
-    <dgm:txFillClrLst meth="repeat">
-      <a:schemeClr val="dk1"/>
-    </dgm:txFillClrLst>
-    <dgm:txEffectClrLst/>
-  </dgm:styleLbl>
-  <dgm:styleLbl name="solidAlignAcc1">
-    <dgm:fillClrLst meth="repeat">
-      <a:schemeClr val="lt1"/>
-    </dgm:fillClrLst>
-    <dgm:linClrLst meth="repeat">
-      <a:schemeClr val="accent1"/>
-    </dgm:linClrLst>
-    <dgm:effectClrLst/>
-    <dgm:txLinClrLst/>
-    <dgm:txFillClrLst meth="repeat">
-      <a:schemeClr val="dk1"/>
-    </dgm:txFillClrLst>
-    <dgm:txEffectClrLst/>
-  </dgm:styleLbl>
-  <dgm:styleLbl name="solidBgAcc1">
-    <dgm:fillClrLst meth="repeat">
-      <a:schemeClr val="lt1"/>
-    </dgm:fillClrLst>
-    <dgm:linClrLst meth="repeat">
-      <a:schemeClr val="accent1"/>
-    </dgm:linClrLst>
-    <dgm:effectClrLst/>
-    <dgm:txLinClrLst/>
-    <dgm:txFillClrLst meth="repeat">
-      <a:schemeClr val="dk1"/>
-    </dgm:txFillClrLst>
-    <dgm:txEffectClrLst/>
-  </dgm:styleLbl>
-  <dgm:styleLbl name="fgAccFollowNode1">
-    <dgm:fillClrLst meth="repeat">
-      <a:schemeClr val="accent1">
-        <a:alpha val="90000"/>
-        <a:tint val="40000"/>
-      </a:schemeClr>
-    </dgm:fillClrLst>
-    <dgm:linClrLst meth="repeat">
-      <a:schemeClr val="accent1">
-        <a:alpha val="90000"/>
-        <a:tint val="40000"/>
-      </a:schemeClr>
-    </dgm:linClrLst>
-    <dgm:effectClrLst/>
-    <dgm:txLinClrLst/>
-    <dgm:txFillClrLst meth="repeat">
-      <a:schemeClr val="dk1"/>
-    </dgm:txFillClrLst>
-    <dgm:txEffectClrLst/>
-  </dgm:styleLbl>
-  <dgm:styleLbl name="alignAccFollowNode1">
-    <dgm:fillClrLst meth="repeat">
-      <a:schemeClr val="accent1">
-        <a:alpha val="90000"/>
-        <a:tint val="40000"/>
-      </a:schemeClr>
-    </dgm:fillClrLst>
-    <dgm:linClrLst meth="repeat">
-      <a:schemeClr val="accent1">
-        <a:alpha val="90000"/>
-        <a:tint val="40000"/>
-      </a:schemeClr>
-    </dgm:linClrLst>
-    <dgm:effectClrLst/>
-    <dgm:txLinClrLst/>
-    <dgm:txFillClrLst meth="repeat">
-      <a:schemeClr val="dk1"/>
-    </dgm:txFillClrLst>
-    <dgm:txEffectClrLst/>
-  </dgm:styleLbl>
-  <dgm:styleLbl name="bgAccFollowNode1">
-    <dgm:fillClrLst meth="repeat">
-      <a:schemeClr val="accent1">
-        <a:alpha val="90000"/>
-        <a:tint val="40000"/>
-      </a:schemeClr>
-    </dgm:fillClrLst>
-    <dgm:linClrLst meth="repeat">
-      <a:schemeClr val="accent1">
-        <a:alpha val="90000"/>
-        <a:tint val="40000"/>
-      </a:schemeClr>
-    </dgm:linClrLst>
-    <dgm:effectClrLst/>
-    <dgm:txLinClrLst/>
-    <dgm:txFillClrLst meth="repeat">
-      <a:schemeClr val="dk1"/>
-    </dgm:txFillClrLst>
-    <dgm:txEffectClrLst/>
-  </dgm:styleLbl>
-  <dgm:styleLbl name="fgAcc0">
-    <dgm:fillClrLst meth="repeat">
-      <a:schemeClr val="lt1">
-        <a:alpha val="90000"/>
-      </a:schemeClr>
-    </dgm:fillClrLst>
-    <dgm:linClrLst meth="repeat">
-      <a:schemeClr val="accent1"/>
-    </dgm:linClrLst>
-    <dgm:effectClrLst/>
-    <dgm:txLinClrLst/>
-    <dgm:txFillClrLst meth="repeat">
-      <a:schemeClr val="dk1"/>
-    </dgm:txFillClrLst>
-    <dgm:txEffectClrLst/>
-  </dgm:styleLbl>
-  <dgm:styleLbl name="fgAcc2">
-    <dgm:fillClrLst meth="repeat">
-      <a:schemeClr val="lt1">
-        <a:alpha val="90000"/>
-      </a:schemeClr>
-    </dgm:fillClrLst>
-    <dgm:linClrLst meth="repeat">
-      <a:schemeClr val="accent1"/>
-    </dgm:linClrLst>
-    <dgm:effectClrLst/>
-    <dgm:txLinClrLst/>
-    <dgm:txFillClrLst meth="repeat">
-      <a:schemeClr val="dk1"/>
-    </dgm:txFillClrLst>
-    <dgm:txEffectClrLst/>
-  </dgm:styleLbl>
-  <dgm:styleLbl name="fgAcc3">
-    <dgm:fillClrLst meth="repeat">
-      <a:schemeClr val="lt1">
-        <a:alpha val="90000"/>
-      </a:schemeClr>
-    </dgm:fillClrLst>
-    <dgm:linClrLst meth="repeat">
-      <a:schemeClr val="accent1"/>
-    </dgm:linClrLst>
-    <dgm:effectClrLst/>
-    <dgm:txLinClrLst/>
-    <dgm:txFillClrLst meth="repeat">
-      <a:schemeClr val="dk1"/>
-    </dgm:txFillClrLst>
-    <dgm:txEffectClrLst/>
-  </dgm:styleLbl>
-  <dgm:styleLbl name="fgAcc4">
-    <dgm:fillClrLst meth="repeat">
-      <a:schemeClr val="lt1">
-        <a:alpha val="90000"/>
-      </a:schemeClr>
-    </dgm:fillClrLst>
-    <dgm:linClrLst meth="repeat">
-      <a:schemeClr val="accent1"/>
-    </dgm:linClrLst>
-    <dgm:effectClrLst/>
-    <dgm:txLinClrLst/>
-    <dgm:txFillClrLst meth="repeat">
-      <a:schemeClr val="dk1"/>
-    </dgm:txFillClrLst>
-    <dgm:txEffectClrLst/>
-  </dgm:styleLbl>
-  <dgm:styleLbl name="bgShp">
-    <dgm:fillClrLst meth="repeat">
-      <a:schemeClr val="accent1">
-        <a:tint val="40000"/>
-      </a:schemeClr>
-    </dgm:fillClrLst>
-    <dgm:linClrLst meth="repeat">
-      <a:schemeClr val="accent1"/>
-    </dgm:linClrLst>
-    <dgm:effectClrLst/>
-    <dgm:txLinClrLst/>
-    <dgm:txFillClrLst meth="repeat">
-      <a:schemeClr val="dk1"/>
-    </dgm:txFillClrLst>
-    <dgm:txEffectClrLst/>
-  </dgm:styleLbl>
-  <dgm:styleLbl name="dkBgShp">
-    <dgm:fillClrLst meth="repeat">
-      <a:schemeClr val="accent1">
-        <a:shade val="80000"/>
-      </a:schemeClr>
-    </dgm:fillClrLst>
-    <dgm:linClrLst meth="repeat">
-      <a:schemeClr val="accent1"/>
-    </dgm:linClrLst>
-    <dgm:effectClrLst/>
-    <dgm:txLinClrLst/>
-    <dgm:txFillClrLst meth="repeat">
-      <a:schemeClr val="lt1"/>
-    </dgm:txFillClrLst>
-    <dgm:txEffectClrLst/>
-  </dgm:styleLbl>
-  <dgm:styleLbl name="trBgShp">
-    <dgm:fillClrLst meth="repeat">
-      <a:schemeClr val="accent1">
-        <a:tint val="50000"/>
-        <a:alpha val="40000"/>
-      </a:schemeClr>
-    </dgm:fillClrLst>
-    <dgm:linClrLst meth="repeat">
-      <a:schemeClr val="accent1"/>
-    </dgm:linClrLst>
-    <dgm:effectClrLst/>
-    <dgm:txLinClrLst/>
-    <dgm:txFillClrLst meth="repeat">
-      <a:schemeClr val="lt1"/>
-    </dgm:txFillClrLst>
-    <dgm:txEffectClrLst/>
-  </dgm:styleLbl>
-  <dgm:styleLbl name="fgShp">
-    <dgm:fillClrLst meth="repeat">
-      <a:schemeClr val="accent1">
-        <a:tint val="60000"/>
-      </a:schemeClr>
-    </dgm:fillClrLst>
-    <dgm:linClrLst meth="repeat">
-      <a:schemeClr val="lt1"/>
-    </dgm:linClrLst>
-    <dgm:effectClrLst/>
-    <dgm:txLinClrLst/>
-    <dgm:txFillClrLst meth="repeat">
-      <a:schemeClr val="dk1"/>
-    </dgm:txFillClrLst>
-    <dgm:txEffectClrLst/>
-  </dgm:styleLbl>
-  <dgm:styleLbl name="revTx">
-    <dgm:fillClrLst meth="repeat">
-      <a:schemeClr val="lt1">
-        <a:alpha val="0"/>
-      </a:schemeClr>
-    </dgm:fillClrLst>
-    <dgm:linClrLst meth="repeat">
-      <a:schemeClr val="dk1">
-        <a:alpha val="0"/>
-      </a:schemeClr>
-    </dgm:linClrLst>
-    <dgm:effectClrLst/>
-    <dgm:txLinClrLst/>
-    <dgm:txFillClrLst meth="repeat">
-      <a:schemeClr val="tx1"/>
-    </dgm:txFillClrLst>
-    <dgm:txEffectClrLst/>
-  </dgm:styleLbl>
-</dgm:colorsDef>
-</file>
-
-<file path=ppt/diagrams/data1.xml><?xml version="1.0" encoding="utf-8"?>
-<dgm:dataModel xmlns:dgm="http://schemas.openxmlformats.org/drawingml/2006/diagram" xmlns:a="http://schemas.openxmlformats.org/drawingml/2006/main">
-  <dgm:ptLst>
-    <dgm:pt modelId="{156E5AF0-A57F-4A73-899B-BDD642909AB2}" type="doc">
-      <dgm:prSet loTypeId="urn:microsoft.com/office/officeart/2018/2/layout/IconVerticalSolidList" loCatId="icon" qsTypeId="urn:microsoft.com/office/officeart/2005/8/quickstyle/simple1" qsCatId="simple" csTypeId="urn:microsoft.com/office/officeart/2005/8/colors/accent1_2" csCatId="accent1" phldr="1"/>
-      <dgm:spPr/>
-      <dgm:t>
-        <a:bodyPr/>
-        <a:lstStyle/>
-        <a:p>
-          <a:endParaRPr lang="en-US"/>
-        </a:p>
-      </dgm:t>
-    </dgm:pt>
-    <dgm:pt modelId="{0CAAB79D-2180-4DDD-95BC-B01366D2C373}">
-      <dgm:prSet/>
-      <dgm:spPr/>
-      <dgm:t>
-        <a:bodyPr/>
-        <a:lstStyle/>
-        <a:p>
-          <a:pPr>
-            <a:lnSpc>
-              <a:spcPct val="100000"/>
-            </a:lnSpc>
-          </a:pPr>
-          <a:r>
-            <a:rPr lang="en-US" dirty="0"/>
-            <a:t>Brief History and Introduction to Polar Codes</a:t>
-          </a:r>
-        </a:p>
-      </dgm:t>
-    </dgm:pt>
-    <dgm:pt modelId="{3F163878-B147-4ABE-8FD3-17504B93B70C}" type="parTrans" cxnId="{ED2D8E00-3ED0-4F98-9509-50890A0B8720}">
-      <dgm:prSet/>
-      <dgm:spPr/>
-      <dgm:t>
-        <a:bodyPr/>
-        <a:lstStyle/>
-        <a:p>
-          <a:endParaRPr lang="en-US"/>
-        </a:p>
-      </dgm:t>
-    </dgm:pt>
-    <dgm:pt modelId="{079BF72E-7661-4AA4-84F8-0CD1F4117976}" type="sibTrans" cxnId="{ED2D8E00-3ED0-4F98-9509-50890A0B8720}">
-      <dgm:prSet/>
-      <dgm:spPr/>
-      <dgm:t>
-        <a:bodyPr/>
-        <a:lstStyle/>
-        <a:p>
-          <a:endParaRPr lang="en-US"/>
-        </a:p>
-      </dgm:t>
-    </dgm:pt>
-    <dgm:pt modelId="{557949FF-950A-4955-B306-120301A40111}">
-      <dgm:prSet/>
-      <dgm:spPr/>
-      <dgm:t>
-        <a:bodyPr/>
-        <a:lstStyle/>
-        <a:p>
-          <a:pPr>
-            <a:lnSpc>
-              <a:spcPct val="100000"/>
-            </a:lnSpc>
-          </a:pPr>
-          <a:r>
-            <a:rPr lang="en-US" dirty="0"/>
-            <a:t>Channel Polarization and Encoding-Decoding</a:t>
-          </a:r>
-        </a:p>
-      </dgm:t>
-    </dgm:pt>
-    <dgm:pt modelId="{3AD75A3D-C425-407D-9047-7093E9D7670E}" type="parTrans" cxnId="{580A0BB1-7336-4DCA-91F9-27EA4215E2CC}">
-      <dgm:prSet/>
-      <dgm:spPr/>
-      <dgm:t>
-        <a:bodyPr/>
-        <a:lstStyle/>
-        <a:p>
-          <a:endParaRPr lang="en-US"/>
-        </a:p>
-      </dgm:t>
-    </dgm:pt>
-    <dgm:pt modelId="{BBE081FD-9CDB-4E5B-8C57-BF8BA9A6352B}" type="sibTrans" cxnId="{580A0BB1-7336-4DCA-91F9-27EA4215E2CC}">
-      <dgm:prSet/>
-      <dgm:spPr/>
-      <dgm:t>
-        <a:bodyPr/>
-        <a:lstStyle/>
-        <a:p>
-          <a:endParaRPr lang="en-US"/>
-        </a:p>
-      </dgm:t>
-    </dgm:pt>
-    <dgm:pt modelId="{92C48E10-A558-40F8-8CA5-0CFFA091F893}">
-      <dgm:prSet/>
-      <dgm:spPr/>
-      <dgm:t>
-        <a:bodyPr/>
-        <a:lstStyle/>
-        <a:p>
-          <a:pPr>
-            <a:lnSpc>
-              <a:spcPct val="100000"/>
-            </a:lnSpc>
-          </a:pPr>
-          <a:r>
-            <a:rPr lang="en-US" dirty="0"/>
-            <a:t>Shannon’s Theorem</a:t>
-          </a:r>
-        </a:p>
-      </dgm:t>
-    </dgm:pt>
-    <dgm:pt modelId="{4D0ACDEF-3E77-439F-8349-6355D26C8CCE}" type="parTrans" cxnId="{FFC55C35-0C86-4BA6-BDEF-C680374D8FF4}">
-      <dgm:prSet/>
-      <dgm:spPr/>
-      <dgm:t>
-        <a:bodyPr/>
-        <a:lstStyle/>
-        <a:p>
-          <a:endParaRPr lang="en-US"/>
-        </a:p>
-      </dgm:t>
-    </dgm:pt>
-    <dgm:pt modelId="{E6DBA4BA-8E47-438A-A072-D70A7B0A1E76}" type="sibTrans" cxnId="{FFC55C35-0C86-4BA6-BDEF-C680374D8FF4}">
-      <dgm:prSet/>
-      <dgm:spPr/>
-      <dgm:t>
-        <a:bodyPr/>
-        <a:lstStyle/>
-        <a:p>
-          <a:endParaRPr lang="en-US"/>
-        </a:p>
-      </dgm:t>
-    </dgm:pt>
-    <dgm:pt modelId="{2CE99AF6-8116-489C-8FB4-0BC45EEA905C}" type="pres">
-      <dgm:prSet presAssocID="{156E5AF0-A57F-4A73-899B-BDD642909AB2}" presName="root" presStyleCnt="0">
-        <dgm:presLayoutVars>
-          <dgm:dir/>
-          <dgm:resizeHandles val="exact"/>
-        </dgm:presLayoutVars>
-      </dgm:prSet>
-      <dgm:spPr/>
-    </dgm:pt>
-    <dgm:pt modelId="{5DD6840B-BC8A-4EB7-A705-1506FDAC46DE}" type="pres">
-      <dgm:prSet presAssocID="{0CAAB79D-2180-4DDD-95BC-B01366D2C373}" presName="compNode" presStyleCnt="0"/>
-      <dgm:spPr/>
-    </dgm:pt>
-    <dgm:pt modelId="{AC5378B7-4EB0-4CA1-A012-1441B4B0B9B8}" type="pres">
-      <dgm:prSet presAssocID="{0CAAB79D-2180-4DDD-95BC-B01366D2C373}" presName="bgRect" presStyleLbl="bgShp" presStyleIdx="0" presStyleCnt="3"/>
-      <dgm:spPr/>
-    </dgm:pt>
-    <dgm:pt modelId="{EE8342DE-AF60-4261-8475-241AFA741CC2}" type="pres">
-      <dgm:prSet presAssocID="{0CAAB79D-2180-4DDD-95BC-B01366D2C373}" presName="iconRect" presStyleLbl="node1" presStyleIdx="0" presStyleCnt="3"/>
-      <dgm:spPr>
-        <a:blipFill>
-          <a:blip xmlns:r="http://schemas.openxmlformats.org/officeDocument/2006/relationships" r:embed="rId1">
-            <a:extLst>
-              <a:ext uri="{28A0092B-C50C-407E-A947-70E740481C1C}">
-                <a14:useLocalDpi xmlns:a14="http://schemas.microsoft.com/office/drawing/2010/main" val="0"/>
-              </a:ext>
-              <a:ext uri="{96DAC541-7B7A-43D3-8B79-37D633B846F1}">
-                <asvg:svgBlip xmlns:asvg="http://schemas.microsoft.com/office/drawing/2016/SVG/main" r:embed="rId2"/>
-              </a:ext>
-            </a:extLst>
-          </a:blip>
-          <a:stretch>
-            <a:fillRect/>
-          </a:stretch>
-        </a:blipFill>
-      </dgm:spPr>
-      <dgm:extLst>
-        <a:ext uri="{E40237B7-FDA0-4F09-8148-C483321AD2D9}">
-          <dgm14:cNvPr xmlns:dgm14="http://schemas.microsoft.com/office/drawing/2010/diagram" id="0" name="" descr="Books"/>
-        </a:ext>
-      </dgm:extLst>
-    </dgm:pt>
-    <dgm:pt modelId="{DC9B1C06-5E1F-4937-9DFC-520F854BF1CA}" type="pres">
-      <dgm:prSet presAssocID="{0CAAB79D-2180-4DDD-95BC-B01366D2C373}" presName="spaceRect" presStyleCnt="0"/>
-      <dgm:spPr/>
-    </dgm:pt>
-    <dgm:pt modelId="{B8C56FE8-4278-46EA-8545-E3556F7193E9}" type="pres">
-      <dgm:prSet presAssocID="{0CAAB79D-2180-4DDD-95BC-B01366D2C373}" presName="parTx" presStyleLbl="revTx" presStyleIdx="0" presStyleCnt="3">
-        <dgm:presLayoutVars>
-          <dgm:chMax val="0"/>
-          <dgm:chPref val="0"/>
-        </dgm:presLayoutVars>
-      </dgm:prSet>
-      <dgm:spPr/>
-    </dgm:pt>
-    <dgm:pt modelId="{3C377ED7-3C28-4EF9-A3CF-D03CF053C27E}" type="pres">
-      <dgm:prSet presAssocID="{079BF72E-7661-4AA4-84F8-0CD1F4117976}" presName="sibTrans" presStyleCnt="0"/>
-      <dgm:spPr/>
-    </dgm:pt>
-    <dgm:pt modelId="{ED6BDBEE-20F7-466F-823E-5321ACE1B539}" type="pres">
-      <dgm:prSet presAssocID="{557949FF-950A-4955-B306-120301A40111}" presName="compNode" presStyleCnt="0"/>
-      <dgm:spPr/>
-    </dgm:pt>
-    <dgm:pt modelId="{109D43E4-26B9-4B80-AAD9-4973C27F12A7}" type="pres">
-      <dgm:prSet presAssocID="{557949FF-950A-4955-B306-120301A40111}" presName="bgRect" presStyleLbl="bgShp" presStyleIdx="1" presStyleCnt="3"/>
-      <dgm:spPr/>
-    </dgm:pt>
-    <dgm:pt modelId="{CE589E28-3424-4210-85B9-39448A40B39F}" type="pres">
-      <dgm:prSet presAssocID="{557949FF-950A-4955-B306-120301A40111}" presName="iconRect" presStyleLbl="node1" presStyleIdx="1" presStyleCnt="3"/>
-      <dgm:spPr>
-        <a:blipFill>
-          <a:blip xmlns:r="http://schemas.openxmlformats.org/officeDocument/2006/relationships" r:embed="rId3">
-            <a:extLst>
-              <a:ext uri="{28A0092B-C50C-407E-A947-70E740481C1C}">
-                <a14:useLocalDpi xmlns:a14="http://schemas.microsoft.com/office/drawing/2010/main" val="0"/>
-              </a:ext>
-              <a:ext uri="{96DAC541-7B7A-43D3-8B79-37D633B846F1}">
-                <asvg:svgBlip xmlns:asvg="http://schemas.microsoft.com/office/drawing/2016/SVG/main" r:embed="rId4"/>
-              </a:ext>
-            </a:extLst>
-          </a:blip>
-          <a:stretch>
-            <a:fillRect/>
-          </a:stretch>
-        </a:blipFill>
-      </dgm:spPr>
-      <dgm:extLst>
-        <a:ext uri="{E40237B7-FDA0-4F09-8148-C483321AD2D9}">
-          <dgm14:cNvPr xmlns:dgm14="http://schemas.microsoft.com/office/drawing/2010/diagram" id="0" name="" descr="Lightbulb"/>
-        </a:ext>
-      </dgm:extLst>
-    </dgm:pt>
-    <dgm:pt modelId="{ADE20762-B6C8-49AE-A229-CCF25089923F}" type="pres">
-      <dgm:prSet presAssocID="{557949FF-950A-4955-B306-120301A40111}" presName="spaceRect" presStyleCnt="0"/>
-      <dgm:spPr/>
-    </dgm:pt>
-    <dgm:pt modelId="{6FA6AEBD-A95F-4080-917D-C8CB481B65A1}" type="pres">
-      <dgm:prSet presAssocID="{557949FF-950A-4955-B306-120301A40111}" presName="parTx" presStyleLbl="revTx" presStyleIdx="1" presStyleCnt="3">
-        <dgm:presLayoutVars>
-          <dgm:chMax val="0"/>
-          <dgm:chPref val="0"/>
-        </dgm:presLayoutVars>
-      </dgm:prSet>
-      <dgm:spPr/>
-    </dgm:pt>
-    <dgm:pt modelId="{7CCB3F39-937B-42F3-AAC2-D7034F71E2F5}" type="pres">
-      <dgm:prSet presAssocID="{BBE081FD-9CDB-4E5B-8C57-BF8BA9A6352B}" presName="sibTrans" presStyleCnt="0"/>
-      <dgm:spPr/>
-    </dgm:pt>
-    <dgm:pt modelId="{DE32EF31-3A50-444F-9347-0E5F9AA9DED8}" type="pres">
-      <dgm:prSet presAssocID="{92C48E10-A558-40F8-8CA5-0CFFA091F893}" presName="compNode" presStyleCnt="0"/>
-      <dgm:spPr/>
-    </dgm:pt>
-    <dgm:pt modelId="{7BBD6F5C-6A52-4812-8AF1-16EA9A8670BF}" type="pres">
-      <dgm:prSet presAssocID="{92C48E10-A558-40F8-8CA5-0CFFA091F893}" presName="bgRect" presStyleLbl="bgShp" presStyleIdx="2" presStyleCnt="3"/>
-      <dgm:spPr/>
-    </dgm:pt>
-    <dgm:pt modelId="{11C6D1C5-3AA8-4A1C-8444-2DB8691E52BF}" type="pres">
-      <dgm:prSet presAssocID="{92C48E10-A558-40F8-8CA5-0CFFA091F893}" presName="iconRect" presStyleLbl="node1" presStyleIdx="2" presStyleCnt="3"/>
-      <dgm:spPr>
-        <a:blipFill>
-          <a:blip xmlns:r="http://schemas.openxmlformats.org/officeDocument/2006/relationships" r:embed="rId5">
-            <a:extLst>
-              <a:ext uri="{28A0092B-C50C-407E-A947-70E740481C1C}">
-                <a14:useLocalDpi xmlns:a14="http://schemas.microsoft.com/office/drawing/2010/main" val="0"/>
-              </a:ext>
-              <a:ext uri="{96DAC541-7B7A-43D3-8B79-37D633B846F1}">
-                <asvg:svgBlip xmlns:asvg="http://schemas.microsoft.com/office/drawing/2016/SVG/main" r:embed="rId6"/>
-              </a:ext>
-            </a:extLst>
-          </a:blip>
-          <a:stretch>
-            <a:fillRect/>
-          </a:stretch>
-        </a:blipFill>
-      </dgm:spPr>
-      <dgm:extLst>
-        <a:ext uri="{E40237B7-FDA0-4F09-8148-C483321AD2D9}">
-          <dgm14:cNvPr xmlns:dgm14="http://schemas.microsoft.com/office/drawing/2010/diagram" id="0" name="" descr="Document"/>
-        </a:ext>
-      </dgm:extLst>
-    </dgm:pt>
-    <dgm:pt modelId="{C517DADE-47AD-4B48-BB48-008758B2AF2F}" type="pres">
-      <dgm:prSet presAssocID="{92C48E10-A558-40F8-8CA5-0CFFA091F893}" presName="spaceRect" presStyleCnt="0"/>
-      <dgm:spPr/>
-    </dgm:pt>
-    <dgm:pt modelId="{F7987E90-67DC-4BAE-AC92-0CE9965F821A}" type="pres">
-      <dgm:prSet presAssocID="{92C48E10-A558-40F8-8CA5-0CFFA091F893}" presName="parTx" presStyleLbl="revTx" presStyleIdx="2" presStyleCnt="3">
-        <dgm:presLayoutVars>
-          <dgm:chMax val="0"/>
-          <dgm:chPref val="0"/>
-        </dgm:presLayoutVars>
-      </dgm:prSet>
-      <dgm:spPr/>
-    </dgm:pt>
-  </dgm:ptLst>
-  <dgm:cxnLst>
-    <dgm:cxn modelId="{ED2D8E00-3ED0-4F98-9509-50890A0B8720}" srcId="{156E5AF0-A57F-4A73-899B-BDD642909AB2}" destId="{0CAAB79D-2180-4DDD-95BC-B01366D2C373}" srcOrd="0" destOrd="0" parTransId="{3F163878-B147-4ABE-8FD3-17504B93B70C}" sibTransId="{079BF72E-7661-4AA4-84F8-0CD1F4117976}"/>
-    <dgm:cxn modelId="{FFC55C35-0C86-4BA6-BDEF-C680374D8FF4}" srcId="{156E5AF0-A57F-4A73-899B-BDD642909AB2}" destId="{92C48E10-A558-40F8-8CA5-0CFFA091F893}" srcOrd="2" destOrd="0" parTransId="{4D0ACDEF-3E77-439F-8349-6355D26C8CCE}" sibTransId="{E6DBA4BA-8E47-438A-A072-D70A7B0A1E76}"/>
-    <dgm:cxn modelId="{2653517D-CABF-473B-8235-B493BA33FAD9}" type="presOf" srcId="{557949FF-950A-4955-B306-120301A40111}" destId="{6FA6AEBD-A95F-4080-917D-C8CB481B65A1}" srcOrd="0" destOrd="0" presId="urn:microsoft.com/office/officeart/2018/2/layout/IconVerticalSolidList"/>
-    <dgm:cxn modelId="{A113A6A0-5955-4612-AC1C-0559E099266D}" type="presOf" srcId="{0CAAB79D-2180-4DDD-95BC-B01366D2C373}" destId="{B8C56FE8-4278-46EA-8545-E3556F7193E9}" srcOrd="0" destOrd="0" presId="urn:microsoft.com/office/officeart/2018/2/layout/IconVerticalSolidList"/>
-    <dgm:cxn modelId="{580A0BB1-7336-4DCA-91F9-27EA4215E2CC}" srcId="{156E5AF0-A57F-4A73-899B-BDD642909AB2}" destId="{557949FF-950A-4955-B306-120301A40111}" srcOrd="1" destOrd="0" parTransId="{3AD75A3D-C425-407D-9047-7093E9D7670E}" sibTransId="{BBE081FD-9CDB-4E5B-8C57-BF8BA9A6352B}"/>
-    <dgm:cxn modelId="{02EFBAE1-BD89-4DB8-B640-808F464938FB}" type="presOf" srcId="{156E5AF0-A57F-4A73-899B-BDD642909AB2}" destId="{2CE99AF6-8116-489C-8FB4-0BC45EEA905C}" srcOrd="0" destOrd="0" presId="urn:microsoft.com/office/officeart/2018/2/layout/IconVerticalSolidList"/>
-    <dgm:cxn modelId="{F219BBF4-6D29-4BC4-BDCA-F96824530436}" type="presOf" srcId="{92C48E10-A558-40F8-8CA5-0CFFA091F893}" destId="{F7987E90-67DC-4BAE-AC92-0CE9965F821A}" srcOrd="0" destOrd="0" presId="urn:microsoft.com/office/officeart/2018/2/layout/IconVerticalSolidList"/>
-    <dgm:cxn modelId="{D455C4A1-AE01-409D-BEF0-9E85D686CFD5}" type="presParOf" srcId="{2CE99AF6-8116-489C-8FB4-0BC45EEA905C}" destId="{5DD6840B-BC8A-4EB7-A705-1506FDAC46DE}" srcOrd="0" destOrd="0" presId="urn:microsoft.com/office/officeart/2018/2/layout/IconVerticalSolidList"/>
-    <dgm:cxn modelId="{15D98021-8D81-41AF-A1E7-A5811E9E8BEA}" type="presParOf" srcId="{5DD6840B-BC8A-4EB7-A705-1506FDAC46DE}" destId="{AC5378B7-4EB0-4CA1-A012-1441B4B0B9B8}" srcOrd="0" destOrd="0" presId="urn:microsoft.com/office/officeart/2018/2/layout/IconVerticalSolidList"/>
-    <dgm:cxn modelId="{B23068E6-A839-4ADB-B0F5-2D29131229CE}" type="presParOf" srcId="{5DD6840B-BC8A-4EB7-A705-1506FDAC46DE}" destId="{EE8342DE-AF60-4261-8475-241AFA741CC2}" srcOrd="1" destOrd="0" presId="urn:microsoft.com/office/officeart/2018/2/layout/IconVerticalSolidList"/>
-    <dgm:cxn modelId="{FA4918CB-1109-4782-B4CE-28BBC5FE6D93}" type="presParOf" srcId="{5DD6840B-BC8A-4EB7-A705-1506FDAC46DE}" destId="{DC9B1C06-5E1F-4937-9DFC-520F854BF1CA}" srcOrd="2" destOrd="0" presId="urn:microsoft.com/office/officeart/2018/2/layout/IconVerticalSolidList"/>
-    <dgm:cxn modelId="{230BECF0-1115-46C1-8EAE-BBC2C5EAE3BD}" type="presParOf" srcId="{5DD6840B-BC8A-4EB7-A705-1506FDAC46DE}" destId="{B8C56FE8-4278-46EA-8545-E3556F7193E9}" srcOrd="3" destOrd="0" presId="urn:microsoft.com/office/officeart/2018/2/layout/IconVerticalSolidList"/>
-    <dgm:cxn modelId="{061B4FF4-F7FB-41B8-8A87-B8293745A254}" type="presParOf" srcId="{2CE99AF6-8116-489C-8FB4-0BC45EEA905C}" destId="{3C377ED7-3C28-4EF9-A3CF-D03CF053C27E}" srcOrd="1" destOrd="0" presId="urn:microsoft.com/office/officeart/2018/2/layout/IconVerticalSolidList"/>
-    <dgm:cxn modelId="{A793EA32-A08B-4C42-A06E-8F336153DC06}" type="presParOf" srcId="{2CE99AF6-8116-489C-8FB4-0BC45EEA905C}" destId="{ED6BDBEE-20F7-466F-823E-5321ACE1B539}" srcOrd="2" destOrd="0" presId="urn:microsoft.com/office/officeart/2018/2/layout/IconVerticalSolidList"/>
-    <dgm:cxn modelId="{B7BD4B53-75DA-46D3-9096-6E6CC9D85741}" type="presParOf" srcId="{ED6BDBEE-20F7-466F-823E-5321ACE1B539}" destId="{109D43E4-26B9-4B80-AAD9-4973C27F12A7}" srcOrd="0" destOrd="0" presId="urn:microsoft.com/office/officeart/2018/2/layout/IconVerticalSolidList"/>
-    <dgm:cxn modelId="{E4330155-D064-48D7-BDE1-367C6512FCEE}" type="presParOf" srcId="{ED6BDBEE-20F7-466F-823E-5321ACE1B539}" destId="{CE589E28-3424-4210-85B9-39448A40B39F}" srcOrd="1" destOrd="0" presId="urn:microsoft.com/office/officeart/2018/2/layout/IconVerticalSolidList"/>
-    <dgm:cxn modelId="{55FFF7F4-5793-4065-8CB4-25ADDA991DD8}" type="presParOf" srcId="{ED6BDBEE-20F7-466F-823E-5321ACE1B539}" destId="{ADE20762-B6C8-49AE-A229-CCF25089923F}" srcOrd="2" destOrd="0" presId="urn:microsoft.com/office/officeart/2018/2/layout/IconVerticalSolidList"/>
-    <dgm:cxn modelId="{20C0E5A4-ECCB-415D-8B5A-E1A93EC668B7}" type="presParOf" srcId="{ED6BDBEE-20F7-466F-823E-5321ACE1B539}" destId="{6FA6AEBD-A95F-4080-917D-C8CB481B65A1}" srcOrd="3" destOrd="0" presId="urn:microsoft.com/office/officeart/2018/2/layout/IconVerticalSolidList"/>
-    <dgm:cxn modelId="{FB2051DE-331D-41C7-83A5-B94F5CFC8761}" type="presParOf" srcId="{2CE99AF6-8116-489C-8FB4-0BC45EEA905C}" destId="{7CCB3F39-937B-42F3-AAC2-D7034F71E2F5}" srcOrd="3" destOrd="0" presId="urn:microsoft.com/office/officeart/2018/2/layout/IconVerticalSolidList"/>
-    <dgm:cxn modelId="{C99F31F4-6BD1-4B75-93AF-0F5BE83ACDB0}" type="presParOf" srcId="{2CE99AF6-8116-489C-8FB4-0BC45EEA905C}" destId="{DE32EF31-3A50-444F-9347-0E5F9AA9DED8}" srcOrd="4" destOrd="0" presId="urn:microsoft.com/office/officeart/2018/2/layout/IconVerticalSolidList"/>
-    <dgm:cxn modelId="{C3B2D806-AE59-48E6-8741-2C77DDAFA063}" type="presParOf" srcId="{DE32EF31-3A50-444F-9347-0E5F9AA9DED8}" destId="{7BBD6F5C-6A52-4812-8AF1-16EA9A8670BF}" srcOrd="0" destOrd="0" presId="urn:microsoft.com/office/officeart/2018/2/layout/IconVerticalSolidList"/>
-    <dgm:cxn modelId="{463A4153-F54D-4481-80BB-EE637B1252A9}" type="presParOf" srcId="{DE32EF31-3A50-444F-9347-0E5F9AA9DED8}" destId="{11C6D1C5-3AA8-4A1C-8444-2DB8691E52BF}" srcOrd="1" destOrd="0" presId="urn:microsoft.com/office/officeart/2018/2/layout/IconVerticalSolidList"/>
-    <dgm:cxn modelId="{9C55D00A-7B00-4873-BD19-B5E0C383DB29}" type="presParOf" srcId="{DE32EF31-3A50-444F-9347-0E5F9AA9DED8}" destId="{C517DADE-47AD-4B48-BB48-008758B2AF2F}" srcOrd="2" destOrd="0" presId="urn:microsoft.com/office/officeart/2018/2/layout/IconVerticalSolidList"/>
-    <dgm:cxn modelId="{B3805741-1B68-480B-8C4C-FCB30CB11C83}" type="presParOf" srcId="{DE32EF31-3A50-444F-9347-0E5F9AA9DED8}" destId="{F7987E90-67DC-4BAE-AC92-0CE9965F821A}" srcOrd="3" destOrd="0" presId="urn:microsoft.com/office/officeart/2018/2/layout/IconVerticalSolidList"/>
-  </dgm:cxnLst>
-  <dgm:bg/>
-  <dgm:whole/>
-  <dgm:extLst>
-    <a:ext uri="http://schemas.microsoft.com/office/drawing/2008/diagram">
-      <dsp:dataModelExt xmlns:dsp="http://schemas.microsoft.com/office/drawing/2008/diagram" relId="rId6" minVer="http://schemas.openxmlformats.org/drawingml/2006/diagram"/>
-    </a:ext>
-  </dgm:extLst>
-</dgm:dataModel>
-</file>
-
-<file path=ppt/diagrams/drawing1.xml><?xml version="1.0" encoding="utf-8"?>
-<dsp:drawing xmlns:dgm="http://schemas.openxmlformats.org/drawingml/2006/diagram" xmlns:dsp="http://schemas.microsoft.com/office/drawing/2008/diagram" xmlns:a="http://schemas.openxmlformats.org/drawingml/2006/main">
-  <dsp:spTree>
-    <dsp:nvGrpSpPr>
-      <dsp:cNvPr id="0" name=""/>
-      <dsp:cNvGrpSpPr/>
-    </dsp:nvGrpSpPr>
-    <dsp:grpSpPr/>
-    <dsp:sp modelId="{AC5378B7-4EB0-4CA1-A012-1441B4B0B9B8}">
-      <dsp:nvSpPr>
-        <dsp:cNvPr id="0" name=""/>
-        <dsp:cNvSpPr/>
-      </dsp:nvSpPr>
-      <dsp:spPr>
-        <a:xfrm>
-          <a:off x="0" y="491"/>
-          <a:ext cx="10058399" cy="1149069"/>
-        </a:xfrm>
-        <a:prstGeom prst="roundRect">
-          <a:avLst>
-            <a:gd name="adj" fmla="val 10000"/>
-          </a:avLst>
-        </a:prstGeom>
-        <a:solidFill>
-          <a:schemeClr val="accent1">
-            <a:tint val="40000"/>
-            <a:hueOff val="0"/>
-            <a:satOff val="0"/>
-            <a:lumOff val="0"/>
-            <a:alphaOff val="0"/>
-          </a:schemeClr>
-        </a:solidFill>
-        <a:ln>
-          <a:noFill/>
-        </a:ln>
-        <a:effectLst/>
-      </dsp:spPr>
-      <dsp:style>
-        <a:lnRef idx="0">
-          <a:scrgbClr r="0" g="0" b="0"/>
-        </a:lnRef>
-        <a:fillRef idx="1">
-          <a:scrgbClr r="0" g="0" b="0"/>
-        </a:fillRef>
-        <a:effectRef idx="0">
-          <a:scrgbClr r="0" g="0" b="0"/>
-        </a:effectRef>
-        <a:fontRef idx="minor"/>
-      </dsp:style>
-    </dsp:sp>
-    <dsp:sp modelId="{EE8342DE-AF60-4261-8475-241AFA741CC2}">
-      <dsp:nvSpPr>
-        <dsp:cNvPr id="0" name=""/>
-        <dsp:cNvSpPr/>
-      </dsp:nvSpPr>
-      <dsp:spPr>
-        <a:xfrm>
-          <a:off x="347593" y="259031"/>
-          <a:ext cx="631988" cy="631988"/>
-        </a:xfrm>
-        <a:prstGeom prst="rect">
-          <a:avLst/>
-        </a:prstGeom>
-        <a:blipFill>
-          <a:blip xmlns:r="http://schemas.openxmlformats.org/officeDocument/2006/relationships" r:embed="rId1">
-            <a:extLst>
-              <a:ext uri="{28A0092B-C50C-407E-A947-70E740481C1C}">
-                <a14:useLocalDpi xmlns:a14="http://schemas.microsoft.com/office/drawing/2010/main" val="0"/>
-              </a:ext>
-              <a:ext uri="{96DAC541-7B7A-43D3-8B79-37D633B846F1}">
-                <asvg:svgBlip xmlns:asvg="http://schemas.microsoft.com/office/drawing/2016/SVG/main" r:embed="rId2"/>
-              </a:ext>
-            </a:extLst>
-          </a:blip>
-          <a:stretch>
-            <a:fillRect/>
-          </a:stretch>
-        </a:blipFill>
-        <a:ln w="15875" cap="flat" cmpd="sng" algn="ctr">
-          <a:solidFill>
-            <a:schemeClr val="lt1">
-              <a:hueOff val="0"/>
-              <a:satOff val="0"/>
-              <a:lumOff val="0"/>
-              <a:alphaOff val="0"/>
-            </a:schemeClr>
-          </a:solidFill>
-          <a:prstDash val="solid"/>
-        </a:ln>
-        <a:effectLst/>
-      </dsp:spPr>
-      <dsp:style>
-        <a:lnRef idx="2">
-          <a:scrgbClr r="0" g="0" b="0"/>
-        </a:lnRef>
-        <a:fillRef idx="1">
-          <a:scrgbClr r="0" g="0" b="0"/>
-        </a:fillRef>
-        <a:effectRef idx="0">
-          <a:scrgbClr r="0" g="0" b="0"/>
-        </a:effectRef>
-        <a:fontRef idx="minor">
-          <a:schemeClr val="lt1"/>
-        </a:fontRef>
-      </dsp:style>
-    </dsp:sp>
-    <dsp:sp modelId="{B8C56FE8-4278-46EA-8545-E3556F7193E9}">
-      <dsp:nvSpPr>
-        <dsp:cNvPr id="0" name=""/>
-        <dsp:cNvSpPr/>
-      </dsp:nvSpPr>
-      <dsp:spPr>
-        <a:xfrm>
-          <a:off x="1327175" y="491"/>
-          <a:ext cx="8731224" cy="1149069"/>
-        </a:xfrm>
-        <a:prstGeom prst="rect">
-          <a:avLst/>
-        </a:prstGeom>
-        <a:noFill/>
-        <a:ln>
-          <a:noFill/>
-        </a:ln>
-        <a:effectLst/>
-      </dsp:spPr>
-      <dsp:style>
-        <a:lnRef idx="0">
-          <a:scrgbClr r="0" g="0" b="0"/>
-        </a:lnRef>
-        <a:fillRef idx="0">
-          <a:scrgbClr r="0" g="0" b="0"/>
-        </a:fillRef>
-        <a:effectRef idx="0">
-          <a:scrgbClr r="0" g="0" b="0"/>
-        </a:effectRef>
-        <a:fontRef idx="minor"/>
-      </dsp:style>
-      <dsp:txBody>
-        <a:bodyPr spcFirstLastPara="0" vert="horz" wrap="square" lIns="121610" tIns="121610" rIns="121610" bIns="121610" numCol="1" spcCol="1270" anchor="ctr" anchorCtr="0">
-          <a:noAutofit/>
-        </a:bodyPr>
-        <a:lstStyle/>
-        <a:p>
-          <a:pPr marL="0" lvl="0" indent="0" algn="l" defTabSz="1111250">
-            <a:lnSpc>
-              <a:spcPct val="100000"/>
-            </a:lnSpc>
-            <a:spcBef>
-              <a:spcPct val="0"/>
-            </a:spcBef>
-            <a:spcAft>
-              <a:spcPct val="35000"/>
-            </a:spcAft>
-            <a:buNone/>
-          </a:pPr>
-          <a:r>
-            <a:rPr lang="en-US" sz="2500" kern="1200" dirty="0"/>
-            <a:t>Brief History and Introduction to Polar Codes</a:t>
-          </a:r>
-        </a:p>
-      </dsp:txBody>
-      <dsp:txXfrm>
-        <a:off x="1327175" y="491"/>
-        <a:ext cx="8731224" cy="1149069"/>
-      </dsp:txXfrm>
-    </dsp:sp>
-    <dsp:sp modelId="{109D43E4-26B9-4B80-AAD9-4973C27F12A7}">
-      <dsp:nvSpPr>
-        <dsp:cNvPr id="0" name=""/>
-        <dsp:cNvSpPr/>
-      </dsp:nvSpPr>
-      <dsp:spPr>
-        <a:xfrm>
-          <a:off x="0" y="1436827"/>
-          <a:ext cx="10058399" cy="1149069"/>
-        </a:xfrm>
-        <a:prstGeom prst="roundRect">
-          <a:avLst>
-            <a:gd name="adj" fmla="val 10000"/>
-          </a:avLst>
-        </a:prstGeom>
-        <a:solidFill>
-          <a:schemeClr val="accent1">
-            <a:tint val="40000"/>
-            <a:hueOff val="0"/>
-            <a:satOff val="0"/>
-            <a:lumOff val="0"/>
-            <a:alphaOff val="0"/>
-          </a:schemeClr>
-        </a:solidFill>
-        <a:ln>
-          <a:noFill/>
-        </a:ln>
-        <a:effectLst/>
-      </dsp:spPr>
-      <dsp:style>
-        <a:lnRef idx="0">
-          <a:scrgbClr r="0" g="0" b="0"/>
-        </a:lnRef>
-        <a:fillRef idx="1">
-          <a:scrgbClr r="0" g="0" b="0"/>
-        </a:fillRef>
-        <a:effectRef idx="0">
-          <a:scrgbClr r="0" g="0" b="0"/>
-        </a:effectRef>
-        <a:fontRef idx="minor"/>
-      </dsp:style>
-    </dsp:sp>
-    <dsp:sp modelId="{CE589E28-3424-4210-85B9-39448A40B39F}">
-      <dsp:nvSpPr>
-        <dsp:cNvPr id="0" name=""/>
-        <dsp:cNvSpPr/>
-      </dsp:nvSpPr>
-      <dsp:spPr>
-        <a:xfrm>
-          <a:off x="347593" y="1695368"/>
-          <a:ext cx="631988" cy="631988"/>
-        </a:xfrm>
-        <a:prstGeom prst="rect">
-          <a:avLst/>
-        </a:prstGeom>
-        <a:blipFill>
-          <a:blip xmlns:r="http://schemas.openxmlformats.org/officeDocument/2006/relationships" r:embed="rId3">
-            <a:extLst>
-              <a:ext uri="{28A0092B-C50C-407E-A947-70E740481C1C}">
-                <a14:useLocalDpi xmlns:a14="http://schemas.microsoft.com/office/drawing/2010/main" val="0"/>
-              </a:ext>
-              <a:ext uri="{96DAC541-7B7A-43D3-8B79-37D633B846F1}">
-                <asvg:svgBlip xmlns:asvg="http://schemas.microsoft.com/office/drawing/2016/SVG/main" r:embed="rId4"/>
-              </a:ext>
-            </a:extLst>
-          </a:blip>
-          <a:stretch>
-            <a:fillRect/>
-          </a:stretch>
-        </a:blipFill>
-        <a:ln w="15875" cap="flat" cmpd="sng" algn="ctr">
-          <a:solidFill>
-            <a:schemeClr val="lt1">
-              <a:hueOff val="0"/>
-              <a:satOff val="0"/>
-              <a:lumOff val="0"/>
-              <a:alphaOff val="0"/>
-            </a:schemeClr>
-          </a:solidFill>
-          <a:prstDash val="solid"/>
-        </a:ln>
-        <a:effectLst/>
-      </dsp:spPr>
-      <dsp:style>
-        <a:lnRef idx="2">
-          <a:scrgbClr r="0" g="0" b="0"/>
-        </a:lnRef>
-        <a:fillRef idx="1">
-          <a:scrgbClr r="0" g="0" b="0"/>
-        </a:fillRef>
-        <a:effectRef idx="0">
-          <a:scrgbClr r="0" g="0" b="0"/>
-        </a:effectRef>
-        <a:fontRef idx="minor">
-          <a:schemeClr val="lt1"/>
-        </a:fontRef>
-      </dsp:style>
-    </dsp:sp>
-    <dsp:sp modelId="{6FA6AEBD-A95F-4080-917D-C8CB481B65A1}">
-      <dsp:nvSpPr>
-        <dsp:cNvPr id="0" name=""/>
-        <dsp:cNvSpPr/>
-      </dsp:nvSpPr>
-      <dsp:spPr>
-        <a:xfrm>
-          <a:off x="1327175" y="1436827"/>
-          <a:ext cx="8731224" cy="1149069"/>
-        </a:xfrm>
-        <a:prstGeom prst="rect">
-          <a:avLst/>
-        </a:prstGeom>
-        <a:noFill/>
-        <a:ln>
-          <a:noFill/>
-        </a:ln>
-        <a:effectLst/>
-      </dsp:spPr>
-      <dsp:style>
-        <a:lnRef idx="0">
-          <a:scrgbClr r="0" g="0" b="0"/>
-        </a:lnRef>
-        <a:fillRef idx="0">
-          <a:scrgbClr r="0" g="0" b="0"/>
-        </a:fillRef>
-        <a:effectRef idx="0">
-          <a:scrgbClr r="0" g="0" b="0"/>
-        </a:effectRef>
-        <a:fontRef idx="minor"/>
-      </dsp:style>
-      <dsp:txBody>
-        <a:bodyPr spcFirstLastPara="0" vert="horz" wrap="square" lIns="121610" tIns="121610" rIns="121610" bIns="121610" numCol="1" spcCol="1270" anchor="ctr" anchorCtr="0">
-          <a:noAutofit/>
-        </a:bodyPr>
-        <a:lstStyle/>
-        <a:p>
-          <a:pPr marL="0" lvl="0" indent="0" algn="l" defTabSz="1111250">
-            <a:lnSpc>
-              <a:spcPct val="100000"/>
-            </a:lnSpc>
-            <a:spcBef>
-              <a:spcPct val="0"/>
-            </a:spcBef>
-            <a:spcAft>
-              <a:spcPct val="35000"/>
-            </a:spcAft>
-            <a:buNone/>
-          </a:pPr>
-          <a:r>
-            <a:rPr lang="en-US" sz="2500" kern="1200" dirty="0"/>
-            <a:t>Channel Polarization and Encoding-Decoding</a:t>
-          </a:r>
-        </a:p>
-      </dsp:txBody>
-      <dsp:txXfrm>
-        <a:off x="1327175" y="1436827"/>
-        <a:ext cx="8731224" cy="1149069"/>
-      </dsp:txXfrm>
-    </dsp:sp>
-    <dsp:sp modelId="{7BBD6F5C-6A52-4812-8AF1-16EA9A8670BF}">
-      <dsp:nvSpPr>
-        <dsp:cNvPr id="0" name=""/>
-        <dsp:cNvSpPr/>
-      </dsp:nvSpPr>
-      <dsp:spPr>
-        <a:xfrm>
-          <a:off x="0" y="2873164"/>
-          <a:ext cx="10058399" cy="1149069"/>
-        </a:xfrm>
-        <a:prstGeom prst="roundRect">
-          <a:avLst>
-            <a:gd name="adj" fmla="val 10000"/>
-          </a:avLst>
-        </a:prstGeom>
-        <a:solidFill>
-          <a:schemeClr val="accent1">
-            <a:tint val="40000"/>
-            <a:hueOff val="0"/>
-            <a:satOff val="0"/>
-            <a:lumOff val="0"/>
-            <a:alphaOff val="0"/>
-          </a:schemeClr>
-        </a:solidFill>
-        <a:ln>
-          <a:noFill/>
-        </a:ln>
-        <a:effectLst/>
-      </dsp:spPr>
-      <dsp:style>
-        <a:lnRef idx="0">
-          <a:scrgbClr r="0" g="0" b="0"/>
-        </a:lnRef>
-        <a:fillRef idx="1">
-          <a:scrgbClr r="0" g="0" b="0"/>
-        </a:fillRef>
-        <a:effectRef idx="0">
-          <a:scrgbClr r="0" g="0" b="0"/>
-        </a:effectRef>
-        <a:fontRef idx="minor"/>
-      </dsp:style>
-    </dsp:sp>
-    <dsp:sp modelId="{11C6D1C5-3AA8-4A1C-8444-2DB8691E52BF}">
-      <dsp:nvSpPr>
-        <dsp:cNvPr id="0" name=""/>
-        <dsp:cNvSpPr/>
-      </dsp:nvSpPr>
-      <dsp:spPr>
-        <a:xfrm>
-          <a:off x="347593" y="3131705"/>
-          <a:ext cx="631988" cy="631988"/>
-        </a:xfrm>
-        <a:prstGeom prst="rect">
-          <a:avLst/>
-        </a:prstGeom>
-        <a:blipFill>
-          <a:blip xmlns:r="http://schemas.openxmlformats.org/officeDocument/2006/relationships" r:embed="rId5">
-            <a:extLst>
-              <a:ext uri="{28A0092B-C50C-407E-A947-70E740481C1C}">
-                <a14:useLocalDpi xmlns:a14="http://schemas.microsoft.com/office/drawing/2010/main" val="0"/>
-              </a:ext>
-              <a:ext uri="{96DAC541-7B7A-43D3-8B79-37D633B846F1}">
-                <asvg:svgBlip xmlns:asvg="http://schemas.microsoft.com/office/drawing/2016/SVG/main" r:embed="rId6"/>
-              </a:ext>
-            </a:extLst>
-          </a:blip>
-          <a:stretch>
-            <a:fillRect/>
-          </a:stretch>
-        </a:blipFill>
-        <a:ln w="15875" cap="flat" cmpd="sng" algn="ctr">
-          <a:solidFill>
-            <a:schemeClr val="lt1">
-              <a:hueOff val="0"/>
-              <a:satOff val="0"/>
-              <a:lumOff val="0"/>
-              <a:alphaOff val="0"/>
-            </a:schemeClr>
-          </a:solidFill>
-          <a:prstDash val="solid"/>
-        </a:ln>
-        <a:effectLst/>
-      </dsp:spPr>
-      <dsp:style>
-        <a:lnRef idx="2">
-          <a:scrgbClr r="0" g="0" b="0"/>
-        </a:lnRef>
-        <a:fillRef idx="1">
-          <a:scrgbClr r="0" g="0" b="0"/>
-        </a:fillRef>
-        <a:effectRef idx="0">
-          <a:scrgbClr r="0" g="0" b="0"/>
-        </a:effectRef>
-        <a:fontRef idx="minor">
-          <a:schemeClr val="lt1"/>
-        </a:fontRef>
-      </dsp:style>
-    </dsp:sp>
-    <dsp:sp modelId="{F7987E90-67DC-4BAE-AC92-0CE9965F821A}">
-      <dsp:nvSpPr>
-        <dsp:cNvPr id="0" name=""/>
-        <dsp:cNvSpPr/>
-      </dsp:nvSpPr>
-      <dsp:spPr>
-        <a:xfrm>
-          <a:off x="1327175" y="2873164"/>
-          <a:ext cx="8731224" cy="1149069"/>
-        </a:xfrm>
-        <a:prstGeom prst="rect">
-          <a:avLst/>
-        </a:prstGeom>
-        <a:noFill/>
-        <a:ln>
-          <a:noFill/>
-        </a:ln>
-        <a:effectLst/>
-      </dsp:spPr>
-      <dsp:style>
-        <a:lnRef idx="0">
-          <a:scrgbClr r="0" g="0" b="0"/>
-        </a:lnRef>
-        <a:fillRef idx="0">
-          <a:scrgbClr r="0" g="0" b="0"/>
-        </a:fillRef>
-        <a:effectRef idx="0">
-          <a:scrgbClr r="0" g="0" b="0"/>
-        </a:effectRef>
-        <a:fontRef idx="minor"/>
-      </dsp:style>
-      <dsp:txBody>
-        <a:bodyPr spcFirstLastPara="0" vert="horz" wrap="square" lIns="121610" tIns="121610" rIns="121610" bIns="121610" numCol="1" spcCol="1270" anchor="ctr" anchorCtr="0">
-          <a:noAutofit/>
-        </a:bodyPr>
-        <a:lstStyle/>
-        <a:p>
-          <a:pPr marL="0" lvl="0" indent="0" algn="l" defTabSz="1111250">
-            <a:lnSpc>
-              <a:spcPct val="100000"/>
-            </a:lnSpc>
-            <a:spcBef>
-              <a:spcPct val="0"/>
-            </a:spcBef>
-            <a:spcAft>
-              <a:spcPct val="35000"/>
-            </a:spcAft>
-            <a:buNone/>
-          </a:pPr>
-          <a:r>
-            <a:rPr lang="en-US" sz="2500" kern="1200" dirty="0"/>
-            <a:t>Shannon’s Theorem</a:t>
-          </a:r>
-        </a:p>
-      </dsp:txBody>
-      <dsp:txXfrm>
-        <a:off x="1327175" y="2873164"/>
-        <a:ext cx="8731224" cy="1149069"/>
-      </dsp:txXfrm>
-    </dsp:sp>
-  </dsp:spTree>
-</dsp:drawing>
-</file>
-
-<file path=ppt/diagrams/layout1.xml><?xml version="1.0" encoding="utf-8"?>
-<dgm:layoutDef xmlns:dgm="http://schemas.openxmlformats.org/drawingml/2006/diagram" xmlns:a="http://schemas.openxmlformats.org/drawingml/2006/main" uniqueId="urn:microsoft.com/office/officeart/2018/2/layout/IconVerticalSolidList">
-  <dgm:title val="Icon Vertical Solid List"/>
-  <dgm:desc val="Use to show a series of visuals from top to bottom with Level 1 or Level 1 and Level 2 text grouped in a shape. Works best with icons or small pictures with lengthier descriptions."/>
-  <dgm:catLst>
-    <dgm:cat type="icon" pri="500"/>
-  </dgm:catLst>
-  <dgm:sampData useDef="1">
-    <dgm:dataModel>
-      <dgm:ptLst/>
-      <dgm:bg/>
-      <dgm:whole/>
-    </dgm:dataModel>
-  </dgm:sampData>
-  <dgm:styleData useDef="1">
-    <dgm:dataModel>
-      <dgm:ptLst/>
-      <dgm:bg/>
-      <dgm:whole/>
-    </dgm:dataModel>
-  </dgm:styleData>
-  <dgm:clrData useDef="1">
-    <dgm:dataModel>
-      <dgm:ptLst/>
-      <dgm:bg/>
-      <dgm:whole/>
-    </dgm:dataModel>
-  </dgm:clrData>
-  <dgm:layoutNode name="root">
-    <dgm:varLst>
-      <dgm:dir/>
-      <dgm:resizeHandles val="exact"/>
-    </dgm:varLst>
-    <dgm:choose name="Name0">
-      <dgm:if name="Name1" axis="self" func="var" arg="dir" op="equ" val="norm">
-        <dgm:alg type="lin">
-          <dgm:param type="linDir" val="fromT"/>
-          <dgm:param type="nodeHorzAlign" val="l"/>
-        </dgm:alg>
-      </dgm:if>
-      <dgm:else name="Name2">
-        <dgm:alg type="lin">
-          <dgm:param type="linDir" val="fromT"/>
-          <dgm:param type="nodeHorzAlign" val="r"/>
-        </dgm:alg>
-      </dgm:else>
-    </dgm:choose>
-    <dgm:shape xmlns:r="http://schemas.openxmlformats.org/officeDocument/2006/relationships" r:blip="">
-      <dgm:adjLst/>
-    </dgm:shape>
-    <dgm:presOf/>
-    <dgm:choose name="Name3">
-      <dgm:if name="Name4" axis="ch" ptType="node" func="cnt" op="lte" val="3">
-        <dgm:constrLst>
-          <dgm:constr type="h" for="ch" forName="compNode" refType="h" fact="0.3"/>
-          <dgm:constr type="w" for="ch" forName="compNode" refType="w"/>
-          <dgm:constr type="h" for="ch" forName="sibTrans" refType="h" refFor="ch" refForName="compNode" fact="0.25"/>
-          <dgm:constr type="primFontSz" for="des" forName="parTx" val="25"/>
-          <dgm:constr type="primFontSz" for="des" forName="desTx" refType="primFontSz" refFor="des" refForName="parTx" op="lte" fact="0.75"/>
-          <dgm:constr type="h" for="des" forName="compNode" op="equ"/>
-          <dgm:constr type="h" for="des" forName="bgRect" op="equ"/>
-          <dgm:constr type="h" for="des" forName="iconRect" op="equ"/>
-          <dgm:constr type="w" for="des" forName="iconRect" op="equ"/>
-          <dgm:constr type="h" for="des" forName="spaceRect" op="equ"/>
-          <dgm:constr type="h" for="des" forName="parTx" op="equ"/>
-          <dgm:constr type="h" for="des" forName="desTx" op="equ"/>
-        </dgm:constrLst>
-      </dgm:if>
-      <dgm:if name="Name5" axis="ch" ptType="node" func="cnt" op="lte" val="4">
-        <dgm:constrLst>
-          <dgm:constr type="h" for="ch" forName="compNode" refType="h" fact="0.3"/>
-          <dgm:constr type="w" for="ch" forName="compNode" refType="w"/>
-          <dgm:constr type="h" for="ch" forName="sibTrans" refType="h" refFor="ch" refForName="compNode" fact="0.25"/>
-          <dgm:constr type="primFontSz" for="des" forName="parTx" val="22"/>
-          <dgm:constr type="primFontSz" for="des" forName="desTx" refType="primFontSz" refFor="des" refForName="parTx" op="lte" fact="0.75"/>
-          <dgm:constr type="h" for="des" forName="compNode" op="equ"/>
-          <dgm:constr type="h" for="des" forName="bgRect" op="equ"/>
-          <dgm:constr type="h" for="des" forName="iconRect" op="equ"/>
-          <dgm:constr type="w" for="des" forName="iconRect" op="equ"/>
-          <dgm:constr type="h" for="des" forName="spaceRect" op="equ"/>
-          <dgm:constr type="h" for="des" forName="parTx" op="equ"/>
-          <dgm:constr type="h" for="des" forName="desTx" op="equ"/>
-        </dgm:constrLst>
-      </dgm:if>
-      <dgm:if name="Name6" axis="ch" ptType="node" func="cnt" op="lte" val="6">
-        <dgm:constrLst>
-          <dgm:constr type="h" for="ch" forName="compNode" refType="h" fact="0.3"/>
-          <dgm:constr type="w" for="ch" forName="compNode" refType="w"/>
-          <dgm:constr type="h" for="ch" forName="sibTrans" refType="h" refFor="ch" refForName="compNode" fact="0.25"/>
-          <dgm:constr type="primFontSz" for="des" forName="parTx" val="19"/>
-          <dgm:constr type="primFontSz" for="des" forName="desTx" refType="primFontSz" refFor="des" refForName="parTx" op="lte" fact="0.75"/>
-          <dgm:constr type="h" for="des" forName="compNode" op="equ"/>
-          <dgm:constr type="h" for="des" forName="bgRect" op="equ"/>
-          <dgm:constr type="h" for="des" forName="iconRect" op="equ"/>
-          <dgm:constr type="w" for="des" forName="iconRect" op="equ"/>
-          <dgm:constr type="h" for="des" forName="spaceRect" op="equ"/>
-          <dgm:constr type="h" for="des" forName="parTx" op="equ"/>
-          <dgm:constr type="h" for="des" forName="desTx" op="equ"/>
-        </dgm:constrLst>
-      </dgm:if>
-      <dgm:else name="Name7">
-        <dgm:constrLst>
-          <dgm:constr type="h" for="ch" forName="compNode" refType="h" fact="0.3"/>
-          <dgm:constr type="w" for="ch" forName="compNode" refType="w"/>
-          <dgm:constr type="h" for="ch" forName="sibTrans" refType="h" refFor="ch" refForName="compNode" fact="0.25"/>
-          <dgm:constr type="primFontSz" for="des" forName="parTx" val="16"/>
-          <dgm:constr type="primFontSz" for="des" forName="desTx" refType="primFontSz" refFor="des" refForName="parTx" op="lte" fact="0.75"/>
-          <dgm:constr type="h" for="des" forName="compNode" op="equ"/>
-          <dgm:constr type="h" for="des" forName="bgRect" op="equ"/>
-          <dgm:constr type="h" for="des" forName="iconRect" op="equ"/>
-          <dgm:constr type="w" for="des" forName="iconRect" op="equ"/>
-          <dgm:constr type="h" for="des" forName="spaceRect" op="equ"/>
-          <dgm:constr type="h" for="des" forName="parTx" op="equ"/>
-          <dgm:constr type="h" for="des" forName="desTx" op="equ"/>
-        </dgm:constrLst>
-      </dgm:else>
-    </dgm:choose>
-    <dgm:ruleLst>
-      <dgm:rule type="h" for="ch" forName="compNode" val="0" fact="NaN" max="NaN"/>
-    </dgm:ruleLst>
-    <dgm:forEach name="Name8" axis="ch" ptType="node">
-      <dgm:layoutNode name="compNode">
-        <dgm:alg type="composite"/>
-        <dgm:shape xmlns:r="http://schemas.openxmlformats.org/officeDocument/2006/relationships" r:blip="">
-          <dgm:adjLst/>
-        </dgm:shape>
-        <dgm:presOf axis="self"/>
-        <dgm:choose name="Name9">
-          <dgm:if name="Name10" axis="ch" ptType="node" func="cnt" op="gte" val="1">
-            <dgm:constrLst>
-              <dgm:constr type="w" for="ch" forName="bgRect" refType="w"/>
-              <dgm:constr type="h" for="ch" forName="bgRect" refType="h"/>
-              <dgm:constr type="l" for="ch" forName="bgRect"/>
-              <dgm:constr type="t" for="ch" forName="bgRect"/>
-              <dgm:constr type="h" for="ch" forName="iconRect" refType="h" fact="0.55"/>
-              <dgm:constr type="w" for="ch" forName="iconRect" refType="h" refFor="ch" refForName="iconRect"/>
-              <dgm:constr type="l" for="ch" forName="iconRect" refType="h" refFor="ch" refForName="iconRect" fact="0.55"/>
-              <dgm:constr type="ctrY" for="ch" forName="iconRect" refType="ctrY" refFor="ch" refForName="bgRect"/>
-              <dgm:constr type="w" for="ch" forName="spaceRect" refType="l" refFor="ch" refForName="iconRect"/>
-              <dgm:constr type="h" for="ch" forName="spaceRect" refType="h"/>
-              <dgm:constr type="l" for="ch" forName="spaceRect" refType="r" refFor="ch" refForName="iconRect"/>
-              <dgm:constr type="t" for="ch" forName="spaceRect"/>
-              <dgm:constr type="w" for="ch" forName="parTx" refType="w" fact="0.45"/>
-              <dgm:constr type="h" for="ch" forName="parTx" refType="h"/>
-              <dgm:constr type="l" for="ch" forName="parTx" refType="r" refFor="ch" refForName="spaceRect"/>
-              <dgm:constr type="t" for="ch" forName="parTx"/>
-              <dgm:constr type="h" for="ch" forName="desTx" refType="h"/>
-              <dgm:constr type="l" for="ch" forName="desTx" refType="r" refFor="ch" refForName="parTx"/>
-              <dgm:constr type="t" for="ch" forName="desTx"/>
-            </dgm:constrLst>
-          </dgm:if>
-          <dgm:else name="Name11">
-            <dgm:constrLst>
-              <dgm:constr type="w" for="ch" forName="bgRect" refType="w"/>
-              <dgm:constr type="h" for="ch" forName="bgRect" refType="h"/>
-              <dgm:constr type="l" for="ch" forName="bgRect"/>
-              <dgm:constr type="t" for="ch" forName="bgRect"/>
-              <dgm:constr type="h" for="ch" forName="iconRect" refType="h" fact="0.55"/>
-              <dgm:constr type="w" for="ch" forName="iconRect" refType="h" refFor="ch" refForName="iconRect"/>
-              <dgm:constr type="l" for="ch" forName="iconRect" refType="h" refFor="ch" refForName="iconRect" fact="0.55"/>
-              <dgm:constr type="ctrY" for="ch" forName="iconRect" refType="ctrY" refFor="ch" refForName="bgRect"/>
-              <dgm:constr type="w" for="ch" forName="spaceRect" refType="l" refFor="ch" refForName="iconRect"/>
-              <dgm:constr type="h" for="ch" forName="spaceRect" refType="h"/>
-              <dgm:constr type="l" for="ch" forName="spaceRect" refType="r" refFor="ch" refForName="iconRect"/>
-              <dgm:constr type="t" for="ch" forName="spaceRect"/>
-              <dgm:constr type="h" for="ch" forName="parTx" refType="h"/>
-              <dgm:constr type="l" for="ch" forName="parTx" refType="r" refFor="ch" refForName="spaceRect"/>
-              <dgm:constr type="t" for="ch" forName="parTx"/>
-            </dgm:constrLst>
-          </dgm:else>
-        </dgm:choose>
-        <dgm:ruleLst>
-          <dgm:rule type="h" val="INF" fact="NaN" max="NaN"/>
-        </dgm:ruleLst>
-        <dgm:layoutNode name="bgRect" styleLbl="bgShp">
-          <dgm:alg type="sp"/>
-          <dgm:shape xmlns:r="http://schemas.openxmlformats.org/officeDocument/2006/relationships" type="roundRect" r:blip="">
-            <dgm:adjLst>
-              <dgm:adj idx="1" val="0.1"/>
-            </dgm:adjLst>
-          </dgm:shape>
-          <dgm:presOf/>
-          <dgm:constrLst/>
-          <dgm:ruleLst/>
-        </dgm:layoutNode>
-        <dgm:layoutNode name="iconRect" styleLbl="node1">
-          <dgm:alg type="sp"/>
-          <dgm:shape xmlns:r="http://schemas.openxmlformats.org/officeDocument/2006/relationships" type="rect" r:blip="" blipPhldr="1">
-            <dgm:adjLst/>
-          </dgm:shape>
-          <dgm:presOf/>
-          <dgm:constrLst/>
-          <dgm:ruleLst/>
-        </dgm:layoutNode>
-        <dgm:layoutNode name="spaceRect">
-          <dgm:alg type="sp"/>
-          <dgm:shape xmlns:r="http://schemas.openxmlformats.org/officeDocument/2006/relationships" r:blip="">
-            <dgm:adjLst/>
-          </dgm:shape>
-          <dgm:presOf/>
-          <dgm:constrLst/>
-          <dgm:ruleLst/>
-        </dgm:layoutNode>
-        <dgm:layoutNode name="parTx" styleLbl="revTx">
-          <dgm:varLst>
-            <dgm:chMax val="0"/>
-            <dgm:chPref val="0"/>
-          </dgm:varLst>
-          <dgm:alg type="tx">
-            <dgm:param type="txAnchorVert" val="mid"/>
-            <dgm:param type="parTxLTRAlign" val="l"/>
-            <dgm:param type="shpTxLTRAlignCh" val="l"/>
-            <dgm:param type="parTxRTLAlign" val="r"/>
-            <dgm:param type="shpTxRTLAlignCh" val="r"/>
-          </dgm:alg>
-          <dgm:shape xmlns:r="http://schemas.openxmlformats.org/officeDocument/2006/relationships" type="rect" r:blip="">
-            <dgm:adjLst/>
-          </dgm:shape>
-          <dgm:presOf axis="self" ptType="node"/>
-          <dgm:constrLst>
-            <dgm:constr type="lMarg" refType="h" fact="0.3"/>
-            <dgm:constr type="rMarg" refType="h" fact="0.3"/>
-            <dgm:constr type="tMarg" refType="h" fact="0.3"/>
-            <dgm:constr type="bMarg" refType="h" fact="0.3"/>
-          </dgm:constrLst>
-          <dgm:ruleLst>
-            <dgm:rule type="primFontSz" val="14" fact="NaN" max="NaN"/>
-            <dgm:rule type="h" val="INF" fact="NaN" max="NaN"/>
-          </dgm:ruleLst>
-        </dgm:layoutNode>
-        <dgm:choose name="Name12">
-          <dgm:if name="Name13" axis="ch" ptType="node" func="cnt" op="gte" val="1">
-            <dgm:layoutNode name="desTx" styleLbl="revTx">
-              <dgm:varLst/>
-              <dgm:alg type="tx">
-                <dgm:param type="txAnchorVertCh" val="mid"/>
-                <dgm:param type="parTxLTRAlign" val="l"/>
-                <dgm:param type="shpTxLTRAlignCh" val="l"/>
-                <dgm:param type="parTxRTLAlign" val="r"/>
-                <dgm:param type="shpTxRTLAlignCh" val="r"/>
-                <dgm:param type="stBulletLvl" val="0"/>
-              </dgm:alg>
-              <dgm:shape xmlns:r="http://schemas.openxmlformats.org/officeDocument/2006/relationships" type="rect" r:blip="">
-                <dgm:adjLst/>
-              </dgm:shape>
-              <dgm:presOf axis="des" ptType="node"/>
-              <dgm:constrLst>
-                <dgm:constr type="primFontSz" val="18"/>
-                <dgm:constr type="secFontSz" refType="primFontSz"/>
-                <dgm:constr type="lMarg" refType="h" fact="0.3"/>
-                <dgm:constr type="rMarg" refType="h" fact="0.3"/>
-                <dgm:constr type="tMarg" refType="h" fact="0.3"/>
-                <dgm:constr type="bMarg" refType="h" fact="0.3"/>
-              </dgm:constrLst>
-              <dgm:ruleLst>
-                <dgm:rule type="primFontSz" val="11" fact="NaN" max="NaN"/>
-              </dgm:ruleLst>
-            </dgm:layoutNode>
-          </dgm:if>
-          <dgm:else name="Name14"/>
-        </dgm:choose>
-      </dgm:layoutNode>
-      <dgm:forEach name="Name15" axis="followSib" ptType="sibTrans" cnt="1">
-        <dgm:layoutNode name="sibTrans">
-          <dgm:alg type="sp"/>
-          <dgm:shape xmlns:r="http://schemas.openxmlformats.org/officeDocument/2006/relationships" r:blip="">
-            <dgm:adjLst/>
-          </dgm:shape>
-          <dgm:presOf axis="self"/>
-          <dgm:constrLst/>
-          <dgm:ruleLst/>
-        </dgm:layoutNode>
-      </dgm:forEach>
-    </dgm:forEach>
-  </dgm:layoutNode>
-  <dgm:extLst>
-    <a:ext uri="{68A01E43-0DF5-4B5B-8FA6-DAF915123BFB}">
-      <dgm1612:lstStyle xmlns:dgm1612="http://schemas.microsoft.com/office/drawing/2016/12/diagram">
-        <a:lvl1pPr>
-          <a:lnSpc>
-            <a:spcPct val="100000"/>
-          </a:lnSpc>
-        </a:lvl1pPr>
-        <a:lvl2pPr>
-          <a:lnSpc>
-            <a:spcPct val="100000"/>
-          </a:lnSpc>
-        </a:lvl2pPr>
-      </dgm1612:lstStyle>
-    </a:ext>
-  </dgm:extLst>
-</dgm:layoutDef>
-</file>
-
-<file path=ppt/diagrams/quickStyle1.xml><?xml version="1.0" encoding="utf-8"?>
-<dgm:styleDef xmlns:dgm="http://schemas.openxmlformats.org/drawingml/2006/diagram" xmlns:a="http://schemas.openxmlformats.org/drawingml/2006/main" uniqueId="urn:microsoft.com/office/officeart/2005/8/quickstyle/simple1">
-  <dgm:title val=""/>
-  <dgm:desc val=""/>
-  <dgm:catLst>
-    <dgm:cat type="simple" pri="10100"/>
-  </dgm:catLst>
-  <dgm:scene3d>
-    <a:camera prst="orthographicFront"/>
-    <a:lightRig rig="threePt" dir="t"/>
-  </dgm:scene3d>
-  <dgm:styleLbl name="node0">
-    <dgm:scene3d>
-      <a:camera prst="orthographicFront"/>
-      <a:lightRig rig="threePt" dir="t"/>
-    </dgm:scene3d>
-    <dgm:sp3d/>
-    <dgm:txPr/>
-    <dgm:style>
-      <a:lnRef idx="2">
-        <a:scrgbClr r="0" g="0" b="0"/>
-      </a:lnRef>
-      <a:fillRef idx="1">
-        <a:scrgbClr r="0" g="0" b="0"/>
-      </a:fillRef>
-      <a:effectRef idx="0">
-        <a:scrgbClr r="0" g="0" b="0"/>
-      </a:effectRef>
-      <a:fontRef idx="minor">
-        <a:schemeClr val="lt1"/>
-      </a:fontRef>
-    </dgm:style>
-  </dgm:styleLbl>
-  <dgm:styleLbl name="lnNode1">
-    <dgm:scene3d>
-      <a:camera prst="orthographicFront"/>
-      <a:lightRig rig="threePt" dir="t"/>
-    </dgm:scene3d>
-    <dgm:sp3d/>
-    <dgm:txPr/>
-    <dgm:style>
-      <a:lnRef idx="2">
-        <a:scrgbClr r="0" g="0" b="0"/>
-      </a:lnRef>
-      <a:fillRef idx="1">
-        <a:scrgbClr r="0" g="0" b="0"/>
-      </a:fillRef>
-      <a:effectRef idx="0">
-        <a:scrgbClr r="0" g="0" b="0"/>
-      </a:effectRef>
-      <a:fontRef idx="minor">
-        <a:schemeClr val="lt1"/>
-      </a:fontRef>
-    </dgm:style>
-  </dgm:styleLbl>
-  <dgm:styleLbl name="vennNode1">
-    <dgm:scene3d>
-      <a:camera prst="orthographicFront"/>
-      <a:lightRig rig="threePt" dir="t"/>
-    </dgm:scene3d>
-    <dgm:sp3d/>
-    <dgm:txPr/>
-    <dgm:style>
-      <a:lnRef idx="2">
-        <a:scrgbClr r="0" g="0" b="0"/>
-      </a:lnRef>
-      <a:fillRef idx="1">
-        <a:scrgbClr r="0" g="0" b="0"/>
-      </a:fillRef>
-      <a:effectRef idx="0">
-        <a:scrgbClr r="0" g="0" b="0"/>
-      </a:effectRef>
-      <a:fontRef idx="minor">
-        <a:schemeClr val="tx1"/>
-      </a:fontRef>
-    </dgm:style>
-  </dgm:styleLbl>
-  <dgm:styleLbl name="alignNode1">
-    <dgm:scene3d>
-      <a:camera prst="orthographicFront"/>
-      <a:lightRig rig="threePt" dir="t"/>
-    </dgm:scene3d>
-    <dgm:sp3d/>
-    <dgm:txPr/>
-    <dgm:style>
-      <a:lnRef idx="2">
-        <a:scrgbClr r="0" g="0" b="0"/>
-      </a:lnRef>
-      <a:fillRef idx="1">
-        <a:scrgbClr r="0" g="0" b="0"/>
-      </a:fillRef>
-      <a:effectRef idx="0">
-        <a:scrgbClr r="0" g="0" b="0"/>
-      </a:effectRef>
-      <a:fontRef idx="minor">
-        <a:schemeClr val="lt1"/>
-      </a:fontRef>
-    </dgm:style>
-  </dgm:styleLbl>
-  <dgm:styleLbl name="node1">
-    <dgm:scene3d>
-      <a:camera prst="orthographicFront"/>
-      <a:lightRig rig="threePt" dir="t"/>
-    </dgm:scene3d>
-    <dgm:sp3d/>
-    <dgm:txPr/>
-    <dgm:style>
-      <a:lnRef idx="2">
-        <a:scrgbClr r="0" g="0" b="0"/>
-      </a:lnRef>
-      <a:fillRef idx="1">
-        <a:scrgbClr r="0" g="0" b="0"/>
-      </a:fillRef>
-      <a:effectRef idx="0">
-        <a:scrgbClr r="0" g="0" b="0"/>
-      </a:effectRef>
-      <a:fontRef idx="minor">
-        <a:schemeClr val="lt1"/>
-      </a:fontRef>
-    </dgm:style>
-  </dgm:styleLbl>
-  <dgm:styleLbl name="node2">
-    <dgm:scene3d>
-      <a:camera prst="orthographicFront"/>
-      <a:lightRig rig="threePt" dir="t"/>
-    </dgm:scene3d>
-    <dgm:sp3d/>
-    <dgm:txPr/>
-    <dgm:style>
-      <a:lnRef idx="2">
-        <a:scrgbClr r="0" g="0" b="0"/>
-      </a:lnRef>
-      <a:fillRef idx="1">
-        <a:scrgbClr r="0" g="0" b="0"/>
-      </a:fillRef>
-      <a:effectRef idx="0">
-        <a:scrgbClr r="0" g="0" b="0"/>
-      </a:effectRef>
-      <a:fontRef idx="minor">
-        <a:schemeClr val="lt1"/>
-      </a:fontRef>
-    </dgm:style>
-  </dgm:styleLbl>
-  <dgm:styleLbl name="node3">
-    <dgm:scene3d>
-      <a:camera prst="orthographicFront"/>
-      <a:lightRig rig="threePt" dir="t"/>
-    </dgm:scene3d>
-    <dgm:sp3d/>
-    <dgm:txPr/>
-    <dgm:style>
-      <a:lnRef idx="2">
-        <a:scrgbClr r="0" g="0" b="0"/>
-      </a:lnRef>
-      <a:fillRef idx="1">
-        <a:scrgbClr r="0" g="0" b="0"/>
-      </a:fillRef>
-      <a:effectRef idx="0">
-        <a:scrgbClr r="0" g="0" b="0"/>
-      </a:effectRef>
-      <a:fontRef idx="minor">
-        <a:schemeClr val="lt1"/>
-      </a:fontRef>
-    </dgm:style>
-  </dgm:styleLbl>
-  <dgm:styleLbl name="node4">
-    <dgm:scene3d>
-      <a:camera prst="orthographicFront"/>
-      <a:lightRig rig="threePt" dir="t"/>
-    </dgm:scene3d>
-    <dgm:sp3d/>
-    <dgm:txPr/>
-    <dgm:style>
-      <a:lnRef idx="2">
-        <a:scrgbClr r="0" g="0" b="0"/>
-      </a:lnRef>
-      <a:fillRef idx="1">
-        <a:scrgbClr r="0" g="0" b="0"/>
-      </a:fillRef>
-      <a:effectRef idx="0">
-        <a:scrgbClr r="0" g="0" b="0"/>
-      </a:effectRef>
-      <a:fontRef idx="minor">
-        <a:schemeClr val="lt1"/>
-      </a:fontRef>
-    </dgm:style>
-  </dgm:styleLbl>
-  <dgm:styleLbl name="fgImgPlace1">
-    <dgm:scene3d>
-      <a:camera prst="orthographicFront"/>
-      <a:lightRig rig="threePt" dir="t"/>
-    </dgm:scene3d>
-    <dgm:sp3d/>
-    <dgm:txPr/>
-    <dgm:style>
-      <a:lnRef idx="2">
-        <a:scrgbClr r="0" g="0" b="0"/>
-      </a:lnRef>
-      <a:fillRef idx="1">
-        <a:scrgbClr r="0" g="0" b="0"/>
-      </a:fillRef>
-      <a:effectRef idx="0">
-        <a:scrgbClr r="0" g="0" b="0"/>
-      </a:effectRef>
-      <a:fontRef idx="minor"/>
-    </dgm:style>
-  </dgm:styleLbl>
-  <dgm:styleLbl name="alignImgPlace1">
-    <dgm:scene3d>
-      <a:camera prst="orthographicFront"/>
-      <a:lightRig rig="threePt" dir="t"/>
-    </dgm:scene3d>
-    <dgm:sp3d/>
-    <dgm:txPr/>
-    <dgm:style>
-      <a:lnRef idx="2">
-        <a:scrgbClr r="0" g="0" b="0"/>
-      </a:lnRef>
-      <a:fillRef idx="1">
-        <a:scrgbClr r="0" g="0" b="0"/>
-      </a:fillRef>
-      <a:effectRef idx="0">
-        <a:scrgbClr r="0" g="0" b="0"/>
-      </a:effectRef>
-      <a:fontRef idx="minor"/>
-    </dgm:style>
-  </dgm:styleLbl>
-  <dgm:styleLbl name="bgImgPlace1">
-    <dgm:scene3d>
-      <a:camera prst="orthographicFront"/>
-      <a:lightRig rig="threePt" dir="t"/>
-    </dgm:scene3d>
-    <dgm:sp3d/>
-    <dgm:txPr/>
-    <dgm:style>
-      <a:lnRef idx="2">
-        <a:scrgbClr r="0" g="0" b="0"/>
-      </a:lnRef>
-      <a:fillRef idx="1">
-        <a:scrgbClr r="0" g="0" b="0"/>
-      </a:fillRef>
-      <a:effectRef idx="0">
-        <a:scrgbClr r="0" g="0" b="0"/>
-      </a:effectRef>
-      <a:fontRef idx="minor"/>
-    </dgm:style>
-  </dgm:styleLbl>
-  <dgm:styleLbl name="sibTrans2D1">
-    <dgm:scene3d>
-      <a:camera prst="orthographicFront"/>
-      <a:lightRig rig="threePt" dir="t"/>
-    </dgm:scene3d>
-    <dgm:sp3d/>
-    <dgm:txPr/>
-    <dgm:style>
-      <a:lnRef idx="0">
-        <a:scrgbClr r="0" g="0" b="0"/>
-      </a:lnRef>
-      <a:fillRef idx="1">
-        <a:scrgbClr r="0" g="0" b="0"/>
-      </a:fillRef>
-      <a:effectRef idx="0">
-        <a:scrgbClr r="0" g="0" b="0"/>
-      </a:effectRef>
-      <a:fontRef idx="minor">
-        <a:schemeClr val="lt1"/>
-      </a:fontRef>
-    </dgm:style>
-  </dgm:styleLbl>
-  <dgm:styleLbl name="fgSibTrans2D1">
-    <dgm:scene3d>
-      <a:camera prst="orthographicFront"/>
-      <a:lightRig rig="threePt" dir="t"/>
-    </dgm:scene3d>
-    <dgm:sp3d/>
-    <dgm:txPr/>
-    <dgm:style>
-      <a:lnRef idx="0">
-        <a:scrgbClr r="0" g="0" b="0"/>
-      </a:lnRef>
-      <a:fillRef idx="1">
-        <a:scrgbClr r="0" g="0" b="0"/>
-      </a:fillRef>
-      <a:effectRef idx="0">
-        <a:scrgbClr r="0" g="0" b="0"/>
-      </a:effectRef>
-      <a:fontRef idx="minor">
-        <a:schemeClr val="lt1"/>
-      </a:fontRef>
-    </dgm:style>
-  </dgm:styleLbl>
-  <dgm:styleLbl name="bgSibTrans2D1">
-    <dgm:scene3d>
-      <a:camera prst="orthographicFront"/>
-      <a:lightRig rig="threePt" dir="t"/>
-    </dgm:scene3d>
-    <dgm:sp3d/>
-    <dgm:txPr/>
-    <dgm:style>
-      <a:lnRef idx="0">
-        <a:scrgbClr r="0" g="0" b="0"/>
-      </a:lnRef>
-      <a:fillRef idx="1">
-        <a:scrgbClr r="0" g="0" b="0"/>
-      </a:fillRef>
-      <a:effectRef idx="0">
-        <a:scrgbClr r="0" g="0" b="0"/>
-      </a:effectRef>
-      <a:fontRef idx="minor">
-        <a:schemeClr val="lt1"/>
-      </a:fontRef>
-    </dgm:style>
-  </dgm:styleLbl>
-  <dgm:styleLbl name="sibTrans1D1">
-    <dgm:scene3d>
-      <a:camera prst="orthographicFront"/>
-      <a:lightRig rig="threePt" dir="t"/>
-    </dgm:scene3d>
-    <dgm:sp3d/>
-    <dgm:txPr/>
-    <dgm:style>
-      <a:lnRef idx="1">
-        <a:scrgbClr r="0" g="0" b="0"/>
-      </a:lnRef>
-      <a:fillRef idx="0">
-        <a:scrgbClr r="0" g="0" b="0"/>
-      </a:fillRef>
-      <a:effectRef idx="0">
-        <a:scrgbClr r="0" g="0" b="0"/>
-      </a:effectRef>
-      <a:fontRef idx="minor"/>
-    </dgm:style>
-  </dgm:styleLbl>
-  <dgm:styleLbl name="callout">
-    <dgm:scene3d>
-      <a:camera prst="orthographicFront"/>
-      <a:lightRig rig="threePt" dir="t"/>
-    </dgm:scene3d>
-    <dgm:sp3d/>
-    <dgm:txPr/>
-    <dgm:style>
-      <a:lnRef idx="2">
-        <a:scrgbClr r="0" g="0" b="0"/>
-      </a:lnRef>
-      <a:fillRef idx="1">
-        <a:scrgbClr r="0" g="0" b="0"/>
-      </a:fillRef>
-      <a:effectRef idx="0">
-        <a:scrgbClr r="0" g="0" b="0"/>
-      </a:effectRef>
-      <a:fontRef idx="minor"/>
-    </dgm:style>
-  </dgm:styleLbl>
-  <dgm:styleLbl name="asst0">
-    <dgm:scene3d>
-      <a:camera prst="orthographicFront"/>
-      <a:lightRig rig="threePt" dir="t"/>
-    </dgm:scene3d>
-    <dgm:sp3d/>
-    <dgm:txPr/>
-    <dgm:style>
-      <a:lnRef idx="2">
-        <a:scrgbClr r="0" g="0" b="0"/>
-      </a:lnRef>
-      <a:fillRef idx="1">
-        <a:scrgbClr r="0" g="0" b="0"/>
-      </a:fillRef>
-      <a:effectRef idx="0">
-        <a:scrgbClr r="0" g="0" b="0"/>
-      </a:effectRef>
-      <a:fontRef idx="minor">
-        <a:schemeClr val="lt1"/>
-      </a:fontRef>
-    </dgm:style>
-  </dgm:styleLbl>
-  <dgm:styleLbl name="asst1">
-    <dgm:scene3d>
-      <a:camera prst="orthographicFront"/>
-      <a:lightRig rig="threePt" dir="t"/>
-    </dgm:scene3d>
-    <dgm:sp3d/>
-    <dgm:txPr/>
-    <dgm:style>
-      <a:lnRef idx="2">
-        <a:scrgbClr r="0" g="0" b="0"/>
-      </a:lnRef>
-      <a:fillRef idx="1">
-        <a:scrgbClr r="0" g="0" b="0"/>
-      </a:fillRef>
-      <a:effectRef idx="0">
-        <a:scrgbClr r="0" g="0" b="0"/>
-      </a:effectRef>
-      <a:fontRef idx="minor">
-        <a:schemeClr val="lt1"/>
-      </a:fontRef>
-    </dgm:style>
-  </dgm:styleLbl>
-  <dgm:styleLbl name="asst2">
-    <dgm:scene3d>
-      <a:camera prst="orthographicFront"/>
-      <a:lightRig rig="threePt" dir="t"/>
-    </dgm:scene3d>
-    <dgm:sp3d/>
-    <dgm:txPr/>
-    <dgm:style>
-      <a:lnRef idx="2">
-        <a:scrgbClr r="0" g="0" b="0"/>
-      </a:lnRef>
-      <a:fillRef idx="1">
-        <a:scrgbClr r="0" g="0" b="0"/>
-      </a:fillRef>
-      <a:effectRef idx="0">
-        <a:scrgbClr r="0" g="0" b="0"/>
-      </a:effectRef>
-      <a:fontRef idx="minor">
-        <a:schemeClr val="lt1"/>
-      </a:fontRef>
-    </dgm:style>
-  </dgm:styleLbl>
-  <dgm:styleLbl name="asst3">
-    <dgm:scene3d>
-      <a:camera prst="orthographicFront"/>
-      <a:lightRig rig="threePt" dir="t"/>
-    </dgm:scene3d>
-    <dgm:sp3d/>
-    <dgm:txPr/>
-    <dgm:style>
-      <a:lnRef idx="2">
-        <a:scrgbClr r="0" g="0" b="0"/>
-      </a:lnRef>
-      <a:fillRef idx="1">
-        <a:scrgbClr r="0" g="0" b="0"/>
-      </a:fillRef>
-      <a:effectRef idx="0">
-        <a:scrgbClr r="0" g="0" b="0"/>
-      </a:effectRef>
-      <a:fontRef idx="minor">
-        <a:schemeClr val="lt1"/>
-      </a:fontRef>
-    </dgm:style>
-  </dgm:styleLbl>
-  <dgm:styleLbl name="asst4">
-    <dgm:scene3d>
-      <a:camera prst="orthographicFront"/>
-      <a:lightRig rig="threePt" dir="t"/>
-    </dgm:scene3d>
-    <dgm:sp3d/>
-    <dgm:txPr/>
-    <dgm:style>
-      <a:lnRef idx="2">
-        <a:scrgbClr r="0" g="0" b="0"/>
-      </a:lnRef>
-      <a:fillRef idx="1">
-        <a:scrgbClr r="0" g="0" b="0"/>
-      </a:fillRef>
-      <a:effectRef idx="0">
-        <a:scrgbClr r="0" g="0" b="0"/>
-      </a:effectRef>
-      <a:fontRef idx="minor">
-        <a:schemeClr val="lt1"/>
-      </a:fontRef>
-    </dgm:style>
-  </dgm:styleLbl>
-  <dgm:styleLbl name="parChTrans2D1">
-    <dgm:scene3d>
-      <a:camera prst="orthographicFront"/>
-      <a:lightRig rig="threePt" dir="t"/>
-    </dgm:scene3d>
-    <dgm:sp3d/>
-    <dgm:txPr/>
-    <dgm:style>
-      <a:lnRef idx="2">
-        <a:scrgbClr r="0" g="0" b="0"/>
-      </a:lnRef>
-      <a:fillRef idx="1">
-        <a:scrgbClr r="0" g="0" b="0"/>
-      </a:fillRef>
-      <a:effectRef idx="0">
-        <a:scrgbClr r="0" g="0" b="0"/>
-      </a:effectRef>
-      <a:fontRef idx="minor">
-        <a:schemeClr val="lt1"/>
-      </a:fontRef>
-    </dgm:style>
-  </dgm:styleLbl>
-  <dgm:styleLbl name="parChTrans2D2">
-    <dgm:scene3d>
-      <a:camera prst="orthographicFront"/>
-      <a:lightRig rig="threePt" dir="t"/>
-    </dgm:scene3d>
-    <dgm:sp3d/>
-    <dgm:txPr/>
-    <dgm:style>
-      <a:lnRef idx="2">
-        <a:scrgbClr r="0" g="0" b="0"/>
-      </a:lnRef>
-      <a:fillRef idx="1">
-        <a:scrgbClr r="0" g="0" b="0"/>
-      </a:fillRef>
-      <a:effectRef idx="0">
-        <a:scrgbClr r="0" g="0" b="0"/>
-      </a:effectRef>
-      <a:fontRef idx="minor">
-        <a:schemeClr val="lt1"/>
-      </a:fontRef>
-    </dgm:style>
-  </dgm:styleLbl>
-  <dgm:styleLbl name="parChTrans2D3">
-    <dgm:scene3d>
-      <a:camera prst="orthographicFront"/>
-      <a:lightRig rig="threePt" dir="t"/>
-    </dgm:scene3d>
-    <dgm:sp3d/>
-    <dgm:txPr/>
-    <dgm:style>
-      <a:lnRef idx="2">
-        <a:scrgbClr r="0" g="0" b="0"/>
-      </a:lnRef>
-      <a:fillRef idx="1">
-        <a:scrgbClr r="0" g="0" b="0"/>
-      </a:fillRef>
-      <a:effectRef idx="0">
-        <a:scrgbClr r="0" g="0" b="0"/>
-      </a:effectRef>
-      <a:fontRef idx="minor">
-        <a:schemeClr val="lt1"/>
-      </a:fontRef>
-    </dgm:style>
-  </dgm:styleLbl>
-  <dgm:styleLbl name="parChTrans2D4">
-    <dgm:scene3d>
-      <a:camera prst="orthographicFront"/>
-      <a:lightRig rig="threePt" dir="t"/>
-    </dgm:scene3d>
-    <dgm:sp3d/>
-    <dgm:txPr/>
-    <dgm:style>
-      <a:lnRef idx="2">
-        <a:scrgbClr r="0" g="0" b="0"/>
-      </a:lnRef>
-      <a:fillRef idx="1">
-        <a:scrgbClr r="0" g="0" b="0"/>
-      </a:fillRef>
-      <a:effectRef idx="0">
-        <a:scrgbClr r="0" g="0" b="0"/>
-      </a:effectRef>
-      <a:fontRef idx="minor">
-        <a:schemeClr val="lt1"/>
-      </a:fontRef>
-    </dgm:style>
-  </dgm:styleLbl>
-  <dgm:styleLbl name="parChTrans1D1">
-    <dgm:scene3d>
-      <a:camera prst="orthographicFront"/>
-      <a:lightRig rig="threePt" dir="t"/>
-    </dgm:scene3d>
-    <dgm:sp3d/>
-    <dgm:txPr/>
-    <dgm:style>
-      <a:lnRef idx="2">
-        <a:scrgbClr r="0" g="0" b="0"/>
-      </a:lnRef>
-      <a:fillRef idx="0">
-        <a:scrgbClr r="0" g="0" b="0"/>
-      </a:fillRef>
-      <a:effectRef idx="0">
-        <a:scrgbClr r="0" g="0" b="0"/>
-      </a:effectRef>
-      <a:fontRef idx="minor"/>
-    </dgm:style>
-  </dgm:styleLbl>
-  <dgm:styleLbl name="parChTrans1D2">
-    <dgm:scene3d>
-      <a:camera prst="orthographicFront"/>
-      <a:lightRig rig="threePt" dir="t"/>
-    </dgm:scene3d>
-    <dgm:sp3d/>
-    <dgm:txPr/>
-    <dgm:style>
-      <a:lnRef idx="2">
-        <a:scrgbClr r="0" g="0" b="0"/>
-      </a:lnRef>
-      <a:fillRef idx="0">
-        <a:scrgbClr r="0" g="0" b="0"/>
-      </a:fillRef>
-      <a:effectRef idx="0">
-        <a:scrgbClr r="0" g="0" b="0"/>
-      </a:effectRef>
-      <a:fontRef idx="minor"/>
-    </dgm:style>
-  </dgm:styleLbl>
-  <dgm:styleLbl name="parChTrans1D3">
-    <dgm:scene3d>
-      <a:camera prst="orthographicFront"/>
-      <a:lightRig rig="threePt" dir="t"/>
-    </dgm:scene3d>
-    <dgm:sp3d/>
-    <dgm:txPr/>
-    <dgm:style>
-      <a:lnRef idx="2">
-        <a:scrgbClr r="0" g="0" b="0"/>
-      </a:lnRef>
-      <a:fillRef idx="0">
-        <a:scrgbClr r="0" g="0" b="0"/>
-      </a:fillRef>
-      <a:effectRef idx="0">
-        <a:scrgbClr r="0" g="0" b="0"/>
-      </a:effectRef>
-      <a:fontRef idx="minor"/>
-    </dgm:style>
-  </dgm:styleLbl>
-  <dgm:styleLbl name="parChTrans1D4">
-    <dgm:scene3d>
-      <a:camera prst="orthographicFront"/>
-      <a:lightRig rig="threePt" dir="t"/>
-    </dgm:scene3d>
-    <dgm:sp3d/>
-    <dgm:txPr/>
-    <dgm:style>
-      <a:lnRef idx="2">
-        <a:scrgbClr r="0" g="0" b="0"/>
-      </a:lnRef>
-      <a:fillRef idx="0">
-        <a:scrgbClr r="0" g="0" b="0"/>
-      </a:fillRef>
-      <a:effectRef idx="0">
-        <a:scrgbClr r="0" g="0" b="0"/>
-      </a:effectRef>
-      <a:fontRef idx="minor"/>
-    </dgm:style>
-  </dgm:styleLbl>
-  <dgm:styleLbl name="fgAcc1">
-    <dgm:scene3d>
-      <a:camera prst="orthographicFront"/>
-      <a:lightRig rig="threePt" dir="t"/>
-    </dgm:scene3d>
-    <dgm:sp3d/>
-    <dgm:txPr/>
-    <dgm:style>
-      <a:lnRef idx="2">
-        <a:scrgbClr r="0" g="0" b="0"/>
-      </a:lnRef>
-      <a:fillRef idx="1">
-        <a:scrgbClr r="0" g="0" b="0"/>
-      </a:fillRef>
-      <a:effectRef idx="0">
-        <a:scrgbClr r="0" g="0" b="0"/>
-      </a:effectRef>
-      <a:fontRef idx="minor"/>
-    </dgm:style>
-  </dgm:styleLbl>
-  <dgm:styleLbl name="conFgAcc1">
-    <dgm:scene3d>
-      <a:camera prst="orthographicFront"/>
-      <a:lightRig rig="threePt" dir="t"/>
-    </dgm:scene3d>
-    <dgm:sp3d/>
-    <dgm:txPr/>
-    <dgm:style>
-      <a:lnRef idx="2">
-        <a:scrgbClr r="0" g="0" b="0"/>
-      </a:lnRef>
-      <a:fillRef idx="1">
-        <a:scrgbClr r="0" g="0" b="0"/>
-      </a:fillRef>
-      <a:effectRef idx="0">
-        <a:scrgbClr r="0" g="0" b="0"/>
-      </a:effectRef>
-      <a:fontRef idx="minor"/>
-    </dgm:style>
-  </dgm:styleLbl>
-  <dgm:styleLbl name="alignAcc1">
-    <dgm:scene3d>
-      <a:camera prst="orthographicFront"/>
-      <a:lightRig rig="threePt" dir="t"/>
-    </dgm:scene3d>
-    <dgm:sp3d/>
-    <dgm:txPr/>
-    <dgm:style>
-      <a:lnRef idx="2">
-        <a:scrgbClr r="0" g="0" b="0"/>
-      </a:lnRef>
-      <a:fillRef idx="1">
-        <a:scrgbClr r="0" g="0" b="0"/>
-      </a:fillRef>
-      <a:effectRef idx="0">
-        <a:scrgbClr r="0" g="0" b="0"/>
-      </a:effectRef>
-      <a:fontRef idx="minor"/>
-    </dgm:style>
-  </dgm:styleLbl>
-  <dgm:styleLbl name="trAlignAcc1">
-    <dgm:scene3d>
-      <a:camera prst="orthographicFront"/>
-      <a:lightRig rig="threePt" dir="t"/>
-    </dgm:scene3d>
-    <dgm:sp3d/>
-    <dgm:txPr/>
-    <dgm:style>
-      <a:lnRef idx="1">
-        <a:scrgbClr r="0" g="0" b="0"/>
-      </a:lnRef>
-      <a:fillRef idx="1">
-        <a:scrgbClr r="0" g="0" b="0"/>
-      </a:fillRef>
-      <a:effectRef idx="0">
-        <a:scrgbClr r="0" g="0" b="0"/>
-      </a:effectRef>
-      <a:fontRef idx="minor"/>
-    </dgm:style>
-  </dgm:styleLbl>
-  <dgm:styleLbl name="bgAcc1">
-    <dgm:scene3d>
-      <a:camera prst="orthographicFront"/>
-      <a:lightRig rig="threePt" dir="t"/>
-    </dgm:scene3d>
-    <dgm:sp3d/>
-    <dgm:txPr/>
-    <dgm:style>
-      <a:lnRef idx="2">
-        <a:scrgbClr r="0" g="0" b="0"/>
-      </a:lnRef>
-      <a:fillRef idx="1">
-        <a:scrgbClr r="0" g="0" b="0"/>
-      </a:fillRef>
-      <a:effectRef idx="0">
-        <a:scrgbClr r="0" g="0" b="0"/>
-      </a:effectRef>
-      <a:fontRef idx="minor"/>
-    </dgm:style>
-  </dgm:styleLbl>
-  <dgm:styleLbl name="solidFgAcc1">
-    <dgm:scene3d>
-      <a:camera prst="orthographicFront"/>
-      <a:lightRig rig="threePt" dir="t"/>
-    </dgm:scene3d>
-    <dgm:sp3d/>
-    <dgm:txPr/>
-    <dgm:style>
-      <a:lnRef idx="2">
-        <a:scrgbClr r="0" g="0" b="0"/>
-      </a:lnRef>
-      <a:fillRef idx="1">
-        <a:scrgbClr r="0" g="0" b="0"/>
-      </a:fillRef>
-      <a:effectRef idx="0">
-        <a:scrgbClr r="0" g="0" b="0"/>
-      </a:effectRef>
-      <a:fontRef idx="minor"/>
-    </dgm:style>
-  </dgm:styleLbl>
-  <dgm:styleLbl name="solidAlignAcc1">
-    <dgm:scene3d>
-      <a:camera prst="orthographicFront"/>
-      <a:lightRig rig="threePt" dir="t"/>
-    </dgm:scene3d>
-    <dgm:sp3d/>
-    <dgm:txPr/>
-    <dgm:style>
-      <a:lnRef idx="2">
-        <a:scrgbClr r="0" g="0" b="0"/>
-      </a:lnRef>
-      <a:fillRef idx="1">
-        <a:scrgbClr r="0" g="0" b="0"/>
-      </a:fillRef>
-      <a:effectRef idx="0">
-        <a:scrgbClr r="0" g="0" b="0"/>
-      </a:effectRef>
-      <a:fontRef idx="minor"/>
-    </dgm:style>
-  </dgm:styleLbl>
-  <dgm:styleLbl name="solidBgAcc1">
-    <dgm:scene3d>
-      <a:camera prst="orthographicFront"/>
-      <a:lightRig rig="threePt" dir="t"/>
-    </dgm:scene3d>
-    <dgm:sp3d/>
-    <dgm:txPr/>
-    <dgm:style>
-      <a:lnRef idx="2">
-        <a:scrgbClr r="0" g="0" b="0"/>
-      </a:lnRef>
-      <a:fillRef idx="1">
-        <a:scrgbClr r="0" g="0" b="0"/>
-      </a:fillRef>
-      <a:effectRef idx="0">
-        <a:scrgbClr r="0" g="0" b="0"/>
-      </a:effectRef>
-      <a:fontRef idx="minor"/>
-    </dgm:style>
-  </dgm:styleLbl>
-  <dgm:styleLbl name="fgAccFollowNode1">
-    <dgm:scene3d>
-      <a:camera prst="orthographicFront"/>
-      <a:lightRig rig="threePt" dir="t"/>
-    </dgm:scene3d>
-    <dgm:sp3d/>
-    <dgm:txPr/>
-    <dgm:style>
-      <a:lnRef idx="2">
-        <a:scrgbClr r="0" g="0" b="0"/>
-      </a:lnRef>
-      <a:fillRef idx="1">
-        <a:scrgbClr r="0" g="0" b="0"/>
-      </a:fillRef>
-      <a:effectRef idx="0">
-        <a:scrgbClr r="0" g="0" b="0"/>
-      </a:effectRef>
-      <a:fontRef idx="minor"/>
-    </dgm:style>
-  </dgm:styleLbl>
-  <dgm:styleLbl name="alignAccFollowNode1">
-    <dgm:scene3d>
-      <a:camera prst="orthographicFront"/>
-      <a:lightRig rig="threePt" dir="t"/>
-    </dgm:scene3d>
-    <dgm:sp3d/>
-    <dgm:txPr/>
-    <dgm:style>
-      <a:lnRef idx="2">
-        <a:scrgbClr r="0" g="0" b="0"/>
-      </a:lnRef>
-      <a:fillRef idx="1">
-        <a:scrgbClr r="0" g="0" b="0"/>
-      </a:fillRef>
-      <a:effectRef idx="0">
-        <a:scrgbClr r="0" g="0" b="0"/>
-      </a:effectRef>
-      <a:fontRef idx="minor"/>
-    </dgm:style>
-  </dgm:styleLbl>
-  <dgm:styleLbl name="bgAccFollowNode1">
-    <dgm:scene3d>
-      <a:camera prst="orthographicFront"/>
-      <a:lightRig rig="threePt" dir="t"/>
-    </dgm:scene3d>
-    <dgm:sp3d/>
-    <dgm:txPr/>
-    <dgm:style>
-      <a:lnRef idx="2">
-        <a:scrgbClr r="0" g="0" b="0"/>
-      </a:lnRef>
-      <a:fillRef idx="1">
-        <a:scrgbClr r="0" g="0" b="0"/>
-      </a:fillRef>
-      <a:effectRef idx="0">
-        <a:scrgbClr r="0" g="0" b="0"/>
-      </a:effectRef>
-      <a:fontRef idx="minor"/>
-    </dgm:style>
-  </dgm:styleLbl>
-  <dgm:styleLbl name="fgAcc0">
-    <dgm:scene3d>
-      <a:camera prst="orthographicFront"/>
-      <a:lightRig rig="threePt" dir="t"/>
-    </dgm:scene3d>
-    <dgm:sp3d/>
-    <dgm:txPr/>
-    <dgm:style>
-      <a:lnRef idx="2">
-        <a:scrgbClr r="0" g="0" b="0"/>
-      </a:lnRef>
-      <a:fillRef idx="1">
-        <a:scrgbClr r="0" g="0" b="0"/>
-      </a:fillRef>
-      <a:effectRef idx="0">
-        <a:scrgbClr r="0" g="0" b="0"/>
-      </a:effectRef>
-      <a:fontRef idx="minor"/>
-    </dgm:style>
-  </dgm:styleLbl>
-  <dgm:styleLbl name="fgAcc2">
-    <dgm:scene3d>
-      <a:camera prst="orthographicFront"/>
-      <a:lightRig rig="threePt" dir="t"/>
-    </dgm:scene3d>
-    <dgm:sp3d/>
-    <dgm:txPr/>
-    <dgm:style>
-      <a:lnRef idx="2">
-        <a:scrgbClr r="0" g="0" b="0"/>
-      </a:lnRef>
-      <a:fillRef idx="1">
-        <a:scrgbClr r="0" g="0" b="0"/>
-      </a:fillRef>
-      <a:effectRef idx="0">
-        <a:scrgbClr r="0" g="0" b="0"/>
-      </a:effectRef>
-      <a:fontRef idx="minor"/>
-    </dgm:style>
-  </dgm:styleLbl>
-  <dgm:styleLbl name="fgAcc3">
-    <dgm:scene3d>
-      <a:camera prst="orthographicFront"/>
-      <a:lightRig rig="threePt" dir="t"/>
-    </dgm:scene3d>
-    <dgm:sp3d/>
-    <dgm:txPr/>
-    <dgm:style>
-      <a:lnRef idx="2">
-        <a:scrgbClr r="0" g="0" b="0"/>
-      </a:lnRef>
-      <a:fillRef idx="1">
-        <a:scrgbClr r="0" g="0" b="0"/>
-      </a:fillRef>
-      <a:effectRef idx="0">
-        <a:scrgbClr r="0" g="0" b="0"/>
-      </a:effectRef>
-      <a:fontRef idx="minor"/>
-    </dgm:style>
-  </dgm:styleLbl>
-  <dgm:styleLbl name="fgAcc4">
-    <dgm:scene3d>
-      <a:camera prst="orthographicFront"/>
-      <a:lightRig rig="threePt" dir="t"/>
-    </dgm:scene3d>
-    <dgm:sp3d/>
-    <dgm:txPr/>
-    <dgm:style>
-      <a:lnRef idx="2">
-        <a:scrgbClr r="0" g="0" b="0"/>
-      </a:lnRef>
-      <a:fillRef idx="1">
-        <a:scrgbClr r="0" g="0" b="0"/>
-      </a:fillRef>
-      <a:effectRef idx="0">
-        <a:scrgbClr r="0" g="0" b="0"/>
-      </a:effectRef>
-      <a:fontRef idx="minor"/>
-    </dgm:style>
-  </dgm:styleLbl>
-  <dgm:styleLbl name="bgShp">
-    <dgm:scene3d>
-      <a:camera prst="orthographicFront"/>
-      <a:lightRig rig="threePt" dir="t"/>
-    </dgm:scene3d>
-    <dgm:sp3d/>
-    <dgm:txPr/>
-    <dgm:style>
-      <a:lnRef idx="0">
-        <a:scrgbClr r="0" g="0" b="0"/>
-      </a:lnRef>
-      <a:fillRef idx="1">
-        <a:scrgbClr r="0" g="0" b="0"/>
-      </a:fillRef>
-      <a:effectRef idx="0">
-        <a:scrgbClr r="0" g="0" b="0"/>
-      </a:effectRef>
-      <a:fontRef idx="minor"/>
-    </dgm:style>
-  </dgm:styleLbl>
-  <dgm:styleLbl name="dkBgShp">
-    <dgm:scene3d>
-      <a:camera prst="orthographicFront"/>
-      <a:lightRig rig="threePt" dir="t"/>
-    </dgm:scene3d>
-    <dgm:sp3d/>
-    <dgm:txPr/>
-    <dgm:style>
-      <a:lnRef idx="0">
-        <a:scrgbClr r="0" g="0" b="0"/>
-      </a:lnRef>
-      <a:fillRef idx="1">
-        <a:scrgbClr r="0" g="0" b="0"/>
-      </a:fillRef>
-      <a:effectRef idx="0">
-        <a:scrgbClr r="0" g="0" b="0"/>
-      </a:effectRef>
-      <a:fontRef idx="minor"/>
-    </dgm:style>
-  </dgm:styleLbl>
-  <dgm:styleLbl name="trBgShp">
-    <dgm:scene3d>
-      <a:camera prst="orthographicFront"/>
-      <a:lightRig rig="threePt" dir="t"/>
-    </dgm:scene3d>
-    <dgm:sp3d/>
-    <dgm:txPr/>
-    <dgm:style>
-      <a:lnRef idx="0">
-        <a:scrgbClr r="0" g="0" b="0"/>
-      </a:lnRef>
-      <a:fillRef idx="1">
-        <a:scrgbClr r="0" g="0" b="0"/>
-      </a:fillRef>
-      <a:effectRef idx="0">
-        <a:scrgbClr r="0" g="0" b="0"/>
-      </a:effectRef>
-      <a:fontRef idx="minor"/>
-    </dgm:style>
-  </dgm:styleLbl>
-  <dgm:styleLbl name="fgShp">
-    <dgm:scene3d>
-      <a:camera prst="orthographicFront"/>
-      <a:lightRig rig="threePt" dir="t"/>
-    </dgm:scene3d>
-    <dgm:sp3d/>
-    <dgm:txPr/>
-    <dgm:style>
-      <a:lnRef idx="2">
-        <a:scrgbClr r="0" g="0" b="0"/>
-      </a:lnRef>
-      <a:fillRef idx="1">
-        <a:scrgbClr r="0" g="0" b="0"/>
-      </a:fillRef>
-      <a:effectRef idx="0">
-        <a:scrgbClr r="0" g="0" b="0"/>
-      </a:effectRef>
-      <a:fontRef idx="minor"/>
-    </dgm:style>
-  </dgm:styleLbl>
-  <dgm:styleLbl name="revTx">
-    <dgm:scene3d>
-      <a:camera prst="orthographicFront"/>
-      <a:lightRig rig="threePt" dir="t"/>
-    </dgm:scene3d>
-    <dgm:sp3d/>
-    <dgm:txPr/>
-    <dgm:style>
-      <a:lnRef idx="0">
-        <a:scrgbClr r="0" g="0" b="0"/>
-      </a:lnRef>
-      <a:fillRef idx="0">
-        <a:scrgbClr r="0" g="0" b="0"/>
-      </a:fillRef>
-      <a:effectRef idx="0">
-        <a:scrgbClr r="0" g="0" b="0"/>
-      </a:effectRef>
-      <a:fontRef idx="minor"/>
-    </dgm:style>
-  </dgm:styleLbl>
-</dgm:styleDef>
 </file>
 
 <file path=ppt/notesMasters/notesMaster1.xml><?xml version="1.0" encoding="utf-8"?>
@@ -7883,7 +5070,7 @@
           <a:p>
             <a:fld id="{83305F5A-FA13-4B99-B28A-646F3C00E9A5}" type="datetimeFigureOut">
               <a:rPr lang="en-IN" smtClean="0"/>
-              <a:t>17-04-2024</a:t>
+              <a:t>06-07-2024</a:t>
             </a:fld>
             <a:endParaRPr lang="en-IN"/>
           </a:p>
@@ -8461,7 +5648,7 @@
           <a:p>
             <a:fld id="{6B0FC4F8-31B3-469A-82E6-4699F923C44C}" type="datetimeFigureOut">
               <a:rPr lang="en-IN" smtClean="0"/>
-              <a:t>17-04-2024</a:t>
+              <a:t>06-07-2024</a:t>
             </a:fld>
             <a:endParaRPr lang="en-IN"/>
           </a:p>
@@ -8669,7 +5856,7 @@
           <a:p>
             <a:fld id="{6B0FC4F8-31B3-469A-82E6-4699F923C44C}" type="datetimeFigureOut">
               <a:rPr lang="en-IN" smtClean="0"/>
-              <a:t>17-04-2024</a:t>
+              <a:t>06-07-2024</a:t>
             </a:fld>
             <a:endParaRPr lang="en-IN"/>
           </a:p>
@@ -8925,7 +6112,7 @@
           <a:p>
             <a:fld id="{6B0FC4F8-31B3-469A-82E6-4699F923C44C}" type="datetimeFigureOut">
               <a:rPr lang="en-IN" smtClean="0"/>
-              <a:t>17-04-2024</a:t>
+              <a:t>06-07-2024</a:t>
             </a:fld>
             <a:endParaRPr lang="en-IN"/>
           </a:p>
@@ -9099,7 +6286,7 @@
           <a:p>
             <a:fld id="{6B0FC4F8-31B3-469A-82E6-4699F923C44C}" type="datetimeFigureOut">
               <a:rPr lang="en-IN" smtClean="0"/>
-              <a:t>17-04-2024</a:t>
+              <a:t>06-07-2024</a:t>
             </a:fld>
             <a:endParaRPr lang="en-IN"/>
           </a:p>
@@ -9442,7 +6629,7 @@
           <a:p>
             <a:fld id="{6B0FC4F8-31B3-469A-82E6-4699F923C44C}" type="datetimeFigureOut">
               <a:rPr lang="en-IN" smtClean="0"/>
-              <a:t>17-04-2024</a:t>
+              <a:t>06-07-2024</a:t>
             </a:fld>
             <a:endParaRPr lang="en-IN"/>
           </a:p>
@@ -9717,7 +6904,7 @@
           <a:p>
             <a:fld id="{6B0FC4F8-31B3-469A-82E6-4699F923C44C}" type="datetimeFigureOut">
               <a:rPr lang="en-IN" smtClean="0"/>
-              <a:t>17-04-2024</a:t>
+              <a:t>06-07-2024</a:t>
             </a:fld>
             <a:endParaRPr lang="en-IN"/>
           </a:p>
@@ -10096,7 +7283,7 @@
           <a:p>
             <a:fld id="{6B0FC4F8-31B3-469A-82E6-4699F923C44C}" type="datetimeFigureOut">
               <a:rPr lang="en-IN" smtClean="0"/>
-              <a:t>17-04-2024</a:t>
+              <a:t>06-07-2024</a:t>
             </a:fld>
             <a:endParaRPr lang="en-IN"/>
           </a:p>
@@ -10214,7 +7401,7 @@
           <a:p>
             <a:fld id="{6B0FC4F8-31B3-469A-82E6-4699F923C44C}" type="datetimeFigureOut">
               <a:rPr lang="en-IN" smtClean="0"/>
-              <a:t>17-04-2024</a:t>
+              <a:t>06-07-2024</a:t>
             </a:fld>
             <a:endParaRPr lang="en-IN"/>
           </a:p>
@@ -10385,7 +7572,7 @@
           <a:p>
             <a:fld id="{6B0FC4F8-31B3-469A-82E6-4699F923C44C}" type="datetimeFigureOut">
               <a:rPr lang="en-IN" smtClean="0"/>
-              <a:t>17-04-2024</a:t>
+              <a:t>06-07-2024</a:t>
             </a:fld>
             <a:endParaRPr lang="en-IN"/>
           </a:p>
@@ -10739,7 +7926,7 @@
           <a:p>
             <a:fld id="{6B0FC4F8-31B3-469A-82E6-4699F923C44C}" type="datetimeFigureOut">
               <a:rPr lang="en-IN" smtClean="0"/>
-              <a:t>17-04-2024</a:t>
+              <a:t>06-07-2024</a:t>
             </a:fld>
             <a:endParaRPr lang="en-IN"/>
           </a:p>
@@ -11121,7 +8308,7 @@
           <a:p>
             <a:fld id="{6B0FC4F8-31B3-469A-82E6-4699F923C44C}" type="datetimeFigureOut">
               <a:rPr lang="en-IN" smtClean="0"/>
-              <a:t>17-04-2024</a:t>
+              <a:t>06-07-2024</a:t>
             </a:fld>
             <a:endParaRPr lang="en-IN"/>
           </a:p>
@@ -11408,7 +8595,7 @@
           <a:p>
             <a:fld id="{6B0FC4F8-31B3-469A-82E6-4699F923C44C}" type="datetimeFigureOut">
               <a:rPr lang="en-IN" smtClean="0"/>
-              <a:t>17-04-2024</a:t>
+              <a:t>06-07-2024</a:t>
             </a:fld>
             <a:endParaRPr lang="en-IN"/>
           </a:p>
@@ -12007,12 +9194,12 @@
         <p:spPr>
           <a:xfrm>
             <a:off x="1100051" y="4733405"/>
-            <a:ext cx="10058400" cy="821821"/>
+            <a:ext cx="10058400" cy="1357326"/>
           </a:xfrm>
         </p:spPr>
         <p:txBody>
           <a:bodyPr>
-            <a:normAutofit fontScale="92500" lnSpcReduction="20000"/>
+            <a:normAutofit fontScale="62500" lnSpcReduction="20000"/>
           </a:bodyPr>
           <a:lstStyle/>
           <a:p>
@@ -12031,7 +9218,26 @@
               <a:rPr lang="en-US" dirty="0"/>
               <a:t>Project Group - 3 </a:t>
             </a:r>
-            <a:endParaRPr lang="en-IN" dirty="0"/>
+          </a:p>
+          <a:p>
+            <a:r>
+              <a:rPr lang="en-IN" dirty="0"/>
+              <a:t>Prof. Yash Vasavada</a:t>
+            </a:r>
+          </a:p>
+          <a:p>
+            <a:r>
+              <a:rPr lang="en-IN" dirty="0"/>
+              <a:t>Mentor:- </a:t>
+            </a:r>
+            <a:r>
+              <a:rPr lang="en-IN" dirty="0" err="1"/>
+              <a:t>Bibin</a:t>
+            </a:r>
+            <a:r>
+              <a:rPr lang="en-IN" dirty="0"/>
+              <a:t> BABY JOHN</a:t>
+            </a:r>
           </a:p>
         </p:txBody>
       </p:sp>
@@ -12134,8 +9340,8 @@
           </a:p>
         </p:txBody>
       </p:sp>
-      <mc:AlternateContent xmlns:mc="http://schemas.openxmlformats.org/markup-compatibility/2006">
-        <mc:Choice xmlns:a14="http://schemas.microsoft.com/office/drawing/2010/main" Requires="a14">
+      <mc:AlternateContent xmlns:mc="http://schemas.openxmlformats.org/markup-compatibility/2006" xmlns:a14="http://schemas.microsoft.com/office/drawing/2010/main">
+        <mc:Choice Requires="a14">
           <p:sp>
             <p:nvSpPr>
               <p:cNvPr id="3" name="Content Placeholder 2">
@@ -12517,7 +9723,19 @@
                   <a:rPr lang="en-IN" dirty="0">
                     <a:sym typeface="Wingdings" panose="05000000000000000000" pitchFamily="2" charset="2"/>
                   </a:rPr>
-                  <a:t> If we consider Binary Erasure channel with erasure probability p then,</a:t>
+                  <a:t> If we consider W</a:t>
+                </a:r>
+                <a:r>
+                  <a:rPr lang="en-IN" baseline="-25000" dirty="0">
+                    <a:sym typeface="Wingdings" panose="05000000000000000000" pitchFamily="2" charset="2"/>
+                  </a:rPr>
+                  <a:t>2</a:t>
+                </a:r>
+                <a:r>
+                  <a:rPr lang="en-IN" dirty="0">
+                    <a:sym typeface="Wingdings" panose="05000000000000000000" pitchFamily="2" charset="2"/>
+                  </a:rPr>
+                  <a:t> as a Binary Erasure channel with erasure probability p then,</a:t>
                 </a:r>
               </a:p>
               <a:p>
@@ -12563,7 +9781,7 @@
                   <a:rPr lang="en-IN" dirty="0">
                     <a:sym typeface="Wingdings" panose="05000000000000000000" pitchFamily="2" charset="2"/>
                   </a:rPr>
-                  <a:t>Assuming X ~ Bernoulli(q), then the information for BEC is given by,</a:t>
+                  <a:t>Assuming X ~ Bernoulli(q=0.5), then the information for BEC is given by,</a:t>
                 </a:r>
               </a:p>
               <a:p>
@@ -12598,7 +9816,19 @@
                   <a:rPr lang="en-IN" dirty="0">
                     <a:sym typeface="Wingdings" panose="05000000000000000000" pitchFamily="2" charset="2"/>
                   </a:rPr>
-                  <a:t>) </a:t>
+                  <a:t>) = (1) * (1 – </a:t>
+                </a:r>
+                <a:r>
+                  <a:rPr lang="en-IN" dirty="0" err="1">
+                    <a:sym typeface="Wingdings" panose="05000000000000000000" pitchFamily="2" charset="2"/>
+                  </a:rPr>
+                  <a:t>erasure_probability</a:t>
+                </a:r>
+                <a:r>
+                  <a:rPr lang="en-IN" dirty="0">
+                    <a:sym typeface="Wingdings" panose="05000000000000000000" pitchFamily="2" charset="2"/>
+                  </a:rPr>
+                  <a:t>)</a:t>
                 </a:r>
               </a:p>
               <a:p>
@@ -12633,7 +9863,7 @@
             </p:txBody>
           </p:sp>
         </mc:Choice>
-        <mc:Fallback>
+        <mc:Fallback xmlns="">
           <p:sp>
             <p:nvSpPr>
               <p:cNvPr id="3" name="Content Placeholder 2">
@@ -12736,8 +9966,8 @@
           </a:p>
         </p:txBody>
       </p:sp>
-      <mc:AlternateContent xmlns:mc="http://schemas.openxmlformats.org/markup-compatibility/2006">
-        <mc:Choice xmlns:a14="http://schemas.microsoft.com/office/drawing/2010/main" Requires="a14">
+      <mc:AlternateContent xmlns:mc="http://schemas.openxmlformats.org/markup-compatibility/2006" xmlns:a14="http://schemas.microsoft.com/office/drawing/2010/main">
+        <mc:Choice Requires="a14">
           <p:sp>
             <p:nvSpPr>
               <p:cNvPr id="3" name="Content Placeholder 2">
@@ -12796,7 +10026,7 @@
                   <a:rPr lang="en-IN" dirty="0">
                     <a:sym typeface="Wingdings" panose="05000000000000000000" pitchFamily="2" charset="2"/>
                   </a:rPr>
-                  <a:t>) = H2(q) (1 –</a:t>
+                  <a:t>) = (1) * (1 –</a:t>
                 </a:r>
                 <a14:m>
                   <m:oMath xmlns:m="http://schemas.openxmlformats.org/officeDocument/2006/math">
@@ -12859,13 +10089,7 @@
                   <a:rPr lang="en-IN" dirty="0">
                     <a:sym typeface="Wingdings" panose="05000000000000000000" pitchFamily="2" charset="2"/>
                   </a:rPr>
-                  <a:t>) = H2(q) (1 – </a:t>
-                </a:r>
-                <a:r>
-                  <a:rPr lang="en-IN">
-                    <a:sym typeface="Wingdings" panose="05000000000000000000" pitchFamily="2" charset="2"/>
-                  </a:rPr>
-                  <a:t>2p + </a:t>
+                  <a:t>) = (1) * (1 – 2p + </a:t>
                 </a:r>
                 <a14:m>
                   <m:oMath xmlns:m="http://schemas.openxmlformats.org/officeDocument/2006/math">
@@ -13924,7 +11148,7 @@
             </p:txBody>
           </p:sp>
         </mc:Choice>
-        <mc:Fallback>
+        <mc:Fallback xmlns="">
           <p:sp>
             <p:nvSpPr>
               <p:cNvPr id="3" name="Content Placeholder 2">
@@ -14465,7 +11689,7 @@
                 <a:latin typeface="Söhne"/>
                 <a:sym typeface="Wingdings" panose="05000000000000000000" pitchFamily="2" charset="2"/>
               </a:rPr>
-              <a:t>0, 1, 2, 4, 8, 16, 3, 5, 9, 6, 17, 10, 18, 12, 20, 34, 24, 7, 11, 19, </a:t>
+              <a:t>0, 1, 2, 4, 8, 16, 3, 5, 9, 6, 17, 10, 18, 12, 20, 31, 24, 7, 11, 19, </a:t>
             </a:r>
           </a:p>
           <a:p>
@@ -14816,7 +12040,7 @@
                     </a:solidFill>
                     <a:latin typeface="Söhne"/>
                   </a:rPr>
-                  <a:t> We will see how this bit-channels plays a crucial role for successive cancellation decoding </a:t>
+                  <a:t> We will see how these bit-channels plays a crucial role for successive cancellation decoding </a:t>
                 </a:r>
               </a:p>
               <a:p>
@@ -18250,8 +15474,8 @@
           </a:p>
         </p:txBody>
       </p:sp>
-      <mc:AlternateContent xmlns:mc="http://schemas.openxmlformats.org/markup-compatibility/2006">
-        <mc:Choice xmlns:a14="http://schemas.microsoft.com/office/drawing/2010/main" Requires="a14">
+      <mc:AlternateContent xmlns:mc="http://schemas.openxmlformats.org/markup-compatibility/2006" xmlns:a14="http://schemas.microsoft.com/office/drawing/2010/main">
+        <mc:Choice Requires="a14">
           <p:sp>
             <p:nvSpPr>
               <p:cNvPr id="3" name="Content Placeholder 2">
@@ -18496,7 +15720,7 @@
             </p:txBody>
           </p:sp>
         </mc:Choice>
-        <mc:Fallback>
+        <mc:Fallback xmlns="">
           <p:sp>
             <p:nvSpPr>
               <p:cNvPr id="3" name="Content Placeholder 2">
@@ -26063,7 +23287,7 @@
         </p:nvSpPr>
         <p:spPr>
           <a:xfrm>
-            <a:off x="2772698" y="1917291"/>
+            <a:off x="2507227" y="1917291"/>
             <a:ext cx="1287635" cy="951271"/>
           </a:xfrm>
           <a:prstGeom prst="rect">
@@ -26110,7 +23334,7 @@
         </p:nvSpPr>
         <p:spPr>
           <a:xfrm>
-            <a:off x="4483510" y="1917291"/>
+            <a:off x="4768644" y="1917291"/>
             <a:ext cx="1287050" cy="951271"/>
           </a:xfrm>
           <a:prstGeom prst="rect">
@@ -26157,7 +23381,7 @@
         </p:nvSpPr>
         <p:spPr>
           <a:xfrm>
-            <a:off x="6263149" y="1917291"/>
+            <a:off x="6577784" y="1917291"/>
             <a:ext cx="1287050" cy="951271"/>
           </a:xfrm>
           <a:prstGeom prst="rect">
@@ -26204,7 +23428,7 @@
         </p:nvSpPr>
         <p:spPr>
           <a:xfrm>
-            <a:off x="2816649" y="2208260"/>
+            <a:off x="2452853" y="2208260"/>
             <a:ext cx="1410442" cy="369332"/>
           </a:xfrm>
           <a:prstGeom prst="rect">
@@ -26240,7 +23464,7 @@
         </p:nvSpPr>
         <p:spPr>
           <a:xfrm>
-            <a:off x="4782809" y="1905988"/>
+            <a:off x="5038450" y="1905988"/>
             <a:ext cx="1165122" cy="923330"/>
           </a:xfrm>
           <a:prstGeom prst="rect">
@@ -26288,7 +23512,7 @@
         </p:nvSpPr>
         <p:spPr>
           <a:xfrm>
-            <a:off x="6374803" y="2208260"/>
+            <a:off x="6768094" y="2208260"/>
             <a:ext cx="1165122" cy="369332"/>
           </a:xfrm>
           <a:prstGeom prst="rect">
@@ -26327,7 +23551,7 @@
         </p:nvCxnSpPr>
         <p:spPr>
           <a:xfrm>
-            <a:off x="1883194" y="2367653"/>
+            <a:off x="1617723" y="2367653"/>
             <a:ext cx="889504" cy="25274"/>
           </a:xfrm>
           <a:prstGeom prst="straightConnector1">
@@ -26369,8 +23593,8 @@
         </p:nvCxnSpPr>
         <p:spPr>
           <a:xfrm flipV="1">
-            <a:off x="4054441" y="2392927"/>
-            <a:ext cx="429069" cy="8256"/>
+            <a:off x="3794862" y="2392927"/>
+            <a:ext cx="973782" cy="20893"/>
           </a:xfrm>
           <a:prstGeom prst="straightConnector1">
             <a:avLst/>
@@ -26411,7 +23635,7 @@
         </p:nvCxnSpPr>
         <p:spPr>
           <a:xfrm flipV="1">
-            <a:off x="5742085" y="2392927"/>
+            <a:off x="6056720" y="2392927"/>
             <a:ext cx="521064" cy="12384"/>
           </a:xfrm>
           <a:prstGeom prst="straightConnector1">
@@ -26452,7 +23676,7 @@
         </p:nvCxnSpPr>
         <p:spPr>
           <a:xfrm>
-            <a:off x="7550199" y="2391662"/>
+            <a:off x="7855001" y="2391662"/>
             <a:ext cx="889504" cy="25274"/>
           </a:xfrm>
           <a:prstGeom prst="straightConnector1">
@@ -26491,7 +23715,7 @@
         </p:nvSpPr>
         <p:spPr>
           <a:xfrm>
-            <a:off x="8449977" y="2229154"/>
+            <a:off x="8725280" y="2229154"/>
             <a:ext cx="862737" cy="369332"/>
           </a:xfrm>
           <a:prstGeom prst="rect">
@@ -27823,8 +25047,8 @@
           </a:p>
         </p:txBody>
       </p:sp>
-      <mc:AlternateContent xmlns:mc="http://schemas.openxmlformats.org/markup-compatibility/2006">
-        <mc:Choice xmlns:a14="http://schemas.microsoft.com/office/drawing/2010/main" Requires="a14">
+      <mc:AlternateContent xmlns:mc="http://schemas.openxmlformats.org/markup-compatibility/2006" xmlns:a14="http://schemas.microsoft.com/office/drawing/2010/main">
+        <mc:Choice Requires="a14">
           <p:sp>
             <p:nvSpPr>
               <p:cNvPr id="3" name="TextBox 2">
@@ -27839,8 +25063,8 @@
             </p:nvSpPr>
             <p:spPr>
               <a:xfrm>
-                <a:off x="373742" y="3124468"/>
-                <a:ext cx="4957246" cy="3096617"/>
+                <a:off x="373742" y="3027955"/>
+                <a:ext cx="4957246" cy="3589059"/>
               </a:xfrm>
               <a:prstGeom prst="rect">
                 <a:avLst/>
@@ -28256,10 +25480,84 @@
                   <a:t> u2] )</a:t>
                 </a:r>
               </a:p>
+              <a:p>
+                <a:r>
+                  <a:rPr lang="en-IN" sz="1600" dirty="0"/>
+                  <a:t>In general form, </a:t>
+                </a:r>
+                <a:r>
+                  <a:rPr lang="en-US" sz="1600" b="1" dirty="0"/>
+                  <a:t>g(R1,R2, </a:t>
+                </a:r>
+                <a14:m>
+                  <m:oMath xmlns:m="http://schemas.openxmlformats.org/officeDocument/2006/math">
+                    <m:acc>
+                      <m:accPr>
+                        <m:chr m:val="̂"/>
+                        <m:ctrlPr>
+                          <a:rPr lang="en-US" sz="1600" b="1" i="1" smtClean="0">
+                            <a:latin typeface="Cambria Math" panose="02040503050406030204" pitchFamily="18" charset="0"/>
+                          </a:rPr>
+                        </m:ctrlPr>
+                      </m:accPr>
+                      <m:e>
+                        <m:r>
+                          <a:rPr lang="en-US" sz="1600" b="1" i="1" smtClean="0">
+                            <a:latin typeface="Cambria Math" panose="02040503050406030204" pitchFamily="18" charset="0"/>
+                          </a:rPr>
+                          <m:t>𝒃</m:t>
+                        </m:r>
+                      </m:e>
+                    </m:acc>
+                  </m:oMath>
+                </a14:m>
+                <a:r>
+                  <a:rPr lang="en-IN" sz="1600" dirty="0"/>
+                  <a:t> </a:t>
+                </a:r>
+                <a:r>
+                  <a:rPr lang="en-US" sz="1600" b="1" dirty="0"/>
+                  <a:t>) = R2 + (1 - 2* </a:t>
+                </a:r>
+                <a14:m>
+                  <m:oMath xmlns:m="http://schemas.openxmlformats.org/officeDocument/2006/math">
+                    <m:acc>
+                      <m:accPr>
+                        <m:chr m:val="̂"/>
+                        <m:ctrlPr>
+                          <a:rPr lang="en-US" sz="1600" b="1" i="1">
+                            <a:latin typeface="Cambria Math" panose="02040503050406030204" pitchFamily="18" charset="0"/>
+                          </a:rPr>
+                        </m:ctrlPr>
+                      </m:accPr>
+                      <m:e>
+                        <m:r>
+                          <a:rPr lang="en-US" sz="1600" b="1" i="1" smtClean="0">
+                            <a:latin typeface="Cambria Math" panose="02040503050406030204" pitchFamily="18" charset="0"/>
+                          </a:rPr>
+                          <m:t>𝒃</m:t>
+                        </m:r>
+                      </m:e>
+                    </m:acc>
+                  </m:oMath>
+                </a14:m>
+                <a:r>
+                  <a:rPr lang="en-IN" sz="1600" dirty="0"/>
+                  <a:t> </a:t>
+                </a:r>
+                <a:r>
+                  <a:rPr lang="en-US" sz="1600" b="1" dirty="0"/>
+                  <a:t>) * R1</a:t>
+                </a:r>
+                <a:endParaRPr lang="en-IN" sz="1600" b="1" dirty="0"/>
+              </a:p>
+              <a:p>
+                <a:endParaRPr lang="en-IN" sz="1600" dirty="0"/>
+              </a:p>
             </p:txBody>
           </p:sp>
         </mc:Choice>
-        <mc:Fallback>
+        <mc:Fallback xmlns="">
           <p:sp>
             <p:nvSpPr>
               <p:cNvPr id="3" name="TextBox 2">
@@ -28276,8 +25574,8 @@
             </p:nvSpPr>
             <p:spPr>
               <a:xfrm>
-                <a:off x="373742" y="3124468"/>
-                <a:ext cx="4957246" cy="3096617"/>
+                <a:off x="373742" y="3027955"/>
+                <a:ext cx="4957246" cy="3589059"/>
               </a:xfrm>
               <a:prstGeom prst="rect">
                 <a:avLst/>
@@ -28285,7 +25583,7 @@
               <a:blipFill>
                 <a:blip r:embed="rId7"/>
                 <a:stretch>
-                  <a:fillRect l="-614" t="-197" r="-1106" b="-1772"/>
+                  <a:fillRect l="-614" t="-170" r="-1106"/>
                 </a:stretch>
               </a:blipFill>
             </p:spPr>
@@ -28304,8 +25602,8 @@
           </p:sp>
         </mc:Fallback>
       </mc:AlternateContent>
-      <mc:AlternateContent xmlns:mc="http://schemas.openxmlformats.org/markup-compatibility/2006">
-        <mc:Choice xmlns:a14="http://schemas.microsoft.com/office/drawing/2010/main" Requires="a14">
+      <mc:AlternateContent xmlns:mc="http://schemas.openxmlformats.org/markup-compatibility/2006" xmlns:a14="http://schemas.microsoft.com/office/drawing/2010/main">
+        <mc:Choice Requires="a14">
           <p:sp>
             <p:nvSpPr>
               <p:cNvPr id="5" name="TextBox 4">
@@ -28388,7 +25686,7 @@
             </p:txBody>
           </p:sp>
         </mc:Choice>
-        <mc:Fallback>
+        <mc:Fallback xmlns="">
           <p:sp>
             <p:nvSpPr>
               <p:cNvPr id="5" name="TextBox 4">
@@ -28433,6 +25731,78 @@
           </p:sp>
         </mc:Fallback>
       </mc:AlternateContent>
+      <p:sp>
+        <p:nvSpPr>
+          <p:cNvPr id="9" name="TextBox 8">
+            <a:extLst>
+              <a:ext uri="{FF2B5EF4-FFF2-40B4-BE49-F238E27FC236}">
+                <a16:creationId xmlns:a16="http://schemas.microsoft.com/office/drawing/2014/main" id="{7FC7731C-864C-CB1F-5582-9E6D187FD143}"/>
+              </a:ext>
+            </a:extLst>
+          </p:cNvPr>
+          <p:cNvSpPr txBox="1"/>
+          <p:nvPr/>
+        </p:nvSpPr>
+        <p:spPr>
+          <a:xfrm>
+            <a:off x="3843456" y="2019603"/>
+            <a:ext cx="811441" cy="369332"/>
+          </a:xfrm>
+          <a:prstGeom prst="rect">
+            <a:avLst/>
+          </a:prstGeom>
+          <a:noFill/>
+        </p:spPr>
+        <p:txBody>
+          <a:bodyPr wrap="none" rtlCol="0">
+            <a:spAutoFit/>
+          </a:bodyPr>
+          <a:lstStyle/>
+          <a:p>
+            <a:r>
+              <a:rPr lang="en-US" dirty="0"/>
+              <a:t>[x1 x2]</a:t>
+            </a:r>
+            <a:endParaRPr lang="en-IN" dirty="0"/>
+          </a:p>
+        </p:txBody>
+      </p:sp>
+      <p:sp>
+        <p:nvSpPr>
+          <p:cNvPr id="13" name="TextBox 12">
+            <a:extLst>
+              <a:ext uri="{FF2B5EF4-FFF2-40B4-BE49-F238E27FC236}">
+                <a16:creationId xmlns:a16="http://schemas.microsoft.com/office/drawing/2014/main" id="{8A0724FF-A387-23BA-B8AB-538B57942A39}"/>
+              </a:ext>
+            </a:extLst>
+          </p:cNvPr>
+          <p:cNvSpPr txBox="1"/>
+          <p:nvPr/>
+        </p:nvSpPr>
+        <p:spPr>
+          <a:xfrm>
+            <a:off x="1583134" y="2008511"/>
+            <a:ext cx="856325" cy="369332"/>
+          </a:xfrm>
+          <a:prstGeom prst="rect">
+            <a:avLst/>
+          </a:prstGeom>
+          <a:noFill/>
+        </p:spPr>
+        <p:txBody>
+          <a:bodyPr wrap="none" rtlCol="0">
+            <a:spAutoFit/>
+          </a:bodyPr>
+          <a:lstStyle/>
+          <a:p>
+            <a:r>
+              <a:rPr lang="en-US" dirty="0"/>
+              <a:t>[u1 u2]</a:t>
+            </a:r>
+            <a:endParaRPr lang="en-IN" dirty="0"/>
+          </a:p>
+        </p:txBody>
+      </p:sp>
     </p:spTree>
     <p:extLst>
       <p:ext uri="{BB962C8B-B14F-4D97-AF65-F5344CB8AC3E}">
@@ -34146,8 +31516,8 @@
           </a:fontRef>
         </p:style>
       </p:cxnSp>
-      <mc:AlternateContent xmlns:mc="http://schemas.openxmlformats.org/markup-compatibility/2006">
-        <mc:Choice xmlns:a14="http://schemas.microsoft.com/office/drawing/2010/main" Requires="a14">
+      <mc:AlternateContent xmlns:mc="http://schemas.openxmlformats.org/markup-compatibility/2006" xmlns:a14="http://schemas.microsoft.com/office/drawing/2010/main">
+        <mc:Choice Requires="a14">
           <p:sp>
             <p:nvSpPr>
               <p:cNvPr id="12" name="TextBox 11">
@@ -34218,7 +31588,7 @@
             </p:txBody>
           </p:sp>
         </mc:Choice>
-        <mc:Fallback>
+        <mc:Fallback xmlns="">
           <p:sp>
             <p:nvSpPr>
               <p:cNvPr id="12" name="TextBox 11">
@@ -34263,8 +31633,8 @@
           </p:sp>
         </mc:Fallback>
       </mc:AlternateContent>
-      <mc:AlternateContent xmlns:mc="http://schemas.openxmlformats.org/markup-compatibility/2006">
-        <mc:Choice xmlns:a14="http://schemas.microsoft.com/office/drawing/2010/main" Requires="a14">
+      <mc:AlternateContent xmlns:mc="http://schemas.openxmlformats.org/markup-compatibility/2006" xmlns:a14="http://schemas.microsoft.com/office/drawing/2010/main">
+        <mc:Choice Requires="a14">
           <p:sp>
             <p:nvSpPr>
               <p:cNvPr id="13" name="TextBox 12">
@@ -34335,7 +31705,7 @@
             </p:txBody>
           </p:sp>
         </mc:Choice>
-        <mc:Fallback>
+        <mc:Fallback xmlns="">
           <p:sp>
             <p:nvSpPr>
               <p:cNvPr id="13" name="TextBox 12">
@@ -40739,7 +38109,7 @@
           <p:cNvPr id="2" name="Title 1">
             <a:extLst>
               <a:ext uri="{FF2B5EF4-FFF2-40B4-BE49-F238E27FC236}">
-                <a16:creationId xmlns:a16="http://schemas.microsoft.com/office/drawing/2014/main" id="{505D974E-5F0A-7500-CF3F-CB05037982D7}"/>
+                <a16:creationId xmlns:a16="http://schemas.microsoft.com/office/drawing/2014/main" id="{B826231D-7797-FC9B-1257-6E73CA229201}"/>
               </a:ext>
             </a:extLst>
           </p:cNvPr>
@@ -40752,24 +38122,23 @@
         </p:nvSpPr>
         <p:spPr/>
         <p:txBody>
-          <a:bodyPr>
-            <a:normAutofit/>
-          </a:bodyPr>
+          <a:bodyPr/>
           <a:lstStyle/>
           <a:p>
-            <a:pPr marL="571500" indent="-571500">
+            <a:pPr marL="685800" indent="-685800" algn="l" fontAlgn="base">
               <a:buFont typeface="Wingdings" panose="05000000000000000000" pitchFamily="2" charset="2"/>
               <a:buChar char="q"/>
             </a:pPr>
             <a:r>
-              <a:rPr lang="en-US" dirty="0"/>
-              <a:t> </a:t>
+              <a:rPr lang="en-IN" b="1" i="0" dirty="0">
+                <a:solidFill>
+                  <a:srgbClr val="273239"/>
+                </a:solidFill>
+                <a:effectLst/>
+                <a:latin typeface="Source Sans 3"/>
+              </a:rPr>
+              <a:t>Cyclic Redundancy Check</a:t>
             </a:r>
-            <a:r>
-              <a:rPr lang="en-US" sz="3600" b="1" dirty="0"/>
-              <a:t>Cyclic Redundancy Check(CRC) and Improvements</a:t>
-            </a:r>
-            <a:endParaRPr lang="en-IN" sz="3600" b="1" dirty="0"/>
           </a:p>
         </p:txBody>
       </p:sp>
@@ -40778,7 +38147,7 @@
           <p:cNvPr id="3" name="Content Placeholder 2">
             <a:extLst>
               <a:ext uri="{FF2B5EF4-FFF2-40B4-BE49-F238E27FC236}">
-                <a16:creationId xmlns:a16="http://schemas.microsoft.com/office/drawing/2014/main" id="{599E92A8-E56E-531D-F4DF-7C7A05FFC6F4}"/>
+                <a16:creationId xmlns:a16="http://schemas.microsoft.com/office/drawing/2014/main" id="{9346707B-6AAA-AE09-9342-50AE4F6DD52B}"/>
               </a:ext>
             </a:extLst>
           </p:cNvPr>
@@ -40791,84 +38160,45 @@
         </p:nvSpPr>
         <p:spPr>
           <a:xfrm>
-            <a:off x="1097280" y="2160366"/>
-            <a:ext cx="10058400" cy="4023360"/>
+            <a:off x="983226" y="2074607"/>
+            <a:ext cx="5334983" cy="2142667"/>
           </a:xfrm>
         </p:spPr>
+        <p:style>
+          <a:lnRef idx="2">
+            <a:schemeClr val="accent1">
+              <a:shade val="15000"/>
+            </a:schemeClr>
+          </a:lnRef>
+          <a:fillRef idx="1">
+            <a:schemeClr val="accent1"/>
+          </a:fillRef>
+          <a:effectRef idx="0">
+            <a:schemeClr val="accent1"/>
+          </a:effectRef>
+          <a:fontRef idx="minor">
+            <a:schemeClr val="lt1"/>
+          </a:fontRef>
+        </p:style>
         <p:txBody>
-          <a:bodyPr/>
+          <a:bodyPr>
+            <a:normAutofit/>
+          </a:bodyPr>
           <a:lstStyle/>
+          <a:p>
+            <a:r>
+              <a:rPr lang="en-IN" dirty="0"/>
+              <a:t>CRC is a type of parity check bits that helps in checking error in the bits that occurred during the transfer of the message.</a:t>
+            </a:r>
+          </a:p>
           <a:p>
             <a:pPr>
               <a:buFont typeface="Arial" panose="020B0604020202020204" pitchFamily="34" charset="0"/>
               <a:buChar char="•"/>
             </a:pPr>
             <a:r>
-              <a:rPr lang="en-US" b="0" i="0" dirty="0">
-                <a:solidFill>
-                  <a:srgbClr val="0D0D0D"/>
-                </a:solidFill>
-                <a:effectLst/>
-                <a:latin typeface="Söhne"/>
-                <a:sym typeface="Wingdings" panose="05000000000000000000" pitchFamily="2" charset="2"/>
-              </a:rPr>
-              <a:t> </a:t>
-            </a:r>
-            <a:r>
-              <a:rPr lang="en-US" b="0" i="0" dirty="0">
-                <a:solidFill>
-                  <a:srgbClr val="0D0D0D"/>
-                </a:solidFill>
-                <a:effectLst/>
-                <a:latin typeface="Söhne"/>
-              </a:rPr>
-              <a:t>CRC is a typ</a:t>
-            </a:r>
-            <a:r>
-              <a:rPr lang="en-US" dirty="0">
-                <a:solidFill>
-                  <a:srgbClr val="0D0D0D"/>
-                </a:solidFill>
-                <a:latin typeface="Söhne"/>
-              </a:rPr>
-              <a:t>e of parity check bits </a:t>
-            </a:r>
-          </a:p>
-          <a:p>
-            <a:pPr>
-              <a:lnSpc>
-                <a:spcPct val="150000"/>
-              </a:lnSpc>
-              <a:buFont typeface="Arial" panose="020B0604020202020204" pitchFamily="34" charset="0"/>
-              <a:buChar char="•"/>
-            </a:pPr>
-            <a:r>
-              <a:rPr lang="en-US" dirty="0">
-                <a:solidFill>
-                  <a:srgbClr val="0D0D0D"/>
-                </a:solidFill>
-                <a:latin typeface="Söhne"/>
-              </a:rPr>
-              <a:t> The Receiver performs polynomial division using generator polynomial, if the remainder   obtained is zero it indicates that no error were detected otherwise errors are present in the data</a:t>
-            </a:r>
-          </a:p>
-          <a:p>
-            <a:pPr>
-              <a:lnSpc>
-                <a:spcPct val="150000"/>
-              </a:lnSpc>
-              <a:buFont typeface="Arial" panose="020B0604020202020204" pitchFamily="34" charset="0"/>
-              <a:buChar char="•"/>
-            </a:pPr>
-            <a:r>
-              <a:rPr lang="en-US" b="0" i="0" dirty="0">
-                <a:solidFill>
-                  <a:srgbClr val="0D0D0D"/>
-                </a:solidFill>
-                <a:effectLst/>
-                <a:latin typeface="Söhne"/>
-              </a:rPr>
-              <a:t> CRC adds an extra layer of error detection to Polar codes, improving the overall reliability of the     communication system </a:t>
+              <a:rPr lang="en-IN" dirty="0"/>
+              <a:t>CRC offers a widely adopted method for checking the error in the code from digital communication to storage.</a:t>
             </a:r>
           </a:p>
           <a:p>
@@ -40876,31 +38206,85 @@
               <a:buFont typeface="Arial" panose="020B0604020202020204" pitchFamily="34" charset="0"/>
               <a:buChar char="•"/>
             </a:pPr>
+            <a:endParaRPr lang="en-IN" dirty="0"/>
+          </a:p>
+          <a:p>
+            <a:pPr>
+              <a:buFont typeface="Arial" panose="020B0604020202020204" pitchFamily="34" charset="0"/>
+              <a:buChar char="•"/>
+            </a:pPr>
+            <a:endParaRPr lang="en-IN" dirty="0"/>
+          </a:p>
+        </p:txBody>
+      </p:sp>
+      <p:sp>
+        <p:nvSpPr>
+          <p:cNvPr id="6" name="Rectangle 5">
+            <a:extLst>
+              <a:ext uri="{FF2B5EF4-FFF2-40B4-BE49-F238E27FC236}">
+                <a16:creationId xmlns:a16="http://schemas.microsoft.com/office/drawing/2014/main" id="{B98CF382-5462-A4C3-3B6B-4CE419F637A8}"/>
+              </a:ext>
+            </a:extLst>
+          </p:cNvPr>
+          <p:cNvSpPr/>
+          <p:nvPr/>
+        </p:nvSpPr>
+        <p:spPr>
+          <a:xfrm>
+            <a:off x="6705600" y="2851355"/>
+            <a:ext cx="4503174" cy="2890684"/>
+          </a:xfrm>
+          <a:prstGeom prst="rect">
+            <a:avLst/>
+          </a:prstGeom>
+        </p:spPr>
+        <p:style>
+          <a:lnRef idx="2">
+            <a:schemeClr val="accent1">
+              <a:shade val="15000"/>
+            </a:schemeClr>
+          </a:lnRef>
+          <a:fillRef idx="1">
+            <a:schemeClr val="accent1"/>
+          </a:fillRef>
+          <a:effectRef idx="0">
+            <a:schemeClr val="accent1"/>
+          </a:effectRef>
+          <a:fontRef idx="minor">
+            <a:schemeClr val="lt1"/>
+          </a:fontRef>
+        </p:style>
+        <p:txBody>
+          <a:bodyPr rtlCol="0" anchor="ctr"/>
+          <a:lstStyle/>
+          <a:p>
             <a:r>
-              <a:rPr lang="en-US" dirty="0">
-                <a:solidFill>
-                  <a:srgbClr val="0D0D0D"/>
-                </a:solidFill>
-                <a:latin typeface="Söhne"/>
-              </a:rPr>
-              <a:t> CRC can help identify error pattern that are beyond the correction capability of SCL decoding</a:t>
+              <a:rPr lang="en-IN" dirty="0"/>
+              <a:t>CRC uses a generator polynomial that maps to a key which is present at both receiver and the send side.</a:t>
             </a:r>
           </a:p>
           <a:p>
-            <a:pPr marL="0" indent="0">
-              <a:buNone/>
-            </a:pPr>
-            <a:endParaRPr lang="en-US" dirty="0">
-              <a:solidFill>
-                <a:srgbClr val="0D0D0D"/>
-              </a:solidFill>
-              <a:latin typeface="Söhne"/>
-            </a:endParaRPr>
-          </a:p>
-          <a:p>
-            <a:pPr marL="0" indent="0">
-              <a:buNone/>
-            </a:pPr>
+            <a:pPr algn="ctr"/>
+            <a:endParaRPr lang="en-IN" dirty="0"/>
+          </a:p>
+          <a:p>
+            <a:r>
+              <a:rPr lang="en-IN" dirty="0"/>
+              <a:t>The remainder is calculated on the receiver side to check if there is error in the code . </a:t>
+            </a:r>
+          </a:p>
+          <a:p>
+            <a:r>
+              <a:rPr lang="en-IN" dirty="0"/>
+              <a:t>If remainders turn out to be non zero than there is error in the code.</a:t>
+            </a:r>
+          </a:p>
+          <a:p>
+            <a:pPr algn="ctr"/>
+            <a:endParaRPr lang="en-IN" dirty="0"/>
+          </a:p>
+          <a:p>
+            <a:pPr algn="ctr"/>
             <a:endParaRPr lang="en-IN" dirty="0"/>
           </a:p>
         </p:txBody>
@@ -40908,7 +38292,7 @@
     </p:spTree>
     <p:extLst>
       <p:ext uri="{BB962C8B-B14F-4D97-AF65-F5344CB8AC3E}">
-        <p14:creationId xmlns:p14="http://schemas.microsoft.com/office/powerpoint/2010/main" val="4039436949"/>
+        <p14:creationId xmlns:p14="http://schemas.microsoft.com/office/powerpoint/2010/main" val="2926043562"/>
       </p:ext>
     </p:extLst>
   </p:cSld>
@@ -40919,6 +38303,875 @@
 </file>
 
 <file path=ppt/slides/slide35.xml><?xml version="1.0" encoding="utf-8"?>
+<p:sld xmlns:a="http://schemas.openxmlformats.org/drawingml/2006/main" xmlns:r="http://schemas.openxmlformats.org/officeDocument/2006/relationships" xmlns:p="http://schemas.openxmlformats.org/presentationml/2006/main">
+  <p:cSld>
+    <p:spTree>
+      <p:nvGrpSpPr>
+        <p:cNvPr id="1" name=""/>
+        <p:cNvGrpSpPr/>
+        <p:nvPr/>
+      </p:nvGrpSpPr>
+      <p:grpSpPr>
+        <a:xfrm>
+          <a:off x="0" y="0"/>
+          <a:ext cx="0" cy="0"/>
+          <a:chOff x="0" y="0"/>
+          <a:chExt cx="0" cy="0"/>
+        </a:xfrm>
+      </p:grpSpPr>
+      <p:sp>
+        <p:nvSpPr>
+          <p:cNvPr id="2" name="Title 1">
+            <a:extLst>
+              <a:ext uri="{FF2B5EF4-FFF2-40B4-BE49-F238E27FC236}">
+                <a16:creationId xmlns:a16="http://schemas.microsoft.com/office/drawing/2014/main" id="{1B556BF8-136D-0F24-2FB3-2B03E01734BC}"/>
+              </a:ext>
+            </a:extLst>
+          </p:cNvPr>
+          <p:cNvSpPr>
+            <a:spLocks noGrp="1"/>
+          </p:cNvSpPr>
+          <p:nvPr>
+            <p:ph type="title"/>
+          </p:nvPr>
+        </p:nvSpPr>
+        <p:spPr/>
+        <p:txBody>
+          <a:bodyPr/>
+          <a:lstStyle/>
+          <a:p>
+            <a:pPr marL="685800" indent="-685800">
+              <a:buFont typeface="Wingdings" panose="05000000000000000000" pitchFamily="2" charset="2"/>
+              <a:buChar char="q"/>
+            </a:pPr>
+            <a:r>
+              <a:rPr lang="en-IN" b="1" i="0" dirty="0">
+                <a:solidFill>
+                  <a:srgbClr val="273239"/>
+                </a:solidFill>
+                <a:effectLst/>
+                <a:latin typeface="Source Sans 3"/>
+              </a:rPr>
+              <a:t>Cyclic Redundancy Check </a:t>
+            </a:r>
+            <a:r>
+              <a:rPr lang="en-IN" b="1" dirty="0">
+                <a:solidFill>
+                  <a:srgbClr val="273239"/>
+                </a:solidFill>
+                <a:latin typeface="Source Sans 3"/>
+              </a:rPr>
+              <a:t>A</a:t>
+            </a:r>
+            <a:r>
+              <a:rPr lang="en-IN" b="1" i="0" dirty="0">
+                <a:solidFill>
+                  <a:srgbClr val="273239"/>
+                </a:solidFill>
+                <a:effectLst/>
+                <a:latin typeface="Source Sans 3"/>
+              </a:rPr>
+              <a:t>lgorithm</a:t>
+            </a:r>
+            <a:endParaRPr lang="en-IN" dirty="0"/>
+          </a:p>
+        </p:txBody>
+      </p:sp>
+      <p:sp>
+        <p:nvSpPr>
+          <p:cNvPr id="3" name="Content Placeholder 2">
+            <a:extLst>
+              <a:ext uri="{FF2B5EF4-FFF2-40B4-BE49-F238E27FC236}">
+                <a16:creationId xmlns:a16="http://schemas.microsoft.com/office/drawing/2014/main" id="{C19A9747-7322-77A2-5A1E-9F82B25747B6}"/>
+              </a:ext>
+            </a:extLst>
+          </p:cNvPr>
+          <p:cNvSpPr>
+            <a:spLocks noGrp="1"/>
+          </p:cNvSpPr>
+          <p:nvPr>
+            <p:ph idx="1"/>
+          </p:nvPr>
+        </p:nvSpPr>
+        <p:spPr>
+          <a:xfrm>
+            <a:off x="1097280" y="1845734"/>
+            <a:ext cx="10058400" cy="4023360"/>
+          </a:xfrm>
+        </p:spPr>
+        <p:txBody>
+          <a:bodyPr/>
+          <a:lstStyle/>
+          <a:p>
+            <a:endParaRPr lang="en-IN" dirty="0"/>
+          </a:p>
+          <a:p>
+            <a:endParaRPr lang="en-IN" dirty="0"/>
+          </a:p>
+          <a:p>
+            <a:endParaRPr lang="en-IN" dirty="0"/>
+          </a:p>
+          <a:p>
+            <a:pPr marL="0" indent="0">
+              <a:buNone/>
+            </a:pPr>
+            <a:endParaRPr lang="en-IN" dirty="0"/>
+          </a:p>
+        </p:txBody>
+      </p:sp>
+      <p:sp>
+        <p:nvSpPr>
+          <p:cNvPr id="4" name="Oval 3">
+            <a:extLst>
+              <a:ext uri="{FF2B5EF4-FFF2-40B4-BE49-F238E27FC236}">
+                <a16:creationId xmlns:a16="http://schemas.microsoft.com/office/drawing/2014/main" id="{1DB10797-7CC7-448E-4C14-09CB9FE9644A}"/>
+              </a:ext>
+            </a:extLst>
+          </p:cNvPr>
+          <p:cNvSpPr/>
+          <p:nvPr/>
+        </p:nvSpPr>
+        <p:spPr>
+          <a:xfrm>
+            <a:off x="1278194" y="2045110"/>
+            <a:ext cx="2300748" cy="698090"/>
+          </a:xfrm>
+          <a:prstGeom prst="ellipse">
+            <a:avLst/>
+          </a:prstGeom>
+        </p:spPr>
+        <p:style>
+          <a:lnRef idx="2">
+            <a:schemeClr val="accent1">
+              <a:shade val="15000"/>
+            </a:schemeClr>
+          </a:lnRef>
+          <a:fillRef idx="1">
+            <a:schemeClr val="accent1"/>
+          </a:fillRef>
+          <a:effectRef idx="0">
+            <a:schemeClr val="accent1"/>
+          </a:effectRef>
+          <a:fontRef idx="minor">
+            <a:schemeClr val="lt1"/>
+          </a:fontRef>
+        </p:style>
+        <p:txBody>
+          <a:bodyPr rtlCol="0" anchor="ctr"/>
+          <a:lstStyle/>
+          <a:p>
+            <a:pPr algn="ctr"/>
+            <a:r>
+              <a:rPr lang="en-IN" dirty="0"/>
+              <a:t>SENDER SIDE</a:t>
+            </a:r>
+          </a:p>
+        </p:txBody>
+      </p:sp>
+      <p:sp>
+        <p:nvSpPr>
+          <p:cNvPr id="7" name="TextBox 6">
+            <a:extLst>
+              <a:ext uri="{FF2B5EF4-FFF2-40B4-BE49-F238E27FC236}">
+                <a16:creationId xmlns:a16="http://schemas.microsoft.com/office/drawing/2014/main" id="{465BF069-42A7-A62E-5212-DAD49510F855}"/>
+              </a:ext>
+            </a:extLst>
+          </p:cNvPr>
+          <p:cNvSpPr txBox="1"/>
+          <p:nvPr/>
+        </p:nvSpPr>
+        <p:spPr>
+          <a:xfrm>
+            <a:off x="2015613" y="6784569"/>
+            <a:ext cx="2108495" cy="369332"/>
+          </a:xfrm>
+          <a:prstGeom prst="rect">
+            <a:avLst/>
+          </a:prstGeom>
+          <a:noFill/>
+        </p:spPr>
+        <p:txBody>
+          <a:bodyPr wrap="square" rtlCol="0">
+            <a:spAutoFit/>
+          </a:bodyPr>
+          <a:lstStyle/>
+          <a:p>
+            <a:endParaRPr lang="en-IN" dirty="0"/>
+          </a:p>
+        </p:txBody>
+      </p:sp>
+      <p:sp>
+        <p:nvSpPr>
+          <p:cNvPr id="11" name="Rectangle 4">
+            <a:extLst>
+              <a:ext uri="{FF2B5EF4-FFF2-40B4-BE49-F238E27FC236}">
+                <a16:creationId xmlns:a16="http://schemas.microsoft.com/office/drawing/2014/main" id="{5D392809-DC4D-88A1-CA97-7977000B12F1}"/>
+              </a:ext>
+            </a:extLst>
+          </p:cNvPr>
+          <p:cNvSpPr>
+            <a:spLocks noChangeArrowheads="1"/>
+          </p:cNvSpPr>
+          <p:nvPr/>
+        </p:nvSpPr>
+        <p:spPr bwMode="auto">
+          <a:xfrm>
+            <a:off x="610583" y="3298481"/>
+            <a:ext cx="5515897" cy="2769989"/>
+          </a:xfrm>
+          <a:prstGeom prst="rect">
+            <a:avLst/>
+          </a:prstGeom>
+          <a:solidFill>
+            <a:srgbClr val="E0E0E0"/>
+          </a:solidFill>
+          <a:ln>
+            <a:noFill/>
+          </a:ln>
+          <a:effectLst/>
+          <a:extLst>
+            <a:ext uri="{91240B29-F687-4F45-9708-019B960494DF}">
+              <a14:hiddenLine xmlns:a14="http://schemas.microsoft.com/office/drawing/2010/main" w="9525">
+                <a:solidFill>
+                  <a:schemeClr val="tx1"/>
+                </a:solidFill>
+                <a:miter lim="800000"/>
+                <a:headEnd/>
+                <a:tailEnd/>
+              </a14:hiddenLine>
+            </a:ext>
+            <a:ext uri="{AF507438-7753-43E0-B8FC-AC1667EBCBE1}">
+              <a14:hiddenEffects xmlns:a14="http://schemas.microsoft.com/office/drawing/2010/main">
+                <a:effectLst>
+                  <a:outerShdw dist="35921" dir="2700000" algn="ctr" rotWithShape="0">
+                    <a:schemeClr val="bg2"/>
+                  </a:outerShdw>
+                </a:effectLst>
+              </a14:hiddenEffects>
+            </a:ext>
+          </a:extLst>
+        </p:spPr>
+        <p:txBody>
+          <a:bodyPr vert="horz" wrap="square" lIns="0" tIns="0" rIns="0" bIns="0" numCol="1" anchor="ctr" anchorCtr="0" compatLnSpc="1">
+            <a:prstTxWarp prst="textNoShape">
+              <a:avLst/>
+            </a:prstTxWarp>
+            <a:spAutoFit/>
+          </a:bodyPr>
+          <a:lstStyle/>
+          <a:p>
+            <a:pPr marL="171450" marR="0" lvl="0" indent="-171450" algn="l" defTabSz="914400" rtl="0" eaLnBrk="0" fontAlgn="base" latinLnBrk="0" hangingPunct="0">
+              <a:lnSpc>
+                <a:spcPct val="100000"/>
+              </a:lnSpc>
+              <a:spcBef>
+                <a:spcPct val="0"/>
+              </a:spcBef>
+              <a:spcAft>
+                <a:spcPct val="0"/>
+              </a:spcAft>
+              <a:buClrTx/>
+              <a:buSzTx/>
+              <a:buFont typeface="Arial" panose="020B0604020202020204" pitchFamily="34" charset="0"/>
+              <a:buChar char="•"/>
+              <a:tabLst/>
+            </a:pPr>
+            <a:r>
+              <a:rPr kumimoji="0" lang="en-US" altLang="en-US" b="0" i="0" u="none" strike="noStrike" cap="none" normalizeH="0" baseline="0" dirty="0">
+                <a:ln>
+                  <a:noFill/>
+                </a:ln>
+                <a:solidFill>
+                  <a:schemeClr val="tx1"/>
+                </a:solidFill>
+                <a:effectLst/>
+                <a:latin typeface="Consolas" panose="020B0609020204030204" pitchFamily="49" charset="0"/>
+              </a:rPr>
+              <a:t>Code word we are sending– 100100(N) + 000(K-1)</a:t>
+            </a:r>
+          </a:p>
+          <a:p>
+            <a:pPr marL="171450" marR="0" lvl="0" indent="-171450" algn="l" defTabSz="914400" rtl="0" eaLnBrk="0" fontAlgn="base" latinLnBrk="0" hangingPunct="0">
+              <a:lnSpc>
+                <a:spcPct val="100000"/>
+              </a:lnSpc>
+              <a:spcBef>
+                <a:spcPct val="0"/>
+              </a:spcBef>
+              <a:spcAft>
+                <a:spcPct val="0"/>
+              </a:spcAft>
+              <a:buClrTx/>
+              <a:buSzTx/>
+              <a:buFont typeface="Arial" panose="020B0604020202020204" pitchFamily="34" charset="0"/>
+              <a:buChar char="•"/>
+              <a:tabLst/>
+            </a:pPr>
+            <a:r>
+              <a:rPr kumimoji="0" lang="en-US" altLang="en-US" b="0" i="0" u="none" strike="noStrike" cap="none" normalizeH="0" baseline="0" dirty="0">
+                <a:ln>
+                  <a:noFill/>
+                </a:ln>
+                <a:solidFill>
+                  <a:schemeClr val="tx1"/>
+                </a:solidFill>
+                <a:effectLst/>
+                <a:latin typeface="Consolas" panose="020B0609020204030204" pitchFamily="49" charset="0"/>
+              </a:rPr>
+              <a:t>Key – 1101(K) [ With generator polynomial x</a:t>
+            </a:r>
+            <a:r>
+              <a:rPr lang="en-US" altLang="en-US" baseline="30000" dirty="0">
+                <a:latin typeface="Consolas" panose="020B0609020204030204" pitchFamily="49" charset="0"/>
+              </a:rPr>
+              <a:t>4</a:t>
+            </a:r>
+            <a:r>
+              <a:rPr kumimoji="0" lang="en-US" altLang="en-US" b="0" i="0" u="none" strike="noStrike" cap="none" normalizeH="0" baseline="0" dirty="0">
+                <a:ln>
+                  <a:noFill/>
+                </a:ln>
+                <a:solidFill>
+                  <a:schemeClr val="tx1"/>
+                </a:solidFill>
+                <a:effectLst/>
+                <a:latin typeface="Consolas" panose="020B0609020204030204" pitchFamily="49" charset="0"/>
+              </a:rPr>
+              <a:t> + x</a:t>
+            </a:r>
+            <a:r>
+              <a:rPr lang="en-US" altLang="en-US" baseline="30000" dirty="0">
+                <a:latin typeface="Consolas" panose="020B0609020204030204" pitchFamily="49" charset="0"/>
+              </a:rPr>
+              <a:t>3</a:t>
+            </a:r>
+            <a:r>
+              <a:rPr kumimoji="0" lang="en-US" altLang="en-US" b="0" i="0" u="none" strike="noStrike" cap="none" normalizeH="0" baseline="0" dirty="0">
+                <a:ln>
+                  <a:noFill/>
+                </a:ln>
+                <a:solidFill>
+                  <a:schemeClr val="tx1"/>
+                </a:solidFill>
+                <a:effectLst/>
+                <a:latin typeface="Consolas" panose="020B0609020204030204" pitchFamily="49" charset="0"/>
+              </a:rPr>
+              <a:t> + 1]</a:t>
+            </a:r>
+          </a:p>
+          <a:p>
+            <a:pPr marL="171450" marR="0" lvl="0" indent="-171450" algn="l" defTabSz="914400" rtl="0" eaLnBrk="0" fontAlgn="base" latinLnBrk="0" hangingPunct="0">
+              <a:lnSpc>
+                <a:spcPct val="100000"/>
+              </a:lnSpc>
+              <a:spcBef>
+                <a:spcPct val="0"/>
+              </a:spcBef>
+              <a:spcAft>
+                <a:spcPct val="0"/>
+              </a:spcAft>
+              <a:buClrTx/>
+              <a:buSzTx/>
+              <a:buFont typeface="Arial" panose="020B0604020202020204" pitchFamily="34" charset="0"/>
+              <a:buChar char="•"/>
+              <a:tabLst/>
+            </a:pPr>
+            <a:r>
+              <a:rPr kumimoji="0" lang="en-US" altLang="en-US" b="0" i="0" u="none" strike="noStrike" cap="none" normalizeH="0" baseline="0" dirty="0">
+                <a:ln>
+                  <a:noFill/>
+                </a:ln>
+                <a:solidFill>
+                  <a:schemeClr val="tx1"/>
+                </a:solidFill>
+                <a:effectLst/>
+                <a:latin typeface="Consolas" panose="020B0609020204030204" pitchFamily="49" charset="0"/>
+              </a:rPr>
+              <a:t>When We divide our codeword by key we get remainder=001(K-1)</a:t>
+            </a:r>
+          </a:p>
+          <a:p>
+            <a:pPr marL="171450" marR="0" lvl="0" indent="-171450" algn="l" defTabSz="914400" rtl="0" eaLnBrk="0" fontAlgn="base" latinLnBrk="0" hangingPunct="0">
+              <a:lnSpc>
+                <a:spcPct val="100000"/>
+              </a:lnSpc>
+              <a:spcBef>
+                <a:spcPct val="0"/>
+              </a:spcBef>
+              <a:spcAft>
+                <a:spcPct val="0"/>
+              </a:spcAft>
+              <a:buClrTx/>
+              <a:buSzTx/>
+              <a:buFont typeface="Arial" panose="020B0604020202020204" pitchFamily="34" charset="0"/>
+              <a:buChar char="•"/>
+              <a:tabLst/>
+            </a:pPr>
+            <a:r>
+              <a:rPr lang="en-US" altLang="en-US" dirty="0">
+                <a:latin typeface="Consolas" panose="020B0609020204030204" pitchFamily="49" charset="0"/>
+              </a:rPr>
+              <a:t>We will append the remainder at the end, so our codeword becomes</a:t>
+            </a:r>
+            <a:r>
+              <a:rPr lang="en-US" altLang="en-US" dirty="0">
+                <a:latin typeface="Arial" panose="020B0604020202020204" pitchFamily="34" charset="0"/>
+              </a:rPr>
+              <a:t> : </a:t>
+            </a:r>
+            <a:r>
+              <a:rPr kumimoji="0" lang="en-US" altLang="en-US" b="0" i="0" u="none" strike="noStrike" cap="none" normalizeH="0" baseline="0" dirty="0">
+                <a:ln>
+                  <a:noFill/>
+                </a:ln>
+                <a:solidFill>
+                  <a:schemeClr val="tx1"/>
+                </a:solidFill>
+                <a:effectLst/>
+                <a:latin typeface="Consolas" panose="020B0609020204030204" pitchFamily="49" charset="0"/>
+              </a:rPr>
+              <a:t>100100(N) + 001(K-1)</a:t>
+            </a:r>
+          </a:p>
+          <a:p>
+            <a:pPr marL="171450" marR="0" lvl="0" indent="-171450" algn="l" defTabSz="914400" rtl="0" eaLnBrk="0" fontAlgn="base" latinLnBrk="0" hangingPunct="0">
+              <a:lnSpc>
+                <a:spcPct val="100000"/>
+              </a:lnSpc>
+              <a:spcBef>
+                <a:spcPct val="0"/>
+              </a:spcBef>
+              <a:spcAft>
+                <a:spcPct val="0"/>
+              </a:spcAft>
+              <a:buClrTx/>
+              <a:buSzTx/>
+              <a:buFont typeface="Arial" panose="020B0604020202020204" pitchFamily="34" charset="0"/>
+              <a:buChar char="•"/>
+              <a:tabLst/>
+            </a:pPr>
+            <a:r>
+              <a:rPr lang="en-US" altLang="en-US" dirty="0">
+                <a:latin typeface="Consolas" panose="020B0609020204030204" pitchFamily="49" charset="0"/>
+              </a:rPr>
+              <a:t>This message is send through channel</a:t>
+            </a:r>
+          </a:p>
+        </p:txBody>
+      </p:sp>
+      <p:sp>
+        <p:nvSpPr>
+          <p:cNvPr id="14" name="Oval 13">
+            <a:extLst>
+              <a:ext uri="{FF2B5EF4-FFF2-40B4-BE49-F238E27FC236}">
+                <a16:creationId xmlns:a16="http://schemas.microsoft.com/office/drawing/2014/main" id="{2B3CADE3-A782-F0CE-AC26-B3EAC9483473}"/>
+              </a:ext>
+            </a:extLst>
+          </p:cNvPr>
+          <p:cNvSpPr/>
+          <p:nvPr/>
+        </p:nvSpPr>
+        <p:spPr>
+          <a:xfrm>
+            <a:off x="8146354" y="2045110"/>
+            <a:ext cx="2300748" cy="698090"/>
+          </a:xfrm>
+          <a:prstGeom prst="ellipse">
+            <a:avLst/>
+          </a:prstGeom>
+        </p:spPr>
+        <p:style>
+          <a:lnRef idx="2">
+            <a:schemeClr val="accent1">
+              <a:shade val="15000"/>
+            </a:schemeClr>
+          </a:lnRef>
+          <a:fillRef idx="1">
+            <a:schemeClr val="accent1"/>
+          </a:fillRef>
+          <a:effectRef idx="0">
+            <a:schemeClr val="accent1"/>
+          </a:effectRef>
+          <a:fontRef idx="minor">
+            <a:schemeClr val="lt1"/>
+          </a:fontRef>
+        </p:style>
+        <p:txBody>
+          <a:bodyPr rtlCol="0" anchor="ctr"/>
+          <a:lstStyle/>
+          <a:p>
+            <a:pPr algn="ctr"/>
+            <a:r>
+              <a:rPr lang="en-IN" dirty="0"/>
+              <a:t>RECEIVER SIDE</a:t>
+            </a:r>
+          </a:p>
+        </p:txBody>
+      </p:sp>
+      <p:sp>
+        <p:nvSpPr>
+          <p:cNvPr id="15" name="Rectangle 6">
+            <a:extLst>
+              <a:ext uri="{FF2B5EF4-FFF2-40B4-BE49-F238E27FC236}">
+                <a16:creationId xmlns:a16="http://schemas.microsoft.com/office/drawing/2014/main" id="{163FD497-C430-A234-9EC8-ABDEA75CE90E}"/>
+              </a:ext>
+            </a:extLst>
+          </p:cNvPr>
+          <p:cNvSpPr>
+            <a:spLocks noChangeArrowheads="1"/>
+          </p:cNvSpPr>
+          <p:nvPr/>
+        </p:nvSpPr>
+        <p:spPr bwMode="auto">
+          <a:xfrm>
+            <a:off x="6538779" y="3298481"/>
+            <a:ext cx="5515897" cy="2126203"/>
+          </a:xfrm>
+          <a:prstGeom prst="rect">
+            <a:avLst/>
+          </a:prstGeom>
+          <a:solidFill>
+            <a:srgbClr val="E0E0E0"/>
+          </a:solidFill>
+          <a:ln>
+            <a:noFill/>
+          </a:ln>
+          <a:effectLst/>
+          <a:extLst>
+            <a:ext uri="{91240B29-F687-4F45-9708-019B960494DF}">
+              <a14:hiddenLine xmlns:a14="http://schemas.microsoft.com/office/drawing/2010/main" w="9525">
+                <a:solidFill>
+                  <a:schemeClr val="tx1"/>
+                </a:solidFill>
+                <a:miter lim="800000"/>
+                <a:headEnd/>
+                <a:tailEnd/>
+              </a14:hiddenLine>
+            </a:ext>
+            <a:ext uri="{AF507438-7753-43E0-B8FC-AC1667EBCBE1}">
+              <a14:hiddenEffects xmlns:a14="http://schemas.microsoft.com/office/drawing/2010/main">
+                <a:effectLst>
+                  <a:outerShdw dist="35921" dir="2700000" algn="ctr" rotWithShape="0">
+                    <a:schemeClr val="bg2"/>
+                  </a:outerShdw>
+                </a:effectLst>
+              </a14:hiddenEffects>
+            </a:ext>
+          </a:extLst>
+        </p:spPr>
+        <p:txBody>
+          <a:bodyPr vert="horz" wrap="square" lIns="0" tIns="0" rIns="0" bIns="63480" numCol="1" anchor="ctr" anchorCtr="0" compatLnSpc="1">
+            <a:prstTxWarp prst="textNoShape">
+              <a:avLst/>
+            </a:prstTxWarp>
+            <a:spAutoFit/>
+          </a:bodyPr>
+          <a:lstStyle/>
+          <a:p>
+            <a:pPr marL="171450" marR="0" lvl="0" indent="-171450" algn="l" defTabSz="914400" rtl="0" eaLnBrk="0" fontAlgn="base" latinLnBrk="0" hangingPunct="0">
+              <a:lnSpc>
+                <a:spcPct val="100000"/>
+              </a:lnSpc>
+              <a:spcBef>
+                <a:spcPct val="0"/>
+              </a:spcBef>
+              <a:spcAft>
+                <a:spcPct val="0"/>
+              </a:spcAft>
+              <a:buClrTx/>
+              <a:buSzTx/>
+              <a:buFont typeface="Arial" panose="020B0604020202020204" pitchFamily="34" charset="0"/>
+              <a:buChar char="•"/>
+              <a:tabLst/>
+            </a:pPr>
+            <a:r>
+              <a:rPr kumimoji="0" lang="en-US" altLang="en-US" b="0" i="0" u="none" strike="noStrike" cap="none" normalizeH="0" baseline="0" dirty="0">
+                <a:ln>
+                  <a:noFill/>
+                </a:ln>
+                <a:solidFill>
+                  <a:schemeClr val="tx1"/>
+                </a:solidFill>
+                <a:effectLst/>
+                <a:latin typeface="Consolas" panose="020B0609020204030204" pitchFamily="49" charset="0"/>
+              </a:rPr>
+              <a:t>Let there be an error in transmission media, Code word received at the receiver side – 100000001</a:t>
+            </a:r>
+          </a:p>
+          <a:p>
+            <a:pPr marL="171450" marR="0" lvl="0" indent="-171450" algn="l" defTabSz="914400" rtl="0" eaLnBrk="0" fontAlgn="base" latinLnBrk="0" hangingPunct="0">
+              <a:lnSpc>
+                <a:spcPct val="100000"/>
+              </a:lnSpc>
+              <a:spcBef>
+                <a:spcPct val="0"/>
+              </a:spcBef>
+              <a:spcAft>
+                <a:spcPct val="0"/>
+              </a:spcAft>
+              <a:buClrTx/>
+              <a:buSzTx/>
+              <a:buFont typeface="Arial" panose="020B0604020202020204" pitchFamily="34" charset="0"/>
+              <a:buChar char="•"/>
+              <a:tabLst/>
+            </a:pPr>
+            <a:r>
+              <a:rPr kumimoji="0" lang="en-US" altLang="en-US" b="0" i="0" u="none" strike="noStrike" cap="none" normalizeH="0" baseline="0" dirty="0">
+                <a:ln>
+                  <a:noFill/>
+                </a:ln>
+                <a:solidFill>
+                  <a:schemeClr val="tx1"/>
+                </a:solidFill>
+                <a:effectLst/>
+                <a:latin typeface="Consolas" panose="020B0609020204030204" pitchFamily="49" charset="0"/>
+              </a:rPr>
+              <a:t>When this message is divide by the Key(1101) , this will not yield remainder</a:t>
+            </a:r>
+            <a:r>
+              <a:rPr kumimoji="0" lang="en-US" altLang="en-US" b="0" i="0" u="none" strike="noStrike" cap="none" normalizeH="0" baseline="0" dirty="0">
+                <a:ln>
+                  <a:noFill/>
+                </a:ln>
+                <a:solidFill>
+                  <a:schemeClr val="tx1"/>
+                </a:solidFill>
+                <a:effectLst/>
+              </a:rPr>
+              <a:t>  =0</a:t>
+            </a:r>
+          </a:p>
+          <a:p>
+            <a:pPr marR="0" lvl="0" algn="l" defTabSz="914400" rtl="0" eaLnBrk="0" fontAlgn="base" latinLnBrk="0" hangingPunct="0">
+              <a:lnSpc>
+                <a:spcPct val="100000"/>
+              </a:lnSpc>
+              <a:spcBef>
+                <a:spcPct val="0"/>
+              </a:spcBef>
+              <a:spcAft>
+                <a:spcPct val="0"/>
+              </a:spcAft>
+              <a:buClrTx/>
+              <a:buSzTx/>
+              <a:tabLst/>
+            </a:pPr>
+            <a:r>
+              <a:rPr kumimoji="0" lang="en-US" altLang="en-US" b="0" i="0" u="none" strike="noStrike" cap="none" normalizeH="0" baseline="0" dirty="0">
+                <a:ln>
+                  <a:noFill/>
+                </a:ln>
+                <a:solidFill>
+                  <a:schemeClr val="tx1"/>
+                </a:solidFill>
+                <a:effectLst/>
+              </a:rPr>
+              <a:t> Hence this will lead to error detection</a:t>
+            </a:r>
+          </a:p>
+          <a:p>
+            <a:pPr marL="0" marR="0" lvl="0" indent="0" algn="l" defTabSz="914400" rtl="0" eaLnBrk="0" fontAlgn="base" latinLnBrk="0" hangingPunct="0">
+              <a:lnSpc>
+                <a:spcPct val="100000"/>
+              </a:lnSpc>
+              <a:spcBef>
+                <a:spcPct val="0"/>
+              </a:spcBef>
+              <a:spcAft>
+                <a:spcPct val="0"/>
+              </a:spcAft>
+              <a:buClrTx/>
+              <a:buSzTx/>
+              <a:buFontTx/>
+              <a:buNone/>
+              <a:tabLst/>
+            </a:pPr>
+            <a:endParaRPr lang="en-US" altLang="en-US" sz="800" dirty="0">
+              <a:latin typeface="Arial" panose="020B0604020202020204" pitchFamily="34" charset="0"/>
+            </a:endParaRPr>
+          </a:p>
+        </p:txBody>
+      </p:sp>
+      <p:cxnSp>
+        <p:nvCxnSpPr>
+          <p:cNvPr id="17" name="Straight Connector 16">
+            <a:extLst>
+              <a:ext uri="{FF2B5EF4-FFF2-40B4-BE49-F238E27FC236}">
+                <a16:creationId xmlns:a16="http://schemas.microsoft.com/office/drawing/2014/main" id="{9E7FC227-EE9C-AFF2-B03A-1A7B07DCF0F2}"/>
+              </a:ext>
+            </a:extLst>
+          </p:cNvPr>
+          <p:cNvCxnSpPr>
+            <a:stCxn id="3" idx="0"/>
+          </p:cNvCxnSpPr>
+          <p:nvPr/>
+        </p:nvCxnSpPr>
+        <p:spPr>
+          <a:xfrm>
+            <a:off x="6126480" y="1845734"/>
+            <a:ext cx="0" cy="4463626"/>
+          </a:xfrm>
+          <a:prstGeom prst="line">
+            <a:avLst/>
+          </a:prstGeom>
+        </p:spPr>
+        <p:style>
+          <a:lnRef idx="1">
+            <a:schemeClr val="accent2"/>
+          </a:lnRef>
+          <a:fillRef idx="0">
+            <a:schemeClr val="accent2"/>
+          </a:fillRef>
+          <a:effectRef idx="0">
+            <a:schemeClr val="accent2"/>
+          </a:effectRef>
+          <a:fontRef idx="minor">
+            <a:schemeClr val="tx1"/>
+          </a:fontRef>
+        </p:style>
+      </p:cxnSp>
+      <p:cxnSp>
+        <p:nvCxnSpPr>
+          <p:cNvPr id="19" name="Straight Connector 18">
+            <a:extLst>
+              <a:ext uri="{FF2B5EF4-FFF2-40B4-BE49-F238E27FC236}">
+                <a16:creationId xmlns:a16="http://schemas.microsoft.com/office/drawing/2014/main" id="{850F81B3-F6DC-129B-747B-CB149EF15C74}"/>
+              </a:ext>
+            </a:extLst>
+          </p:cNvPr>
+          <p:cNvCxnSpPr/>
+          <p:nvPr/>
+        </p:nvCxnSpPr>
+        <p:spPr>
+          <a:xfrm>
+            <a:off x="6538779" y="1845734"/>
+            <a:ext cx="0" cy="4443306"/>
+          </a:xfrm>
+          <a:prstGeom prst="line">
+            <a:avLst/>
+          </a:prstGeom>
+        </p:spPr>
+        <p:style>
+          <a:lnRef idx="1">
+            <a:schemeClr val="accent1"/>
+          </a:lnRef>
+          <a:fillRef idx="0">
+            <a:schemeClr val="accent1"/>
+          </a:fillRef>
+          <a:effectRef idx="0">
+            <a:schemeClr val="accent1"/>
+          </a:effectRef>
+          <a:fontRef idx="minor">
+            <a:schemeClr val="tx1"/>
+          </a:fontRef>
+        </p:style>
+      </p:cxnSp>
+      <p:sp>
+        <p:nvSpPr>
+          <p:cNvPr id="20" name="Arrow: Right 19">
+            <a:extLst>
+              <a:ext uri="{FF2B5EF4-FFF2-40B4-BE49-F238E27FC236}">
+                <a16:creationId xmlns:a16="http://schemas.microsoft.com/office/drawing/2014/main" id="{17832D96-FBB9-E1A6-7DC8-BFB4B7F4691F}"/>
+              </a:ext>
+            </a:extLst>
+          </p:cNvPr>
+          <p:cNvSpPr/>
+          <p:nvPr/>
+        </p:nvSpPr>
+        <p:spPr>
+          <a:xfrm rot="16200000" flipH="1">
+            <a:off x="2280511" y="2855337"/>
+            <a:ext cx="498655" cy="404508"/>
+          </a:xfrm>
+          <a:prstGeom prst="rightArrow">
+            <a:avLst/>
+          </a:prstGeom>
+        </p:spPr>
+        <p:style>
+          <a:lnRef idx="2">
+            <a:schemeClr val="accent1">
+              <a:shade val="15000"/>
+            </a:schemeClr>
+          </a:lnRef>
+          <a:fillRef idx="1">
+            <a:schemeClr val="accent1"/>
+          </a:fillRef>
+          <a:effectRef idx="0">
+            <a:schemeClr val="accent1"/>
+          </a:effectRef>
+          <a:fontRef idx="minor">
+            <a:schemeClr val="lt1"/>
+          </a:fontRef>
+        </p:style>
+        <p:txBody>
+          <a:bodyPr rtlCol="0" anchor="ctr"/>
+          <a:lstStyle/>
+          <a:p>
+            <a:pPr algn="ctr"/>
+            <a:endParaRPr lang="en-IN"/>
+          </a:p>
+        </p:txBody>
+      </p:sp>
+      <p:sp>
+        <p:nvSpPr>
+          <p:cNvPr id="21" name="Arrow: Right 20">
+            <a:extLst>
+              <a:ext uri="{FF2B5EF4-FFF2-40B4-BE49-F238E27FC236}">
+                <a16:creationId xmlns:a16="http://schemas.microsoft.com/office/drawing/2014/main" id="{F07C65E9-FD5C-038D-A3B3-0CDC6EDA05DA}"/>
+              </a:ext>
+            </a:extLst>
+          </p:cNvPr>
+          <p:cNvSpPr/>
+          <p:nvPr/>
+        </p:nvSpPr>
+        <p:spPr>
+          <a:xfrm rot="16200000" flipH="1">
+            <a:off x="9069286" y="2846900"/>
+            <a:ext cx="498655" cy="404508"/>
+          </a:xfrm>
+          <a:prstGeom prst="rightArrow">
+            <a:avLst/>
+          </a:prstGeom>
+        </p:spPr>
+        <p:style>
+          <a:lnRef idx="2">
+            <a:schemeClr val="accent1">
+              <a:shade val="15000"/>
+            </a:schemeClr>
+          </a:lnRef>
+          <a:fillRef idx="1">
+            <a:schemeClr val="accent1"/>
+          </a:fillRef>
+          <a:effectRef idx="0">
+            <a:schemeClr val="accent1"/>
+          </a:effectRef>
+          <a:fontRef idx="minor">
+            <a:schemeClr val="lt1"/>
+          </a:fontRef>
+        </p:style>
+        <p:txBody>
+          <a:bodyPr rtlCol="0" anchor="ctr"/>
+          <a:lstStyle/>
+          <a:p>
+            <a:pPr algn="ctr"/>
+            <a:endParaRPr lang="en-IN"/>
+          </a:p>
+        </p:txBody>
+      </p:sp>
+    </p:spTree>
+    <p:extLst>
+      <p:ext uri="{BB962C8B-B14F-4D97-AF65-F5344CB8AC3E}">
+        <p14:creationId xmlns:p14="http://schemas.microsoft.com/office/powerpoint/2010/main" val="3400487702"/>
+      </p:ext>
+    </p:extLst>
+  </p:cSld>
+  <p:clrMapOvr>
+    <a:masterClrMapping/>
+  </p:clrMapOvr>
+</p:sld>
+</file>
+
+<file path=ppt/slides/slide36.xml><?xml version="1.0" encoding="utf-8"?>
 <p:sld xmlns:a="http://schemas.openxmlformats.org/drawingml/2006/main" xmlns:r="http://schemas.openxmlformats.org/officeDocument/2006/relationships" xmlns:p="http://schemas.openxmlformats.org/presentationml/2006/main">
   <p:cSld>
     <p:spTree>
@@ -41023,7 +39276,7 @@
 </p:sld>
 </file>
 
-<file path=ppt/slides/slide36.xml><?xml version="1.0" encoding="utf-8"?>
+<file path=ppt/slides/slide37.xml><?xml version="1.0" encoding="utf-8"?>
 <p:sld xmlns:a="http://schemas.openxmlformats.org/drawingml/2006/main" xmlns:r="http://schemas.openxmlformats.org/officeDocument/2006/relationships" xmlns:p="http://schemas.openxmlformats.org/presentationml/2006/main">
   <p:cSld>
     <p:spTree>
@@ -41966,106 +40219,6 @@
           <p:cNvPr id="2" name="Title 1">
             <a:extLst>
               <a:ext uri="{FF2B5EF4-FFF2-40B4-BE49-F238E27FC236}">
-                <a16:creationId xmlns:a16="http://schemas.microsoft.com/office/drawing/2014/main" id="{C5ED5CC7-6B09-C9D9-C571-618D17C2E6F6}"/>
-              </a:ext>
-            </a:extLst>
-          </p:cNvPr>
-          <p:cNvSpPr>
-            <a:spLocks noGrp="1"/>
-          </p:cNvSpPr>
-          <p:nvPr>
-            <p:ph type="title"/>
-          </p:nvPr>
-        </p:nvSpPr>
-        <p:spPr/>
-        <p:txBody>
-          <a:bodyPr>
-            <a:normAutofit/>
-          </a:bodyPr>
-          <a:lstStyle/>
-          <a:p>
-            <a:pPr marL="571500" indent="-571500">
-              <a:buFont typeface="Wingdings" panose="05000000000000000000" pitchFamily="2" charset="2"/>
-              <a:buChar char="q"/>
-            </a:pPr>
-            <a:r>
-              <a:rPr lang="en-US" dirty="0"/>
-              <a:t> </a:t>
-            </a:r>
-            <a:r>
-              <a:rPr lang="en-US" sz="4400" dirty="0"/>
-              <a:t>Introduction to Polar Codes</a:t>
-            </a:r>
-            <a:endParaRPr lang="en-IN" dirty="0"/>
-          </a:p>
-        </p:txBody>
-      </p:sp>
-      <p:graphicFrame>
-        <p:nvGraphicFramePr>
-          <p:cNvPr id="5" name="Content Placeholder 2">
-            <a:extLst>
-              <a:ext uri="{FF2B5EF4-FFF2-40B4-BE49-F238E27FC236}">
-                <a16:creationId xmlns:a16="http://schemas.microsoft.com/office/drawing/2014/main" id="{06AC763A-4050-85CD-D780-D4692715861B}"/>
-              </a:ext>
-            </a:extLst>
-          </p:cNvPr>
-          <p:cNvGraphicFramePr>
-            <a:graphicFrameLocks noGrp="1"/>
-          </p:cNvGraphicFramePr>
-          <p:nvPr>
-            <p:ph idx="1"/>
-            <p:extLst>
-              <p:ext uri="{D42A27DB-BD31-4B8C-83A1-F6EECF244321}">
-                <p14:modId xmlns:p14="http://schemas.microsoft.com/office/powerpoint/2010/main" val="823265045"/>
-              </p:ext>
-            </p:extLst>
-          </p:nvPr>
-        </p:nvGraphicFramePr>
-        <p:xfrm>
-          <a:off x="1096963" y="1846263"/>
-          <a:ext cx="10058400" cy="4022725"/>
-        </p:xfrm>
-        <a:graphic>
-          <a:graphicData uri="http://schemas.openxmlformats.org/drawingml/2006/diagram">
-            <dgm:relIds xmlns:dgm="http://schemas.openxmlformats.org/drawingml/2006/diagram" xmlns:r="http://schemas.openxmlformats.org/officeDocument/2006/relationships" r:dm="rId2" r:lo="rId3" r:qs="rId4" r:cs="rId5"/>
-          </a:graphicData>
-        </a:graphic>
-      </p:graphicFrame>
-    </p:spTree>
-    <p:extLst>
-      <p:ext uri="{BB962C8B-B14F-4D97-AF65-F5344CB8AC3E}">
-        <p14:creationId xmlns:p14="http://schemas.microsoft.com/office/powerpoint/2010/main" val="2923197948"/>
-      </p:ext>
-    </p:extLst>
-  </p:cSld>
-  <p:clrMapOvr>
-    <a:masterClrMapping/>
-  </p:clrMapOvr>
-</p:sld>
-</file>
-
-<file path=ppt/slides/slide7.xml><?xml version="1.0" encoding="utf-8"?>
-<p:sld xmlns:a="http://schemas.openxmlformats.org/drawingml/2006/main" xmlns:r="http://schemas.openxmlformats.org/officeDocument/2006/relationships" xmlns:p="http://schemas.openxmlformats.org/presentationml/2006/main">
-  <p:cSld>
-    <p:spTree>
-      <p:nvGrpSpPr>
-        <p:cNvPr id="1" name=""/>
-        <p:cNvGrpSpPr/>
-        <p:nvPr/>
-      </p:nvGrpSpPr>
-      <p:grpSpPr>
-        <a:xfrm>
-          <a:off x="0" y="0"/>
-          <a:ext cx="0" cy="0"/>
-          <a:chOff x="0" y="0"/>
-          <a:chExt cx="0" cy="0"/>
-        </a:xfrm>
-      </p:grpSpPr>
-      <p:sp>
-        <p:nvSpPr>
-          <p:cNvPr id="2" name="Title 1">
-            <a:extLst>
-              <a:ext uri="{FF2B5EF4-FFF2-40B4-BE49-F238E27FC236}">
                 <a16:creationId xmlns:a16="http://schemas.microsoft.com/office/drawing/2014/main" id="{B8D7FFCE-952A-F775-8F6F-314B8241E9B0}"/>
               </a:ext>
             </a:extLst>
@@ -42129,7 +40282,20 @@
                 <a:effectLst/>
                 <a:latin typeface="Söhne"/>
               </a:rPr>
-              <a:t> Polar Codes are Invented by </a:t>
+              <a:t> Polar Codes </a:t>
+            </a:r>
+            <a:r>
+              <a:rPr lang="en-US" dirty="0">
+                <a:latin typeface="Söhne"/>
+              </a:rPr>
+              <a:t>were</a:t>
+            </a:r>
+            <a:r>
+              <a:rPr lang="en-US" b="0" i="0" dirty="0">
+                <a:effectLst/>
+                <a:latin typeface="Söhne"/>
+              </a:rPr>
+              <a:t> Invented by </a:t>
             </a:r>
             <a:r>
               <a:rPr lang="en-US" b="0" i="0" dirty="0" err="1">
@@ -42166,11 +40332,10 @@
               <a:buChar char="•"/>
             </a:pPr>
             <a:r>
-              <a:rPr lang="en-US" b="0" i="0" dirty="0">
-                <a:effectLst/>
+              <a:rPr lang="en-US" dirty="0">
                 <a:latin typeface="Söhne"/>
               </a:rPr>
-              <a:t> Polar codes are efficient error-correction codes </a:t>
+              <a:t> Owing to their good performance and low complexity,</a:t>
             </a:r>
           </a:p>
           <a:p>
@@ -42181,26 +40346,7 @@
               <a:rPr lang="en-US" dirty="0">
                 <a:latin typeface="Söhne"/>
               </a:rPr>
-              <a:t>   </a:t>
-            </a:r>
-            <a:r>
-              <a:rPr lang="en-US" b="0" i="0" dirty="0">
-                <a:effectLst/>
-                <a:latin typeface="Söhne"/>
-              </a:rPr>
-              <a:t>for achieving channel capacity.</a:t>
-            </a:r>
-          </a:p>
-          <a:p>
-            <a:pPr>
-              <a:buFont typeface="Arial" panose="020B0604020202020204" pitchFamily="34" charset="0"/>
-              <a:buChar char="•"/>
-            </a:pPr>
-            <a:r>
-              <a:rPr lang="en-US" dirty="0">
-                <a:latin typeface="Söhne"/>
-              </a:rPr>
-              <a:t> Owing to good performance and low complexity,</a:t>
+              <a:t>   polar codes have been adopted as a coding scheme </a:t>
             </a:r>
           </a:p>
           <a:p>
@@ -42211,42 +40357,7 @@
               <a:rPr lang="en-US" dirty="0">
                 <a:latin typeface="Söhne"/>
               </a:rPr>
-              <a:t>   polar </a:t>
-            </a:r>
-            <a:r>
-              <a:rPr lang="en-US" dirty="0" err="1">
-                <a:latin typeface="Söhne"/>
-              </a:rPr>
-              <a:t>codeshave</a:t>
-            </a:r>
-            <a:r>
-              <a:rPr lang="en-US" dirty="0">
-                <a:latin typeface="Söhne"/>
-              </a:rPr>
-              <a:t> been proposed as a coding scheme </a:t>
-            </a:r>
-          </a:p>
-          <a:p>
-            <a:pPr marL="0" indent="0">
-              <a:buNone/>
-            </a:pPr>
-            <a:r>
-              <a:rPr lang="en-US" dirty="0">
-                <a:latin typeface="Söhne"/>
-              </a:rPr>
-              <a:t>   for the control </a:t>
-            </a:r>
-            <a:r>
-              <a:rPr lang="en-US" dirty="0" err="1">
-                <a:latin typeface="Söhne"/>
-              </a:rPr>
-              <a:t>channelin</a:t>
-            </a:r>
-            <a:r>
-              <a:rPr lang="en-US" dirty="0">
-                <a:latin typeface="Söhne"/>
-              </a:rPr>
-              <a:t> the fifth-generation (5G) </a:t>
+              <a:t>   for the control channel in the fifth-generation (5G) </a:t>
             </a:r>
           </a:p>
           <a:p>
@@ -42318,7 +40429,7 @@
 </p:sld>
 </file>
 
-<file path=ppt/slides/slide8.xml><?xml version="1.0" encoding="utf-8"?>
+<file path=ppt/slides/slide7.xml><?xml version="1.0" encoding="utf-8"?>
 <p:sld xmlns:a="http://schemas.openxmlformats.org/drawingml/2006/main" xmlns:r="http://schemas.openxmlformats.org/officeDocument/2006/relationships" xmlns:p="http://schemas.openxmlformats.org/presentationml/2006/main">
   <p:cSld>
     <p:spTree>
@@ -42370,8 +40481,8 @@
           </a:p>
         </p:txBody>
       </p:sp>
-      <mc:AlternateContent xmlns:mc="http://schemas.openxmlformats.org/markup-compatibility/2006">
-        <mc:Choice xmlns:a14="http://schemas.microsoft.com/office/drawing/2010/main" Requires="a14">
+      <mc:AlternateContent xmlns:mc="http://schemas.openxmlformats.org/markup-compatibility/2006" xmlns:a14="http://schemas.microsoft.com/office/drawing/2010/main">
+        <mc:Choice Requires="a14">
           <p:sp>
             <p:nvSpPr>
               <p:cNvPr id="3" name="Content Placeholder 2">
@@ -43024,7 +41135,7 @@
             </p:txBody>
           </p:sp>
         </mc:Choice>
-        <mc:Fallback>
+        <mc:Fallback xmlns="">
           <p:sp>
             <p:nvSpPr>
               <p:cNvPr id="3" name="Content Placeholder 2">
@@ -43162,6 +41273,752 @@
 </p:sld>
 </file>
 
+<file path=ppt/slides/slide8.xml><?xml version="1.0" encoding="utf-8"?>
+<p:sld xmlns:a="http://schemas.openxmlformats.org/drawingml/2006/main" xmlns:r="http://schemas.openxmlformats.org/officeDocument/2006/relationships" xmlns:p="http://schemas.openxmlformats.org/presentationml/2006/main">
+  <p:cSld>
+    <p:spTree>
+      <p:nvGrpSpPr>
+        <p:cNvPr id="1" name=""/>
+        <p:cNvGrpSpPr/>
+        <p:nvPr/>
+      </p:nvGrpSpPr>
+      <p:grpSpPr>
+        <a:xfrm>
+          <a:off x="0" y="0"/>
+          <a:ext cx="0" cy="0"/>
+          <a:chOff x="0" y="0"/>
+          <a:chExt cx="0" cy="0"/>
+        </a:xfrm>
+      </p:grpSpPr>
+      <p:sp>
+        <p:nvSpPr>
+          <p:cNvPr id="2" name="Title 1">
+            <a:extLst>
+              <a:ext uri="{FF2B5EF4-FFF2-40B4-BE49-F238E27FC236}">
+                <a16:creationId xmlns:a16="http://schemas.microsoft.com/office/drawing/2014/main" id="{C0C81745-85BC-7EAF-B929-6A93D8F75DBB}"/>
+              </a:ext>
+            </a:extLst>
+          </p:cNvPr>
+          <p:cNvSpPr>
+            <a:spLocks noGrp="1"/>
+          </p:cNvSpPr>
+          <p:nvPr>
+            <p:ph type="title"/>
+          </p:nvPr>
+        </p:nvSpPr>
+        <p:spPr/>
+        <p:txBody>
+          <a:bodyPr/>
+          <a:lstStyle/>
+          <a:p>
+            <a:pPr marL="685800" indent="-685800">
+              <a:buFont typeface="Wingdings" panose="05000000000000000000" pitchFamily="2" charset="2"/>
+              <a:buChar char="q"/>
+            </a:pPr>
+            <a:r>
+              <a:rPr lang="en-US" dirty="0"/>
+              <a:t> </a:t>
+            </a:r>
+            <a:r>
+              <a:rPr lang="en-US" sz="4800" dirty="0"/>
+              <a:t>Kronecker</a:t>
+            </a:r>
+            <a:r>
+              <a:rPr lang="en-US" dirty="0"/>
+              <a:t> Product</a:t>
+            </a:r>
+            <a:endParaRPr lang="en-IN" dirty="0"/>
+          </a:p>
+        </p:txBody>
+      </p:sp>
+      <mc:AlternateContent xmlns:mc="http://schemas.openxmlformats.org/markup-compatibility/2006">
+        <mc:Choice xmlns:a14="http://schemas.microsoft.com/office/drawing/2010/main" Requires="a14">
+          <p:sp>
+            <p:nvSpPr>
+              <p:cNvPr id="3" name="Content Placeholder 2">
+                <a:extLst>
+                  <a:ext uri="{FF2B5EF4-FFF2-40B4-BE49-F238E27FC236}">
+                    <a16:creationId xmlns:a16="http://schemas.microsoft.com/office/drawing/2014/main" id="{EE51AA68-5E5D-34E2-FE6B-536850EAF17F}"/>
+                  </a:ext>
+                </a:extLst>
+              </p:cNvPr>
+              <p:cNvSpPr>
+                <a:spLocks noGrp="1"/>
+              </p:cNvSpPr>
+              <p:nvPr>
+                <p:ph idx="1"/>
+              </p:nvPr>
+            </p:nvSpPr>
+            <p:spPr/>
+            <p:txBody>
+              <a:bodyPr/>
+              <a:lstStyle/>
+              <a:p>
+                <a:pPr>
+                  <a:buFont typeface="Arial" panose="020B0604020202020204" pitchFamily="34" charset="0"/>
+                  <a:buChar char="•"/>
+                </a:pPr>
+                <a:r>
+                  <a:rPr lang="en-US" dirty="0"/>
+                  <a:t>  Let’s understand K</a:t>
+                </a:r>
+                <a:r>
+                  <a:rPr lang="en-US" sz="2000" dirty="0"/>
+                  <a:t>ronecker</a:t>
+                </a:r>
+                <a:r>
+                  <a:rPr lang="en-US" dirty="0"/>
+                  <a:t> product using G</a:t>
+                </a:r>
+                <a:r>
+                  <a:rPr lang="en-US" baseline="-25000" dirty="0"/>
+                  <a:t>4</a:t>
+                </a:r>
+                <a:r>
+                  <a:rPr lang="en-US" dirty="0"/>
+                  <a:t>,</a:t>
+                </a:r>
+              </a:p>
+              <a:p>
+                <a:pPr marL="0" indent="0">
+                  <a:buNone/>
+                </a:pPr>
+                <a:r>
+                  <a:rPr lang="en-US" dirty="0"/>
+                  <a:t>	G</a:t>
+                </a:r>
+                <a:r>
+                  <a:rPr lang="en-US" baseline="-25000" dirty="0"/>
+                  <a:t>4</a:t>
+                </a:r>
+                <a:r>
+                  <a:rPr lang="en-US" dirty="0"/>
+                  <a:t>  =  G</a:t>
+                </a:r>
+                <a:r>
+                  <a:rPr lang="en-US" baseline="-25000" dirty="0"/>
+                  <a:t>2</a:t>
+                </a:r>
+                <a:r>
+                  <a:rPr lang="en-US" dirty="0"/>
+                  <a:t> </a:t>
+                </a:r>
+                <a:r>
+                  <a:rPr lang="en-US" dirty="0">
+                    <a:latin typeface="Cambria Math" panose="02040503050406030204" pitchFamily="18" charset="0"/>
+                    <a:ea typeface="Cambria Math" panose="02040503050406030204" pitchFamily="18" charset="0"/>
+                  </a:rPr>
+                  <a:t>⊗ G</a:t>
+                </a:r>
+                <a:r>
+                  <a:rPr lang="en-US" baseline="-25000" dirty="0">
+                    <a:latin typeface="Cambria Math" panose="02040503050406030204" pitchFamily="18" charset="0"/>
+                    <a:ea typeface="Cambria Math" panose="02040503050406030204" pitchFamily="18" charset="0"/>
+                  </a:rPr>
+                  <a:t>2</a:t>
+                </a:r>
+              </a:p>
+              <a:p>
+                <a:pPr marL="0" indent="0">
+                  <a:buNone/>
+                </a:pPr>
+                <a:r>
+                  <a:rPr lang="en-US" dirty="0">
+                    <a:latin typeface="Cambria Math" panose="02040503050406030204" pitchFamily="18" charset="0"/>
+                    <a:ea typeface="Cambria Math" panose="02040503050406030204" pitchFamily="18" charset="0"/>
+                  </a:rPr>
+                  <a:t>                       = </a:t>
+                </a:r>
+                <a14:m>
+                  <m:oMath xmlns:m="http://schemas.openxmlformats.org/officeDocument/2006/math">
+                    <m:d>
+                      <m:dPr>
+                        <m:begChr m:val="["/>
+                        <m:endChr m:val="]"/>
+                        <m:ctrlPr>
+                          <a:rPr lang="en-US" sz="2000" b="0" i="1" smtClean="0">
+                            <a:latin typeface="Cambria Math" panose="02040503050406030204" pitchFamily="18" charset="0"/>
+                          </a:rPr>
+                        </m:ctrlPr>
+                      </m:dPr>
+                      <m:e>
+                        <m:m>
+                          <m:mPr>
+                            <m:mcs>
+                              <m:mc>
+                                <m:mcPr>
+                                  <m:count m:val="2"/>
+                                  <m:mcJc m:val="center"/>
+                                </m:mcPr>
+                              </m:mc>
+                            </m:mcs>
+                            <m:ctrlPr>
+                              <a:rPr lang="en-US" sz="2000" b="0" i="1" smtClean="0">
+                                <a:latin typeface="Cambria Math" panose="02040503050406030204" pitchFamily="18" charset="0"/>
+                              </a:rPr>
+                            </m:ctrlPr>
+                          </m:mPr>
+                          <m:mr>
+                            <m:e>
+                              <m:r>
+                                <m:rPr>
+                                  <m:brk m:alnAt="7"/>
+                                </m:rPr>
+                                <a:rPr lang="en-US" sz="2000" b="0" i="1" smtClean="0">
+                                  <a:latin typeface="Cambria Math" panose="02040503050406030204" pitchFamily="18" charset="0"/>
+                                </a:rPr>
+                                <m:t>1</m:t>
+                              </m:r>
+                            </m:e>
+                            <m:e>
+                              <m:r>
+                                <a:rPr lang="en-US" sz="2000" b="0" i="1" smtClean="0">
+                                  <a:latin typeface="Cambria Math" panose="02040503050406030204" pitchFamily="18" charset="0"/>
+                                </a:rPr>
+                                <m:t>0</m:t>
+                              </m:r>
+                            </m:e>
+                          </m:mr>
+                          <m:mr>
+                            <m:e>
+                              <m:r>
+                                <a:rPr lang="en-US" sz="2000" b="0" i="1" smtClean="0">
+                                  <a:latin typeface="Cambria Math" panose="02040503050406030204" pitchFamily="18" charset="0"/>
+                                </a:rPr>
+                                <m:t>1</m:t>
+                              </m:r>
+                            </m:e>
+                            <m:e>
+                              <m:r>
+                                <a:rPr lang="en-US" sz="2000" b="0" i="1" smtClean="0">
+                                  <a:latin typeface="Cambria Math" panose="02040503050406030204" pitchFamily="18" charset="0"/>
+                                </a:rPr>
+                                <m:t>1</m:t>
+                              </m:r>
+                            </m:e>
+                          </m:mr>
+                        </m:m>
+                      </m:e>
+                    </m:d>
+                  </m:oMath>
+                </a14:m>
+                <a:r>
+                  <a:rPr lang="en-IN" dirty="0"/>
+                  <a:t> </a:t>
+                </a:r>
+                <a:r>
+                  <a:rPr lang="en-US" dirty="0">
+                    <a:latin typeface="Cambria Math" panose="02040503050406030204" pitchFamily="18" charset="0"/>
+                    <a:ea typeface="Cambria Math" panose="02040503050406030204" pitchFamily="18" charset="0"/>
+                  </a:rPr>
+                  <a:t>⊗ G</a:t>
+                </a:r>
+                <a:r>
+                  <a:rPr lang="en-US" baseline="-25000" dirty="0">
+                    <a:latin typeface="Cambria Math" panose="02040503050406030204" pitchFamily="18" charset="0"/>
+                    <a:ea typeface="Cambria Math" panose="02040503050406030204" pitchFamily="18" charset="0"/>
+                  </a:rPr>
+                  <a:t>2</a:t>
+                </a:r>
+              </a:p>
+              <a:p>
+                <a:pPr marL="0" indent="0">
+                  <a:buNone/>
+                </a:pPr>
+                <a:r>
+                  <a:rPr lang="en-US" dirty="0">
+                    <a:latin typeface="Cambria Math" panose="02040503050406030204" pitchFamily="18" charset="0"/>
+                    <a:ea typeface="Cambria Math" panose="02040503050406030204" pitchFamily="18" charset="0"/>
+                  </a:rPr>
+                  <a:t>	      = </a:t>
+                </a:r>
+                <a14:m>
+                  <m:oMath xmlns:m="http://schemas.openxmlformats.org/officeDocument/2006/math">
+                    <m:d>
+                      <m:dPr>
+                        <m:begChr m:val="["/>
+                        <m:endChr m:val="]"/>
+                        <m:ctrlPr>
+                          <a:rPr lang="en-US" sz="2000" b="0" i="1" smtClean="0">
+                            <a:latin typeface="Cambria Math" panose="02040503050406030204" pitchFamily="18" charset="0"/>
+                          </a:rPr>
+                        </m:ctrlPr>
+                      </m:dPr>
+                      <m:e>
+                        <m:m>
+                          <m:mPr>
+                            <m:mcs>
+                              <m:mc>
+                                <m:mcPr>
+                                  <m:count m:val="2"/>
+                                  <m:mcJc m:val="center"/>
+                                </m:mcPr>
+                              </m:mc>
+                            </m:mcs>
+                            <m:ctrlPr>
+                              <a:rPr lang="en-US" sz="2000" b="0" i="1" smtClean="0">
+                                <a:latin typeface="Cambria Math" panose="02040503050406030204" pitchFamily="18" charset="0"/>
+                              </a:rPr>
+                            </m:ctrlPr>
+                          </m:mPr>
+                          <m:mr>
+                            <m:e>
+                              <m:r>
+                                <m:rPr>
+                                  <m:brk m:alnAt="7"/>
+                                </m:rPr>
+                                <a:rPr lang="en-US" sz="2000" b="0" i="1" smtClean="0">
+                                  <a:latin typeface="Cambria Math" panose="02040503050406030204" pitchFamily="18" charset="0"/>
+                                </a:rPr>
+                                <m:t>𝐺</m:t>
+                              </m:r>
+                              <m:r>
+                                <a:rPr lang="en-US" sz="2000" b="0" i="1" baseline="-25000" smtClean="0">
+                                  <a:latin typeface="Cambria Math" panose="02040503050406030204" pitchFamily="18" charset="0"/>
+                                </a:rPr>
+                                <m:t>2</m:t>
+                              </m:r>
+                            </m:e>
+                            <m:e>
+                              <m:r>
+                                <a:rPr lang="en-US" sz="2000" b="0" i="1" smtClean="0">
+                                  <a:latin typeface="Cambria Math" panose="02040503050406030204" pitchFamily="18" charset="0"/>
+                                </a:rPr>
+                                <m:t>0</m:t>
+                              </m:r>
+                            </m:e>
+                          </m:mr>
+                          <m:mr>
+                            <m:e>
+                              <m:r>
+                                <a:rPr lang="en-US" sz="2000" b="0" i="1" smtClean="0">
+                                  <a:latin typeface="Cambria Math" panose="02040503050406030204" pitchFamily="18" charset="0"/>
+                                </a:rPr>
+                                <m:t>𝐺</m:t>
+                              </m:r>
+                              <m:r>
+                                <a:rPr lang="en-US" sz="2000" b="0" i="1" baseline="-25000" smtClean="0">
+                                  <a:latin typeface="Cambria Math" panose="02040503050406030204" pitchFamily="18" charset="0"/>
+                                </a:rPr>
+                                <m:t>2</m:t>
+                              </m:r>
+                            </m:e>
+                            <m:e>
+                              <m:r>
+                                <a:rPr lang="en-US" sz="2000" b="0" i="1" smtClean="0">
+                                  <a:latin typeface="Cambria Math" panose="02040503050406030204" pitchFamily="18" charset="0"/>
+                                </a:rPr>
+                                <m:t>𝐺</m:t>
+                              </m:r>
+                              <m:r>
+                                <a:rPr lang="en-US" sz="2000" b="0" i="1" baseline="-25000" smtClean="0">
+                                  <a:latin typeface="Cambria Math" panose="02040503050406030204" pitchFamily="18" charset="0"/>
+                                </a:rPr>
+                                <m:t>2</m:t>
+                              </m:r>
+                            </m:e>
+                          </m:mr>
+                        </m:m>
+                      </m:e>
+                    </m:d>
+                  </m:oMath>
+                </a14:m>
+                <a:endParaRPr lang="en-US" sz="2000" b="0" dirty="0">
+                  <a:latin typeface="Cambria Math" panose="02040503050406030204" pitchFamily="18" charset="0"/>
+                </a:endParaRPr>
+              </a:p>
+              <a:p>
+                <a:pPr marL="0" indent="0">
+                  <a:buNone/>
+                </a:pPr>
+                <a:r>
+                  <a:rPr lang="en-US" dirty="0">
+                    <a:latin typeface="Cambria Math" panose="02040503050406030204" pitchFamily="18" charset="0"/>
+                    <a:ea typeface="Cambria Math" panose="02040503050406030204" pitchFamily="18" charset="0"/>
+                  </a:rPr>
+                  <a:t>	      =  </a:t>
+                </a:r>
+                <a14:m>
+                  <m:oMath xmlns:m="http://schemas.openxmlformats.org/officeDocument/2006/math">
+                    <m:d>
+                      <m:dPr>
+                        <m:begChr m:val="["/>
+                        <m:endChr m:val="]"/>
+                        <m:ctrlPr>
+                          <a:rPr lang="en-US" i="1" smtClean="0">
+                            <a:latin typeface="Cambria Math" panose="02040503050406030204" pitchFamily="18" charset="0"/>
+                            <a:ea typeface="Cambria Math" panose="02040503050406030204" pitchFamily="18" charset="0"/>
+                          </a:rPr>
+                        </m:ctrlPr>
+                      </m:dPr>
+                      <m:e>
+                        <m:m>
+                          <m:mPr>
+                            <m:mcs>
+                              <m:mc>
+                                <m:mcPr>
+                                  <m:count m:val="2"/>
+                                  <m:mcJc m:val="center"/>
+                                </m:mcPr>
+                              </m:mc>
+                            </m:mcs>
+                            <m:ctrlPr>
+                              <a:rPr lang="en-US" i="1" smtClean="0">
+                                <a:latin typeface="Cambria Math" panose="02040503050406030204" pitchFamily="18" charset="0"/>
+                                <a:ea typeface="Cambria Math" panose="02040503050406030204" pitchFamily="18" charset="0"/>
+                              </a:rPr>
+                            </m:ctrlPr>
+                          </m:mPr>
+                          <m:mr>
+                            <m:e>
+                              <m:m>
+                                <m:mPr>
+                                  <m:plcHide m:val="on"/>
+                                  <m:mcs>
+                                    <m:mc>
+                                      <m:mcPr>
+                                        <m:count m:val="2"/>
+                                        <m:mcJc m:val="center"/>
+                                      </m:mcPr>
+                                    </m:mc>
+                                  </m:mcs>
+                                  <m:ctrlPr>
+                                    <a:rPr lang="en-US" i="1" smtClean="0">
+                                      <a:latin typeface="Cambria Math" panose="02040503050406030204" pitchFamily="18" charset="0"/>
+                                      <a:ea typeface="Cambria Math" panose="02040503050406030204" pitchFamily="18" charset="0"/>
+                                    </a:rPr>
+                                  </m:ctrlPr>
+                                </m:mPr>
+                                <m:mr>
+                                  <m:e>
+                                    <m:r>
+                                      <m:rPr>
+                                        <m:brk m:alnAt="7"/>
+                                      </m:rPr>
+                                      <a:rPr lang="en-US" i="1" smtClean="0">
+                                        <a:latin typeface="Cambria Math" panose="02040503050406030204" pitchFamily="18" charset="0"/>
+                                        <a:ea typeface="Cambria Math" panose="02040503050406030204" pitchFamily="18" charset="0"/>
+                                      </a:rPr>
+                                      <m:t>1</m:t>
+                                    </m:r>
+                                  </m:e>
+                                  <m:e>
+                                    <m:r>
+                                      <m:rPr>
+                                        <m:brk m:alnAt="7"/>
+                                      </m:rPr>
+                                      <a:rPr lang="en-US" i="1" smtClean="0">
+                                        <a:latin typeface="Cambria Math" panose="02040503050406030204" pitchFamily="18" charset="0"/>
+                                        <a:ea typeface="Cambria Math" panose="02040503050406030204" pitchFamily="18" charset="0"/>
+                                      </a:rPr>
+                                      <m:t>0</m:t>
+                                    </m:r>
+                                  </m:e>
+                                </m:mr>
+                                <m:mr>
+                                  <m:e>
+                                    <m:r>
+                                      <a:rPr lang="en-US" b="0" i="1" smtClean="0">
+                                        <a:latin typeface="Cambria Math" panose="02040503050406030204" pitchFamily="18" charset="0"/>
+                                        <a:ea typeface="Cambria Math" panose="02040503050406030204" pitchFamily="18" charset="0"/>
+                                      </a:rPr>
+                                      <m:t>1</m:t>
+                                    </m:r>
+                                  </m:e>
+                                  <m:e>
+                                    <m:r>
+                                      <m:rPr>
+                                        <m:brk m:alnAt="7"/>
+                                      </m:rPr>
+                                      <a:rPr lang="en-US" i="1" smtClean="0">
+                                        <a:latin typeface="Cambria Math" panose="02040503050406030204" pitchFamily="18" charset="0"/>
+                                        <a:ea typeface="Cambria Math" panose="02040503050406030204" pitchFamily="18" charset="0"/>
+                                      </a:rPr>
+                                      <m:t>1</m:t>
+                                    </m:r>
+                                  </m:e>
+                                </m:mr>
+                              </m:m>
+                            </m:e>
+                            <m:e>
+                              <m:m>
+                                <m:mPr>
+                                  <m:plcHide m:val="on"/>
+                                  <m:mcs>
+                                    <m:mc>
+                                      <m:mcPr>
+                                        <m:count m:val="2"/>
+                                        <m:mcJc m:val="center"/>
+                                      </m:mcPr>
+                                    </m:mc>
+                                  </m:mcs>
+                                  <m:ctrlPr>
+                                    <a:rPr lang="en-US" i="1">
+                                      <a:latin typeface="Cambria Math" panose="02040503050406030204" pitchFamily="18" charset="0"/>
+                                      <a:ea typeface="Cambria Math" panose="02040503050406030204" pitchFamily="18" charset="0"/>
+                                    </a:rPr>
+                                  </m:ctrlPr>
+                                </m:mPr>
+                                <m:mr>
+                                  <m:e>
+                                    <m:r>
+                                      <a:rPr lang="en-US" b="0" i="1" smtClean="0">
+                                        <a:latin typeface="Cambria Math" panose="02040503050406030204" pitchFamily="18" charset="0"/>
+                                        <a:ea typeface="Cambria Math" panose="02040503050406030204" pitchFamily="18" charset="0"/>
+                                      </a:rPr>
+                                      <m:t>0</m:t>
+                                    </m:r>
+                                  </m:e>
+                                  <m:e>
+                                    <m:r>
+                                      <m:rPr>
+                                        <m:brk m:alnAt="7"/>
+                                      </m:rPr>
+                                      <a:rPr lang="en-US" i="1">
+                                        <a:latin typeface="Cambria Math" panose="02040503050406030204" pitchFamily="18" charset="0"/>
+                                        <a:ea typeface="Cambria Math" panose="02040503050406030204" pitchFamily="18" charset="0"/>
+                                      </a:rPr>
+                                      <m:t>0</m:t>
+                                    </m:r>
+                                  </m:e>
+                                </m:mr>
+                                <m:mr>
+                                  <m:e>
+                                    <m:r>
+                                      <a:rPr lang="en-US" b="0" i="1" smtClean="0">
+                                        <a:latin typeface="Cambria Math" panose="02040503050406030204" pitchFamily="18" charset="0"/>
+                                        <a:ea typeface="Cambria Math" panose="02040503050406030204" pitchFamily="18" charset="0"/>
+                                      </a:rPr>
+                                      <m:t>0</m:t>
+                                    </m:r>
+                                  </m:e>
+                                  <m:e>
+                                    <m:r>
+                                      <a:rPr lang="en-US" b="0" i="1" smtClean="0">
+                                        <a:latin typeface="Cambria Math" panose="02040503050406030204" pitchFamily="18" charset="0"/>
+                                        <a:ea typeface="Cambria Math" panose="02040503050406030204" pitchFamily="18" charset="0"/>
+                                      </a:rPr>
+                                      <m:t>0</m:t>
+                                    </m:r>
+                                  </m:e>
+                                </m:mr>
+                              </m:m>
+                            </m:e>
+                          </m:mr>
+                          <m:mr>
+                            <m:e>
+                              <m:m>
+                                <m:mPr>
+                                  <m:plcHide m:val="on"/>
+                                  <m:mcs>
+                                    <m:mc>
+                                      <m:mcPr>
+                                        <m:count m:val="2"/>
+                                        <m:mcJc m:val="center"/>
+                                      </m:mcPr>
+                                    </m:mc>
+                                  </m:mcs>
+                                  <m:ctrlPr>
+                                    <a:rPr lang="en-US" i="1">
+                                      <a:latin typeface="Cambria Math" panose="02040503050406030204" pitchFamily="18" charset="0"/>
+                                      <a:ea typeface="Cambria Math" panose="02040503050406030204" pitchFamily="18" charset="0"/>
+                                    </a:rPr>
+                                  </m:ctrlPr>
+                                </m:mPr>
+                                <m:mr>
+                                  <m:e>
+                                    <m:r>
+                                      <m:rPr>
+                                        <m:brk m:alnAt="7"/>
+                                      </m:rPr>
+                                      <a:rPr lang="en-US" i="1">
+                                        <a:latin typeface="Cambria Math" panose="02040503050406030204" pitchFamily="18" charset="0"/>
+                                        <a:ea typeface="Cambria Math" panose="02040503050406030204" pitchFamily="18" charset="0"/>
+                                      </a:rPr>
+                                      <m:t>1</m:t>
+                                    </m:r>
+                                  </m:e>
+                                  <m:e>
+                                    <m:r>
+                                      <m:rPr>
+                                        <m:brk m:alnAt="7"/>
+                                      </m:rPr>
+                                      <a:rPr lang="en-US" i="1">
+                                        <a:latin typeface="Cambria Math" panose="02040503050406030204" pitchFamily="18" charset="0"/>
+                                        <a:ea typeface="Cambria Math" panose="02040503050406030204" pitchFamily="18" charset="0"/>
+                                      </a:rPr>
+                                      <m:t>0</m:t>
+                                    </m:r>
+                                  </m:e>
+                                </m:mr>
+                                <m:mr>
+                                  <m:e>
+                                    <m:r>
+                                      <a:rPr lang="en-US" i="1">
+                                        <a:latin typeface="Cambria Math" panose="02040503050406030204" pitchFamily="18" charset="0"/>
+                                        <a:ea typeface="Cambria Math" panose="02040503050406030204" pitchFamily="18" charset="0"/>
+                                      </a:rPr>
+                                      <m:t>1</m:t>
+                                    </m:r>
+                                  </m:e>
+                                  <m:e>
+                                    <m:r>
+                                      <m:rPr>
+                                        <m:brk m:alnAt="7"/>
+                                      </m:rPr>
+                                      <a:rPr lang="en-US" i="1">
+                                        <a:latin typeface="Cambria Math" panose="02040503050406030204" pitchFamily="18" charset="0"/>
+                                        <a:ea typeface="Cambria Math" panose="02040503050406030204" pitchFamily="18" charset="0"/>
+                                      </a:rPr>
+                                      <m:t>1</m:t>
+                                    </m:r>
+                                  </m:e>
+                                </m:mr>
+                              </m:m>
+                            </m:e>
+                            <m:e>
+                              <m:m>
+                                <m:mPr>
+                                  <m:plcHide m:val="on"/>
+                                  <m:mcs>
+                                    <m:mc>
+                                      <m:mcPr>
+                                        <m:count m:val="2"/>
+                                        <m:mcJc m:val="center"/>
+                                      </m:mcPr>
+                                    </m:mc>
+                                  </m:mcs>
+                                  <m:ctrlPr>
+                                    <a:rPr lang="en-US" i="1">
+                                      <a:latin typeface="Cambria Math" panose="02040503050406030204" pitchFamily="18" charset="0"/>
+                                      <a:ea typeface="Cambria Math" panose="02040503050406030204" pitchFamily="18" charset="0"/>
+                                    </a:rPr>
+                                  </m:ctrlPr>
+                                </m:mPr>
+                                <m:mr>
+                                  <m:e>
+                                    <m:r>
+                                      <m:rPr>
+                                        <m:brk m:alnAt="7"/>
+                                      </m:rPr>
+                                      <a:rPr lang="en-US" i="1">
+                                        <a:latin typeface="Cambria Math" panose="02040503050406030204" pitchFamily="18" charset="0"/>
+                                        <a:ea typeface="Cambria Math" panose="02040503050406030204" pitchFamily="18" charset="0"/>
+                                      </a:rPr>
+                                      <m:t>1</m:t>
+                                    </m:r>
+                                  </m:e>
+                                  <m:e>
+                                    <m:r>
+                                      <m:rPr>
+                                        <m:brk m:alnAt="7"/>
+                                      </m:rPr>
+                                      <a:rPr lang="en-US" i="1">
+                                        <a:latin typeface="Cambria Math" panose="02040503050406030204" pitchFamily="18" charset="0"/>
+                                        <a:ea typeface="Cambria Math" panose="02040503050406030204" pitchFamily="18" charset="0"/>
+                                      </a:rPr>
+                                      <m:t>0</m:t>
+                                    </m:r>
+                                  </m:e>
+                                </m:mr>
+                                <m:mr>
+                                  <m:e>
+                                    <m:r>
+                                      <a:rPr lang="en-US" i="1">
+                                        <a:latin typeface="Cambria Math" panose="02040503050406030204" pitchFamily="18" charset="0"/>
+                                        <a:ea typeface="Cambria Math" panose="02040503050406030204" pitchFamily="18" charset="0"/>
+                                      </a:rPr>
+                                      <m:t>1</m:t>
+                                    </m:r>
+                                  </m:e>
+                                  <m:e>
+                                    <m:r>
+                                      <m:rPr>
+                                        <m:brk m:alnAt="7"/>
+                                      </m:rPr>
+                                      <a:rPr lang="en-US" i="1">
+                                        <a:latin typeface="Cambria Math" panose="02040503050406030204" pitchFamily="18" charset="0"/>
+                                        <a:ea typeface="Cambria Math" panose="02040503050406030204" pitchFamily="18" charset="0"/>
+                                      </a:rPr>
+                                      <m:t>1</m:t>
+                                    </m:r>
+                                  </m:e>
+                                </m:mr>
+                              </m:m>
+                            </m:e>
+                          </m:mr>
+                        </m:m>
+                      </m:e>
+                    </m:d>
+                  </m:oMath>
+                </a14:m>
+                <a:endParaRPr lang="en-US" dirty="0">
+                  <a:latin typeface="Cambria Math" panose="02040503050406030204" pitchFamily="18" charset="0"/>
+                  <a:ea typeface="Cambria Math" panose="02040503050406030204" pitchFamily="18" charset="0"/>
+                </a:endParaRPr>
+              </a:p>
+              <a:p>
+                <a:pPr marL="0" indent="0">
+                  <a:buNone/>
+                </a:pPr>
+                <a:endParaRPr lang="en-IN" dirty="0"/>
+              </a:p>
+            </p:txBody>
+          </p:sp>
+        </mc:Choice>
+        <mc:Fallback>
+          <p:sp>
+            <p:nvSpPr>
+              <p:cNvPr id="3" name="Content Placeholder 2">
+                <a:extLst>
+                  <a:ext uri="{FF2B5EF4-FFF2-40B4-BE49-F238E27FC236}">
+                    <a16:creationId xmlns:a16="http://schemas.microsoft.com/office/drawing/2014/main" id="{EE51AA68-5E5D-34E2-FE6B-536850EAF17F}"/>
+                  </a:ext>
+                </a:extLst>
+              </p:cNvPr>
+              <p:cNvSpPr>
+                <a:spLocks noGrp="1" noRot="1" noChangeAspect="1" noMove="1" noResize="1" noEditPoints="1" noAdjustHandles="1" noChangeArrowheads="1" noChangeShapeType="1" noTextEdit="1"/>
+              </p:cNvSpPr>
+              <p:nvPr>
+                <p:ph idx="1"/>
+              </p:nvPr>
+            </p:nvSpPr>
+            <p:spPr>
+              <a:blipFill>
+                <a:blip r:embed="rId2"/>
+                <a:stretch>
+                  <a:fillRect l="-1455" t="-1667"/>
+                </a:stretch>
+              </a:blipFill>
+            </p:spPr>
+            <p:txBody>
+              <a:bodyPr/>
+              <a:lstStyle/>
+              <a:p>
+                <a:r>
+                  <a:rPr lang="en-IN">
+                    <a:noFill/>
+                  </a:rPr>
+                  <a:t> </a:t>
+                </a:r>
+              </a:p>
+            </p:txBody>
+          </p:sp>
+        </mc:Fallback>
+      </mc:AlternateContent>
+    </p:spTree>
+    <p:extLst>
+      <p:ext uri="{BB962C8B-B14F-4D97-AF65-F5344CB8AC3E}">
+        <p14:creationId xmlns:p14="http://schemas.microsoft.com/office/powerpoint/2010/main" val="1171904421"/>
+      </p:ext>
+    </p:extLst>
+  </p:cSld>
+  <p:clrMapOvr>
+    <a:masterClrMapping/>
+  </p:clrMapOvr>
+</p:sld>
+</file>
+
 <file path=ppt/slides/slide9.xml><?xml version="1.0" encoding="utf-8"?>
 <p:sld xmlns:a="http://schemas.openxmlformats.org/drawingml/2006/main" xmlns:r="http://schemas.openxmlformats.org/officeDocument/2006/relationships" xmlns:p="http://schemas.openxmlformats.org/presentationml/2006/main">
   <p:cSld>
@@ -43212,8 +42069,8 @@
           </a:p>
         </p:txBody>
       </p:sp>
-      <mc:AlternateContent xmlns:mc="http://schemas.openxmlformats.org/markup-compatibility/2006">
-        <mc:Choice xmlns:a14="http://schemas.microsoft.com/office/drawing/2010/main" Requires="a14">
+      <mc:AlternateContent xmlns:mc="http://schemas.openxmlformats.org/markup-compatibility/2006" xmlns:a14="http://schemas.microsoft.com/office/drawing/2010/main">
+        <mc:Choice Requires="a14">
           <p:sp>
             <p:nvSpPr>
               <p:cNvPr id="3" name="Content Placeholder 2">
@@ -43271,47 +42128,8 @@
                   <a:rPr lang="en-US" dirty="0">
                     <a:sym typeface="Wingdings" panose="05000000000000000000" pitchFamily="2" charset="2"/>
                   </a:rPr>
-                  <a:t> I(W) is a channel capacity of channel W, where I(W) </a:t>
+                  <a:t> I(W) is a channel capacity of channel W.</a:t>
                 </a:r>
-                <a14:m>
-                  <m:oMath xmlns:m="http://schemas.openxmlformats.org/officeDocument/2006/math">
-                    <m:r>
-                      <a:rPr lang="en-US" i="1" smtClean="0">
-                        <a:latin typeface="Cambria Math" panose="02040503050406030204" pitchFamily="18" charset="0"/>
-                        <a:ea typeface="Cambria Math" panose="02040503050406030204" pitchFamily="18" charset="0"/>
-                        <a:sym typeface="Wingdings" panose="05000000000000000000" pitchFamily="2" charset="2"/>
-                      </a:rPr>
-                      <m:t>∈</m:t>
-                    </m:r>
-                    <m:d>
-                      <m:dPr>
-                        <m:begChr m:val="["/>
-                        <m:endChr m:val="]"/>
-                        <m:ctrlPr>
-                          <a:rPr lang="en-US" b="0" i="1" smtClean="0">
-                            <a:latin typeface="Cambria Math" panose="02040503050406030204" pitchFamily="18" charset="0"/>
-                            <a:ea typeface="Cambria Math" panose="02040503050406030204" pitchFamily="18" charset="0"/>
-                            <a:sym typeface="Wingdings" panose="05000000000000000000" pitchFamily="2" charset="2"/>
-                          </a:rPr>
-                        </m:ctrlPr>
-                      </m:dPr>
-                      <m:e>
-                        <m:r>
-                          <a:rPr lang="en-US" b="0" i="1" smtClean="0">
-                            <a:latin typeface="Cambria Math" panose="02040503050406030204" pitchFamily="18" charset="0"/>
-                            <a:ea typeface="Cambria Math" panose="02040503050406030204" pitchFamily="18" charset="0"/>
-                            <a:sym typeface="Wingdings" panose="05000000000000000000" pitchFamily="2" charset="2"/>
-                          </a:rPr>
-                          <m:t>0,1</m:t>
-                        </m:r>
-                      </m:e>
-                    </m:d>
-                  </m:oMath>
-                </a14:m>
-                <a:endParaRPr lang="en-US" b="0" dirty="0">
-                  <a:ea typeface="Cambria Math" panose="02040503050406030204" pitchFamily="18" charset="0"/>
-                  <a:sym typeface="Wingdings" panose="05000000000000000000" pitchFamily="2" charset="2"/>
-                </a:endParaRPr>
               </a:p>
               <a:p>
                 <a:pPr>
@@ -43904,7 +42722,7 @@
             </p:txBody>
           </p:sp>
         </mc:Choice>
-        <mc:Fallback>
+        <mc:Fallback xmlns="">
           <p:sp>
             <p:nvSpPr>
               <p:cNvPr id="3" name="Content Placeholder 2">
